--- a/05-Run Interactive queries using Azure Synapse Serverless.pptx
+++ b/05-Run Interactive queries using Azure Synapse Serverless.pptx
@@ -5,23 +5,26 @@
     <p:sldMasterId id="2147483648" r:id="rId1"/>
   </p:sldMasterIdLst>
   <p:notesMasterIdLst>
-    <p:notesMasterId r:id="rId13"/>
+    <p:notesMasterId r:id="rId16"/>
   </p:notesMasterIdLst>
   <p:handoutMasterIdLst>
-    <p:handoutMasterId r:id="rId14"/>
+    <p:handoutMasterId r:id="rId17"/>
   </p:handoutMasterIdLst>
   <p:sldIdLst>
     <p:sldId id="256" r:id="rId2"/>
     <p:sldId id="418" r:id="rId3"/>
     <p:sldId id="257" r:id="rId4"/>
-    <p:sldId id="419" r:id="rId5"/>
-    <p:sldId id="420" r:id="rId6"/>
-    <p:sldId id="258" r:id="rId7"/>
-    <p:sldId id="421" r:id="rId8"/>
-    <p:sldId id="422" r:id="rId9"/>
-    <p:sldId id="259" r:id="rId10"/>
-    <p:sldId id="423" r:id="rId11"/>
-    <p:sldId id="424" r:id="rId12"/>
+    <p:sldId id="3206" r:id="rId5"/>
+    <p:sldId id="419" r:id="rId6"/>
+    <p:sldId id="420" r:id="rId7"/>
+    <p:sldId id="258" r:id="rId8"/>
+    <p:sldId id="421" r:id="rId9"/>
+    <p:sldId id="683" r:id="rId10"/>
+    <p:sldId id="422" r:id="rId11"/>
+    <p:sldId id="3207" r:id="rId12"/>
+    <p:sldId id="259" r:id="rId13"/>
+    <p:sldId id="423" r:id="rId14"/>
+    <p:sldId id="424" r:id="rId15"/>
   </p:sldIdLst>
   <p:sldSz cx="12192000" cy="6858000"/>
   <p:notesSz cx="6858000" cy="9144000"/>
@@ -595,7 +598,7 @@
           <a:p>
             <a:fld id="{2B56BDA5-FBCC-43E1-957B-02AF36889AD5}" type="datetimeFigureOut">
               <a:rPr lang="en-US" smtClean="0"/>
-              <a:t>4/3/2022</a:t>
+              <a:t>12/2/2022</a:t>
             </a:fld>
             <a:endParaRPr lang="en-US" dirty="0"/>
           </a:p>
@@ -772,7 +775,7 @@
           <a:p>
             <a:fld id="{8F44CDF0-0D54-4AFE-B409-D6358A9BB9A1}" type="datetimeFigureOut">
               <a:rPr lang="en-US" smtClean="0"/>
-              <a:t>4/3/2022</a:t>
+              <a:t>12/2/2022</a:t>
             </a:fld>
             <a:endParaRPr lang="en-US" dirty="0"/>
           </a:p>
@@ -1268,6 +1271,1033 @@
           <a:bodyPr/>
           <a:lstStyle/>
           <a:p>
+            <a:pPr algn="l"/>
+            <a:r>
+              <a:rPr lang="en-GB" sz="900" b="0" i="0" dirty="0">
+                <a:solidFill>
+                  <a:srgbClr val="24292E"/>
+                </a:solidFill>
+                <a:effectLst/>
+                <a:latin typeface="+mn-lt"/>
+              </a:rPr>
+              <a:t>Metadata objects </a:t>
+            </a:r>
+            <a:r>
+              <a:rPr lang="en-GB" b="0" i="0" dirty="0">
+                <a:solidFill>
+                  <a:srgbClr val="171717"/>
+                </a:solidFill>
+                <a:effectLst/>
+                <a:latin typeface="+mn-lt"/>
+              </a:rPr>
+              <a:t>help you query data or optimize your existing data transformation pipeline through Azure Synapse serverless SQL pools. It also enables clients connecting to the serverless SQL pool to discover the objects to query the data in the lake. This essentially creates a semantic layer over which tools like Power BI can use to easily consume the data.</a:t>
+            </a:r>
+          </a:p>
+          <a:p>
+            <a:pPr algn="l"/>
+            <a:endParaRPr lang="en-GB" b="0" i="0" dirty="0">
+              <a:solidFill>
+                <a:srgbClr val="171717"/>
+              </a:solidFill>
+              <a:effectLst/>
+              <a:latin typeface="+mn-lt"/>
+            </a:endParaRPr>
+          </a:p>
+          <a:p>
+            <a:pPr algn="l"/>
+            <a:r>
+              <a:rPr lang="en-GB" b="0" i="0" dirty="0">
+                <a:solidFill>
+                  <a:srgbClr val="171717"/>
+                </a:solidFill>
+                <a:effectLst/>
+                <a:latin typeface="+mn-lt"/>
+              </a:rPr>
+              <a:t>(Click) You should start of by creating a database, and then you can create the following objects to organise the data so that it can be accessed securely:</a:t>
+            </a:r>
+          </a:p>
+          <a:p>
+            <a:pPr algn="l"/>
+            <a:endParaRPr lang="en-GB" b="0" i="0" dirty="0">
+              <a:solidFill>
+                <a:srgbClr val="171717"/>
+              </a:solidFill>
+              <a:effectLst/>
+              <a:latin typeface="+mn-lt"/>
+            </a:endParaRPr>
+          </a:p>
+          <a:p>
+            <a:pPr marL="171450" indent="-171450" algn="l">
+              <a:buFontTx/>
+              <a:buChar char="-"/>
+            </a:pPr>
+            <a:r>
+              <a:rPr lang="en-GB" b="0" i="0" dirty="0">
+                <a:solidFill>
+                  <a:srgbClr val="171717"/>
+                </a:solidFill>
+                <a:effectLst/>
+                <a:latin typeface="+mn-lt"/>
+              </a:rPr>
+              <a:t>(Click) Database scoped credential</a:t>
+            </a:r>
+          </a:p>
+          <a:p>
+            <a:pPr marL="171450" indent="-171450" algn="l">
+              <a:buFontTx/>
+              <a:buChar char="-"/>
+            </a:pPr>
+            <a:r>
+              <a:rPr lang="en-GB" b="0" i="0" dirty="0">
+                <a:solidFill>
+                  <a:srgbClr val="171717"/>
+                </a:solidFill>
+                <a:effectLst/>
+                <a:latin typeface="+mn-lt"/>
+              </a:rPr>
+              <a:t>(Click) External data source</a:t>
+            </a:r>
+          </a:p>
+          <a:p>
+            <a:pPr marL="171450" indent="-171450" algn="l">
+              <a:buFontTx/>
+              <a:buChar char="-"/>
+            </a:pPr>
+            <a:r>
+              <a:rPr lang="en-GB" b="0" i="0" dirty="0">
+                <a:solidFill>
+                  <a:srgbClr val="171717"/>
+                </a:solidFill>
+                <a:effectLst/>
+                <a:latin typeface="+mn-lt"/>
+              </a:rPr>
+              <a:t>(Click) External file formats</a:t>
+            </a:r>
+          </a:p>
+          <a:p>
+            <a:pPr marL="171450" indent="-171450" algn="l">
+              <a:buFontTx/>
+              <a:buChar char="-"/>
+            </a:pPr>
+            <a:r>
+              <a:rPr lang="en-GB" b="0" i="0" dirty="0">
+                <a:solidFill>
+                  <a:srgbClr val="171717"/>
+                </a:solidFill>
+                <a:effectLst/>
+                <a:latin typeface="+mn-lt"/>
+              </a:rPr>
+              <a:t>(Click) External tables</a:t>
+            </a:r>
+          </a:p>
+          <a:p>
+            <a:pPr marL="171450" indent="-171450" algn="l">
+              <a:buFontTx/>
+              <a:buChar char="-"/>
+            </a:pPr>
+            <a:r>
+              <a:rPr lang="en-GB" b="0" i="0" dirty="0">
+                <a:solidFill>
+                  <a:srgbClr val="171717"/>
+                </a:solidFill>
+                <a:effectLst/>
+                <a:latin typeface="+mn-lt"/>
+              </a:rPr>
+              <a:t>(Click) Views</a:t>
+            </a:r>
+          </a:p>
+          <a:p>
+            <a:pPr algn="l"/>
+            <a:endParaRPr lang="en-GB" sz="900" b="0" i="0" dirty="0">
+              <a:solidFill>
+                <a:srgbClr val="24292E"/>
+              </a:solidFill>
+              <a:effectLst/>
+              <a:latin typeface="+mn-lt"/>
+            </a:endParaRPr>
+          </a:p>
+          <a:p>
+            <a:pPr marL="0" marR="0" lvl="0" indent="0" algn="l" defTabSz="932742" rtl="0" eaLnBrk="1" fontAlgn="auto" latinLnBrk="0" hangingPunct="1">
+              <a:lnSpc>
+                <a:spcPct val="90000"/>
+              </a:lnSpc>
+              <a:spcBef>
+                <a:spcPts val="0"/>
+              </a:spcBef>
+              <a:spcAft>
+                <a:spcPts val="340"/>
+              </a:spcAft>
+              <a:buClrTx/>
+              <a:buSzTx/>
+              <a:buFontTx/>
+              <a:buNone/>
+              <a:tabLst/>
+              <a:defRPr/>
+            </a:pPr>
+            <a:r>
+              <a:rPr lang="en-US" sz="1100" b="0" i="0" kern="1200" dirty="0">
+                <a:solidFill>
+                  <a:srgbClr val="24292E"/>
+                </a:solidFill>
+                <a:effectLst/>
+                <a:latin typeface="+mn-lt"/>
+                <a:ea typeface="+mn-ea"/>
+                <a:cs typeface="+mn-cs"/>
+              </a:rPr>
+              <a:t>Metadata objects can help you simplify understanding the data that is held in the files of a data lake by enabling you to define a semantic layer on top of the files. This initial step can also simplify the transformation that you may use against the data as it can be presented as tables in the serverless SQL pool.</a:t>
+            </a:r>
+          </a:p>
+          <a:p>
+            <a:pPr algn="l"/>
+            <a:endParaRPr lang="en-IE" sz="900" b="1" i="0" dirty="0">
+              <a:solidFill>
+                <a:srgbClr val="171717"/>
+              </a:solidFill>
+              <a:effectLst/>
+              <a:latin typeface="+mn-lt"/>
+            </a:endParaRPr>
+          </a:p>
+          <a:p>
+            <a:pPr algn="l"/>
+            <a:r>
+              <a:rPr lang="en-GB" sz="1100" b="0" i="0" dirty="0">
+                <a:solidFill>
+                  <a:srgbClr val="24292E"/>
+                </a:solidFill>
+                <a:effectLst/>
+                <a:latin typeface="+mn-lt"/>
+              </a:rPr>
+              <a:t>The ability to create metadata objects within a serverless SQL pools in Azure Synapse Analytics provides some opportunities for customers to use it as a proof-of-concept layer for any potential enterprise data warehouses that they may consider creating. It is important to note; however, that it is better to transition the proof of concept to a dedicated SQL pools where the data and resources are persisted should the proof-of-concept be a success, and the decision is made to make the enterprise data warehouse more permanent.</a:t>
+            </a:r>
+          </a:p>
+        </p:txBody>
+      </p:sp>
+      <p:sp>
+        <p:nvSpPr>
+          <p:cNvPr id="7" name="Slide Number Placeholder 6"/>
+          <p:cNvSpPr>
+            <a:spLocks noGrp="1"/>
+          </p:cNvSpPr>
+          <p:nvPr>
+            <p:ph type="sldNum" sz="quarter" idx="13"/>
+          </p:nvPr>
+        </p:nvSpPr>
+        <p:spPr/>
+        <p:txBody>
+          <a:bodyPr/>
+          <a:lstStyle/>
+          <a:p>
+            <a:pPr marL="0" marR="0" lvl="0" indent="0" algn="r" defTabSz="914400" rtl="0" eaLnBrk="1" fontAlgn="auto" latinLnBrk="0" hangingPunct="1">
+              <a:lnSpc>
+                <a:spcPct val="100000"/>
+              </a:lnSpc>
+              <a:spcBef>
+                <a:spcPts val="0"/>
+              </a:spcBef>
+              <a:spcAft>
+                <a:spcPts val="0"/>
+              </a:spcAft>
+              <a:buClrTx/>
+              <a:buSzTx/>
+              <a:buFontTx/>
+              <a:buNone/>
+              <a:tabLst/>
+              <a:defRPr/>
+            </a:pPr>
+            <a:fld id="{B4008EB6-D09E-4580-8CD6-DDB14511944F}" type="slidenum">
+              <a:rPr kumimoji="0" lang="en-US" sz="1800" b="0" i="0" u="none" strike="noStrike" kern="0" cap="none" spc="0" normalizeH="0" baseline="0" noProof="0" smtClean="0">
+                <a:ln>
+                  <a:noFill/>
+                </a:ln>
+                <a:solidFill>
+                  <a:prstClr val="black"/>
+                </a:solidFill>
+                <a:effectLst/>
+                <a:uLnTx/>
+                <a:uFillTx/>
+                <a:latin typeface="Segoe UI" pitchFamily="34" charset="0"/>
+                <a:ea typeface="+mn-ea"/>
+                <a:cs typeface="+mn-cs"/>
+              </a:rPr>
+              <a:pPr marL="0" marR="0" lvl="0" indent="0" algn="r" defTabSz="914400" rtl="0" eaLnBrk="1" fontAlgn="auto" latinLnBrk="0" hangingPunct="1">
+                <a:lnSpc>
+                  <a:spcPct val="100000"/>
+                </a:lnSpc>
+                <a:spcBef>
+                  <a:spcPts val="0"/>
+                </a:spcBef>
+                <a:spcAft>
+                  <a:spcPts val="0"/>
+                </a:spcAft>
+                <a:buClrTx/>
+                <a:buSzTx/>
+                <a:buFontTx/>
+                <a:buNone/>
+                <a:tabLst/>
+                <a:defRPr/>
+              </a:pPr>
+              <a:t>11</a:t>
+            </a:fld>
+            <a:endParaRPr kumimoji="0" lang="en-US" sz="1800" b="0" i="0" u="none" strike="noStrike" kern="0" cap="none" spc="0" normalizeH="0" baseline="0" noProof="0" dirty="0">
+              <a:ln>
+                <a:noFill/>
+              </a:ln>
+              <a:solidFill>
+                <a:prstClr val="black"/>
+              </a:solidFill>
+              <a:effectLst/>
+              <a:uLnTx/>
+              <a:uFillTx/>
+              <a:latin typeface="Segoe UI" pitchFamily="34" charset="0"/>
+              <a:ea typeface="+mn-ea"/>
+              <a:cs typeface="+mn-cs"/>
+            </a:endParaRPr>
+          </a:p>
+        </p:txBody>
+      </p:sp>
+    </p:spTree>
+    <p:extLst>
+      <p:ext uri="{BB962C8B-B14F-4D97-AF65-F5344CB8AC3E}">
+        <p14:creationId xmlns:p14="http://schemas.microsoft.com/office/powerpoint/2010/main" val="1207139505"/>
+      </p:ext>
+    </p:extLst>
+  </p:cSld>
+  <p:clrMapOvr>
+    <a:masterClrMapping/>
+  </p:clrMapOvr>
+</p:notes>
+</file>
+
+<file path=ppt/notesSlides/notesSlide11.xml><?xml version="1.0" encoding="utf-8"?>
+<p:notes xmlns:a="http://schemas.openxmlformats.org/drawingml/2006/main" xmlns:r="http://schemas.openxmlformats.org/officeDocument/2006/relationships" xmlns:p="http://schemas.openxmlformats.org/presentationml/2006/main">
+  <p:cSld>
+    <p:spTree>
+      <p:nvGrpSpPr>
+        <p:cNvPr id="1" name=""/>
+        <p:cNvGrpSpPr/>
+        <p:nvPr/>
+      </p:nvGrpSpPr>
+      <p:grpSpPr>
+        <a:xfrm>
+          <a:off x="0" y="0"/>
+          <a:ext cx="0" cy="0"/>
+          <a:chOff x="0" y="0"/>
+          <a:chExt cx="0" cy="0"/>
+        </a:xfrm>
+      </p:grpSpPr>
+      <p:sp>
+        <p:nvSpPr>
+          <p:cNvPr id="2" name="Slide Image Placeholder 1"/>
+          <p:cNvSpPr>
+            <a:spLocks noGrp="1" noRot="1" noChangeAspect="1"/>
+          </p:cNvSpPr>
+          <p:nvPr>
+            <p:ph type="sldImg"/>
+          </p:nvPr>
+        </p:nvSpPr>
+        <p:spPr/>
+      </p:sp>
+      <p:sp>
+        <p:nvSpPr>
+          <p:cNvPr id="3" name="Notes Placeholder 2"/>
+          <p:cNvSpPr>
+            <a:spLocks noGrp="1"/>
+          </p:cNvSpPr>
+          <p:nvPr>
+            <p:ph type="body" idx="1"/>
+          </p:nvPr>
+        </p:nvSpPr>
+        <p:spPr/>
+        <p:txBody>
+          <a:bodyPr/>
+          <a:lstStyle/>
+          <a:p>
+            <a:pPr marL="0" marR="0" lvl="0" indent="0" algn="l" defTabSz="914400" rtl="0" eaLnBrk="1" fontAlgn="auto" latinLnBrk="0" hangingPunct="1">
+              <a:lnSpc>
+                <a:spcPct val="100000"/>
+              </a:lnSpc>
+              <a:spcBef>
+                <a:spcPts val="0"/>
+              </a:spcBef>
+              <a:spcAft>
+                <a:spcPts val="0"/>
+              </a:spcAft>
+              <a:buClrTx/>
+              <a:buSzTx/>
+              <a:buFontTx/>
+              <a:buNone/>
+              <a:tabLst/>
+              <a:defRPr/>
+            </a:pPr>
+            <a:r>
+              <a:rPr lang="en-IE" b="1" dirty="0"/>
+              <a:t>Talking Points:</a:t>
+            </a:r>
+            <a:endParaRPr lang="en-IE" dirty="0"/>
+          </a:p>
+          <a:p>
+            <a:endParaRPr lang="en-GB" dirty="0"/>
+          </a:p>
+          <a:p>
+            <a:r>
+              <a:rPr lang="en-GB" dirty="0"/>
+              <a:t>Lets look at the security considerations</a:t>
+            </a:r>
+          </a:p>
+        </p:txBody>
+      </p:sp>
+      <p:sp>
+        <p:nvSpPr>
+          <p:cNvPr id="4" name="Slide Number Placeholder 3"/>
+          <p:cNvSpPr>
+            <a:spLocks noGrp="1"/>
+          </p:cNvSpPr>
+          <p:nvPr>
+            <p:ph type="sldNum" sz="quarter" idx="5"/>
+          </p:nvPr>
+        </p:nvSpPr>
+        <p:spPr/>
+        <p:txBody>
+          <a:bodyPr/>
+          <a:lstStyle/>
+          <a:p>
+            <a:fld id="{37E24C93-78CA-4AF0-9E77-825D60ABA46D}" type="slidenum">
+              <a:rPr lang="en-US" smtClean="0"/>
+              <a:t>12</a:t>
+            </a:fld>
+            <a:endParaRPr lang="en-US" dirty="0"/>
+          </a:p>
+        </p:txBody>
+      </p:sp>
+    </p:spTree>
+    <p:extLst>
+      <p:ext uri="{BB962C8B-B14F-4D97-AF65-F5344CB8AC3E}">
+        <p14:creationId xmlns:p14="http://schemas.microsoft.com/office/powerpoint/2010/main" val="420517814"/>
+      </p:ext>
+    </p:extLst>
+  </p:cSld>
+  <p:clrMapOvr>
+    <a:masterClrMapping/>
+  </p:clrMapOvr>
+</p:notes>
+</file>
+
+<file path=ppt/notesSlides/notesSlide12.xml><?xml version="1.0" encoding="utf-8"?>
+<p:notes xmlns:a="http://schemas.openxmlformats.org/drawingml/2006/main" xmlns:r="http://schemas.openxmlformats.org/officeDocument/2006/relationships" xmlns:p="http://schemas.openxmlformats.org/presentationml/2006/main">
+  <p:cSld>
+    <p:spTree>
+      <p:nvGrpSpPr>
+        <p:cNvPr id="1" name=""/>
+        <p:cNvGrpSpPr/>
+        <p:nvPr/>
+      </p:nvGrpSpPr>
+      <p:grpSpPr>
+        <a:xfrm>
+          <a:off x="0" y="0"/>
+          <a:ext cx="0" cy="0"/>
+          <a:chOff x="0" y="0"/>
+          <a:chExt cx="0" cy="0"/>
+        </a:xfrm>
+      </p:grpSpPr>
+      <p:sp>
+        <p:nvSpPr>
+          <p:cNvPr id="2" name="Slide Image Placeholder 1"/>
+          <p:cNvSpPr>
+            <a:spLocks noGrp="1" noRot="1" noChangeAspect="1"/>
+          </p:cNvSpPr>
+          <p:nvPr>
+            <p:ph type="sldImg"/>
+          </p:nvPr>
+        </p:nvSpPr>
+        <p:spPr/>
+      </p:sp>
+      <p:sp>
+        <p:nvSpPr>
+          <p:cNvPr id="3" name="Notes Placeholder 2"/>
+          <p:cNvSpPr>
+            <a:spLocks noGrp="1"/>
+          </p:cNvSpPr>
+          <p:nvPr>
+            <p:ph type="body" idx="1"/>
+          </p:nvPr>
+        </p:nvSpPr>
+        <p:spPr/>
+        <p:txBody>
+          <a:bodyPr/>
+          <a:lstStyle/>
+          <a:p>
+            <a:r>
+              <a:rPr lang="en-IE" b="1" dirty="0"/>
+              <a:t>Talking Points:</a:t>
+            </a:r>
+          </a:p>
+          <a:p>
+            <a:endParaRPr lang="en-IE" dirty="0"/>
+          </a:p>
+          <a:p>
+            <a:r>
+              <a:rPr lang="en-IE" dirty="0"/>
+              <a:t>There are 3 areas of security to be aware of with Azure Synapse SQL pools</a:t>
+            </a:r>
+          </a:p>
+          <a:p>
+            <a:endParaRPr lang="en-IE" dirty="0"/>
+          </a:p>
+          <a:p>
+            <a:pPr algn="l"/>
+            <a:r>
+              <a:rPr lang="en-GB" b="1" i="0" u="none" strike="noStrike" dirty="0">
+                <a:solidFill>
+                  <a:srgbClr val="171717"/>
+                </a:solidFill>
+                <a:effectLst/>
+                <a:latin typeface="Segoe UI" panose="020B0502040204020203" pitchFamily="34" charset="0"/>
+                <a:hlinkClick r:id="rId3"/>
+              </a:rPr>
+              <a:t>Authentication</a:t>
+            </a:r>
+            <a:r>
+              <a:rPr lang="en-GB" b="0" i="0" dirty="0">
+                <a:solidFill>
+                  <a:srgbClr val="171717"/>
+                </a:solidFill>
+                <a:effectLst/>
+                <a:latin typeface="Segoe UI" panose="020B0502040204020203" pitchFamily="34" charset="0"/>
+              </a:rPr>
+              <a:t> is the process of proving the user is who they claim to be. A user connects to a database using a user account. When a user attempts to connect to a database, they provide a user account and authentication information. The user is authenticated using one of the following two authentication methods:</a:t>
+            </a:r>
+          </a:p>
+          <a:p>
+            <a:pPr algn="l"/>
+            <a:endParaRPr lang="en-GB" b="0" i="0" dirty="0">
+              <a:solidFill>
+                <a:srgbClr val="171717"/>
+              </a:solidFill>
+              <a:effectLst/>
+              <a:latin typeface="Segoe UI" panose="020B0502040204020203" pitchFamily="34" charset="0"/>
+            </a:endParaRPr>
+          </a:p>
+          <a:p>
+            <a:pPr algn="l">
+              <a:buFont typeface="Arial" panose="020B0604020202020204" pitchFamily="34" charset="0"/>
+              <a:buNone/>
+            </a:pPr>
+            <a:r>
+              <a:rPr lang="en-GB" b="0" i="0" u="none" strike="noStrike" dirty="0">
+                <a:solidFill>
+                  <a:srgbClr val="171717"/>
+                </a:solidFill>
+                <a:effectLst/>
+                <a:latin typeface="Segoe UI" panose="020B0502040204020203" pitchFamily="34" charset="0"/>
+                <a:hlinkClick r:id="rId4"/>
+              </a:rPr>
+              <a:t>SQL authentication</a:t>
+            </a:r>
+            <a:r>
+              <a:rPr lang="en-GB" b="0" i="0" dirty="0">
+                <a:solidFill>
+                  <a:srgbClr val="171717"/>
+                </a:solidFill>
+                <a:effectLst/>
+                <a:latin typeface="Segoe UI" panose="020B0502040204020203" pitchFamily="34" charset="0"/>
+              </a:rPr>
+              <a:t>.</a:t>
+            </a:r>
+          </a:p>
+          <a:p>
+            <a:pPr algn="l">
+              <a:buFont typeface="Arial" panose="020B0604020202020204" pitchFamily="34" charset="0"/>
+              <a:buNone/>
+            </a:pPr>
+            <a:endParaRPr lang="en-GB" b="0" i="0" dirty="0">
+              <a:solidFill>
+                <a:srgbClr val="171717"/>
+              </a:solidFill>
+              <a:effectLst/>
+              <a:latin typeface="Segoe UI" panose="020B0502040204020203" pitchFamily="34" charset="0"/>
+            </a:endParaRPr>
+          </a:p>
+          <a:p>
+            <a:pPr algn="l">
+              <a:buFont typeface="Arial" panose="020B0604020202020204" pitchFamily="34" charset="0"/>
+              <a:buNone/>
+            </a:pPr>
+            <a:r>
+              <a:rPr lang="en-GB" b="0" i="0" dirty="0">
+                <a:solidFill>
+                  <a:srgbClr val="171717"/>
+                </a:solidFill>
+                <a:effectLst/>
+                <a:latin typeface="Segoe UI" panose="020B0502040204020203" pitchFamily="34" charset="0"/>
+              </a:rPr>
+              <a:t>With this authentication method, the user submits a user account name and associated password to establish a connection. This password is stored in the master database for user accounts linked to a login or stored in the database containing the user accounts </a:t>
+            </a:r>
+            <a:r>
+              <a:rPr lang="en-GB" b="0" i="1" dirty="0">
+                <a:solidFill>
+                  <a:srgbClr val="171717"/>
+                </a:solidFill>
+                <a:effectLst/>
+                <a:latin typeface="Segoe UI" panose="020B0502040204020203" pitchFamily="34" charset="0"/>
+              </a:rPr>
+              <a:t>not</a:t>
+            </a:r>
+            <a:r>
+              <a:rPr lang="en-GB" b="0" i="0" dirty="0">
+                <a:solidFill>
+                  <a:srgbClr val="171717"/>
+                </a:solidFill>
+                <a:effectLst/>
+                <a:latin typeface="Segoe UI" panose="020B0502040204020203" pitchFamily="34" charset="0"/>
+              </a:rPr>
+              <a:t> linked to a login.</a:t>
+            </a:r>
+          </a:p>
+          <a:p>
+            <a:pPr algn="l">
+              <a:buFont typeface="Arial" panose="020B0604020202020204" pitchFamily="34" charset="0"/>
+              <a:buNone/>
+            </a:pPr>
+            <a:endParaRPr lang="en-GB" b="0" i="0" u="none" strike="noStrike" dirty="0">
+              <a:solidFill>
+                <a:srgbClr val="171717"/>
+              </a:solidFill>
+              <a:effectLst/>
+              <a:latin typeface="Segoe UI" panose="020B0502040204020203" pitchFamily="34" charset="0"/>
+              <a:hlinkClick r:id="rId5"/>
+            </a:endParaRPr>
+          </a:p>
+          <a:p>
+            <a:pPr algn="l">
+              <a:buFont typeface="Arial" panose="020B0604020202020204" pitchFamily="34" charset="0"/>
+              <a:buNone/>
+            </a:pPr>
+            <a:r>
+              <a:rPr lang="en-GB" b="0" i="0" u="none" strike="noStrike" dirty="0">
+                <a:solidFill>
+                  <a:srgbClr val="171717"/>
+                </a:solidFill>
+                <a:effectLst/>
+                <a:latin typeface="Segoe UI" panose="020B0502040204020203" pitchFamily="34" charset="0"/>
+                <a:hlinkClick r:id="rId5"/>
+              </a:rPr>
+              <a:t>Azure Active Directory Authentication</a:t>
+            </a:r>
+            <a:endParaRPr lang="en-GB" b="0" i="0" dirty="0">
+              <a:solidFill>
+                <a:srgbClr val="171717"/>
+              </a:solidFill>
+              <a:effectLst/>
+              <a:latin typeface="Segoe UI" panose="020B0502040204020203" pitchFamily="34" charset="0"/>
+            </a:endParaRPr>
+          </a:p>
+          <a:p>
+            <a:pPr algn="l">
+              <a:buFont typeface="Arial" panose="020B0604020202020204" pitchFamily="34" charset="0"/>
+              <a:buNone/>
+            </a:pPr>
+            <a:endParaRPr lang="en-GB" b="0" i="0" dirty="0">
+              <a:solidFill>
+                <a:srgbClr val="171717"/>
+              </a:solidFill>
+              <a:effectLst/>
+              <a:latin typeface="Segoe UI" panose="020B0502040204020203" pitchFamily="34" charset="0"/>
+            </a:endParaRPr>
+          </a:p>
+          <a:p>
+            <a:pPr algn="l">
+              <a:buFont typeface="Arial" panose="020B0604020202020204" pitchFamily="34" charset="0"/>
+              <a:buNone/>
+            </a:pPr>
+            <a:r>
+              <a:rPr lang="en-GB" b="0" i="0" dirty="0">
+                <a:solidFill>
+                  <a:srgbClr val="171717"/>
+                </a:solidFill>
+                <a:effectLst/>
+                <a:latin typeface="Segoe UI" panose="020B0502040204020203" pitchFamily="34" charset="0"/>
+              </a:rPr>
+              <a:t>With this authentication method, the user submits a user account name and requests that the service use the credential information stored in Azure Active Directory (Azure AD).</a:t>
+            </a:r>
+          </a:p>
+          <a:p>
+            <a:pPr algn="l">
+              <a:buFont typeface="Arial" panose="020B0604020202020204" pitchFamily="34" charset="0"/>
+              <a:buNone/>
+            </a:pPr>
+            <a:endParaRPr lang="en-GB" b="0" i="0" dirty="0">
+              <a:solidFill>
+                <a:srgbClr val="171717"/>
+              </a:solidFill>
+              <a:effectLst/>
+              <a:latin typeface="Segoe UI" panose="020B0502040204020203" pitchFamily="34" charset="0"/>
+            </a:endParaRPr>
+          </a:p>
+          <a:p>
+            <a:pPr algn="l"/>
+            <a:r>
+              <a:rPr lang="en-GB" b="1" i="0" dirty="0">
+                <a:solidFill>
+                  <a:srgbClr val="171717"/>
+                </a:solidFill>
+                <a:effectLst/>
+                <a:latin typeface="Segoe UI" panose="020B0502040204020203" pitchFamily="34" charset="0"/>
+              </a:rPr>
+              <a:t>Logins and users</a:t>
+            </a:r>
+            <a:r>
+              <a:rPr lang="en-GB" b="0" i="0" dirty="0">
+                <a:solidFill>
+                  <a:srgbClr val="171717"/>
+                </a:solidFill>
+                <a:effectLst/>
+                <a:latin typeface="Segoe UI" panose="020B0502040204020203" pitchFamily="34" charset="0"/>
+              </a:rPr>
+              <a:t>: A user account in a database can be associated with a login that is stored in the master database or can be a user name that is stored in an individual database.</a:t>
+            </a:r>
+          </a:p>
+          <a:p>
+            <a:pPr algn="l"/>
+            <a:endParaRPr lang="en-GB" b="0" i="0" dirty="0">
+              <a:solidFill>
+                <a:srgbClr val="171717"/>
+              </a:solidFill>
+              <a:effectLst/>
+              <a:latin typeface="Segoe UI" panose="020B0502040204020203" pitchFamily="34" charset="0"/>
+            </a:endParaRPr>
+          </a:p>
+          <a:p>
+            <a:pPr algn="l">
+              <a:buFont typeface="Arial" panose="020B0604020202020204" pitchFamily="34" charset="0"/>
+              <a:buChar char="•"/>
+            </a:pPr>
+            <a:r>
+              <a:rPr lang="en-GB" b="0" i="0" dirty="0">
+                <a:solidFill>
+                  <a:srgbClr val="171717"/>
+                </a:solidFill>
+                <a:effectLst/>
+                <a:latin typeface="Segoe UI" panose="020B0502040204020203" pitchFamily="34" charset="0"/>
+              </a:rPr>
+              <a:t> A </a:t>
+            </a:r>
+            <a:r>
+              <a:rPr lang="en-GB" b="1" i="0" dirty="0">
+                <a:solidFill>
+                  <a:srgbClr val="171717"/>
+                </a:solidFill>
+                <a:effectLst/>
+                <a:latin typeface="Segoe UI" panose="020B0502040204020203" pitchFamily="34" charset="0"/>
+              </a:rPr>
+              <a:t>login</a:t>
+            </a:r>
+            <a:r>
+              <a:rPr lang="en-GB" b="0" i="0" dirty="0">
+                <a:solidFill>
+                  <a:srgbClr val="171717"/>
+                </a:solidFill>
+                <a:effectLst/>
+                <a:latin typeface="Segoe UI" panose="020B0502040204020203" pitchFamily="34" charset="0"/>
+              </a:rPr>
+              <a:t> is an individual account in the master database, to which a user account in one or more databases can be linked. With a login, the credential information for the user account is stored with the login.</a:t>
+            </a:r>
+          </a:p>
+          <a:p>
+            <a:pPr algn="l">
+              <a:buFont typeface="Arial" panose="020B0604020202020204" pitchFamily="34" charset="0"/>
+              <a:buChar char="•"/>
+            </a:pPr>
+            <a:r>
+              <a:rPr lang="en-GB" b="0" i="0" dirty="0">
+                <a:solidFill>
+                  <a:srgbClr val="171717"/>
+                </a:solidFill>
+                <a:effectLst/>
+                <a:latin typeface="Segoe UI" panose="020B0502040204020203" pitchFamily="34" charset="0"/>
+              </a:rPr>
+              <a:t> A </a:t>
+            </a:r>
+            <a:r>
+              <a:rPr lang="en-GB" b="1" i="0" dirty="0">
+                <a:solidFill>
+                  <a:srgbClr val="171717"/>
+                </a:solidFill>
+                <a:effectLst/>
+                <a:latin typeface="Segoe UI" panose="020B0502040204020203" pitchFamily="34" charset="0"/>
+              </a:rPr>
+              <a:t>user account</a:t>
+            </a:r>
+            <a:r>
+              <a:rPr lang="en-GB" b="0" i="0" dirty="0">
+                <a:solidFill>
+                  <a:srgbClr val="171717"/>
+                </a:solidFill>
+                <a:effectLst/>
+                <a:latin typeface="Segoe UI" panose="020B0502040204020203" pitchFamily="34" charset="0"/>
+              </a:rPr>
+              <a:t> is an individual account in any database that may be, but does not have to be, linked to a login. With a user account that is not linked to a login, the credential information is stored with the user account.</a:t>
+            </a:r>
+          </a:p>
+          <a:p>
+            <a:pPr algn="l"/>
+            <a:endParaRPr lang="en-GB" b="1" i="0" u="none" strike="noStrike" dirty="0">
+              <a:solidFill>
+                <a:srgbClr val="171717"/>
+              </a:solidFill>
+              <a:effectLst/>
+              <a:latin typeface="Segoe UI" panose="020B0502040204020203" pitchFamily="34" charset="0"/>
+              <a:hlinkClick r:id="rId6"/>
+            </a:endParaRPr>
+          </a:p>
+          <a:p>
+            <a:pPr algn="l"/>
+            <a:endParaRPr lang="en-GB" b="1" i="0" u="none" strike="noStrike" dirty="0">
+              <a:solidFill>
+                <a:srgbClr val="171717"/>
+              </a:solidFill>
+              <a:effectLst/>
+              <a:latin typeface="Segoe UI" panose="020B0502040204020203" pitchFamily="34" charset="0"/>
+              <a:hlinkClick r:id="rId6"/>
+            </a:endParaRPr>
+          </a:p>
+          <a:p>
+            <a:pPr algn="l"/>
+            <a:r>
+              <a:rPr lang="en-GB" b="1" i="0" u="none" strike="noStrike" dirty="0">
+                <a:solidFill>
+                  <a:srgbClr val="171717"/>
+                </a:solidFill>
+                <a:effectLst/>
+                <a:latin typeface="Segoe UI" panose="020B0502040204020203" pitchFamily="34" charset="0"/>
+                <a:hlinkClick r:id="rId6"/>
+              </a:rPr>
+              <a:t>Authorization</a:t>
+            </a:r>
+            <a:r>
+              <a:rPr lang="en-GB" b="0" i="0" dirty="0">
+                <a:solidFill>
+                  <a:srgbClr val="171717"/>
+                </a:solidFill>
+                <a:effectLst/>
+                <a:latin typeface="Segoe UI" panose="020B0502040204020203" pitchFamily="34" charset="0"/>
+              </a:rPr>
+              <a:t> to access data and perform various actions are managed using database roles and explicit permissions. Authorization refers to the permissions assigned to a user, and determines what that user is allowed to do. Authorization is controlled by your user account's database </a:t>
+            </a:r>
+            <a:r>
+              <a:rPr lang="en-GB" b="0" i="0" u="none" strike="noStrike" dirty="0">
+                <a:solidFill>
+                  <a:srgbClr val="171717"/>
+                </a:solidFill>
+                <a:effectLst/>
+                <a:latin typeface="Segoe UI" panose="020B0502040204020203" pitchFamily="34" charset="0"/>
+                <a:hlinkClick r:id="rId7"/>
+              </a:rPr>
+              <a:t>role memberships</a:t>
+            </a:r>
+            <a:r>
+              <a:rPr lang="en-GB" b="0" i="0" dirty="0">
+                <a:solidFill>
+                  <a:srgbClr val="171717"/>
+                </a:solidFill>
+                <a:effectLst/>
+                <a:latin typeface="Segoe UI" panose="020B0502040204020203" pitchFamily="34" charset="0"/>
+              </a:rPr>
+              <a:t> and </a:t>
+            </a:r>
+            <a:r>
+              <a:rPr lang="en-GB" b="0" i="0" u="none" strike="noStrike" dirty="0">
+                <a:solidFill>
+                  <a:srgbClr val="171717"/>
+                </a:solidFill>
+                <a:effectLst/>
+                <a:latin typeface="Segoe UI" panose="020B0502040204020203" pitchFamily="34" charset="0"/>
+                <a:hlinkClick r:id="rId8"/>
+              </a:rPr>
+              <a:t>object-level permissions</a:t>
+            </a:r>
+            <a:r>
+              <a:rPr lang="en-GB" b="0" i="0" dirty="0">
+                <a:solidFill>
+                  <a:srgbClr val="171717"/>
+                </a:solidFill>
+                <a:effectLst/>
+                <a:latin typeface="Segoe UI" panose="020B0502040204020203" pitchFamily="34" charset="0"/>
+              </a:rPr>
+              <a:t>. As a best practice, you should grant users the least privileges necessary.</a:t>
+            </a:r>
+          </a:p>
+          <a:p>
+            <a:pPr algn="l">
+              <a:buFont typeface="Arial" panose="020B0604020202020204" pitchFamily="34" charset="0"/>
+              <a:buNone/>
+            </a:pPr>
+            <a:endParaRPr lang="en-GB" b="0" i="0" dirty="0">
+              <a:solidFill>
+                <a:srgbClr val="171717"/>
+              </a:solidFill>
+              <a:effectLst/>
+              <a:latin typeface="Segoe UI" panose="020B0502040204020203" pitchFamily="34" charset="0"/>
+            </a:endParaRPr>
+          </a:p>
+          <a:p>
+            <a:pPr algn="l">
+              <a:buFont typeface="Arial" panose="020B0604020202020204" pitchFamily="34" charset="0"/>
+              <a:buNone/>
+            </a:pPr>
+            <a:endParaRPr lang="en-GB" b="0" i="0" dirty="0">
+              <a:solidFill>
+                <a:srgbClr val="171717"/>
+              </a:solidFill>
+              <a:effectLst/>
+              <a:latin typeface="Segoe UI" panose="020B0502040204020203" pitchFamily="34" charset="0"/>
+            </a:endParaRPr>
+          </a:p>
+          <a:p>
+            <a:pPr algn="l">
+              <a:buFont typeface="Arial" panose="020B0604020202020204" pitchFamily="34" charset="0"/>
+              <a:buNone/>
+            </a:pPr>
+            <a:r>
+              <a:rPr lang="en-GB" b="1" i="0" u="none" strike="noStrike" dirty="0">
+                <a:effectLst/>
+                <a:latin typeface="Segoe UI" panose="020B0502040204020203" pitchFamily="34" charset="0"/>
+                <a:hlinkClick r:id="rId9"/>
+              </a:rPr>
+              <a:t>Transparent data encryption (TDE)</a:t>
+            </a:r>
+            <a:r>
+              <a:rPr lang="en-GB" b="1" i="0" dirty="0">
+                <a:solidFill>
+                  <a:srgbClr val="171717"/>
+                </a:solidFill>
+                <a:effectLst/>
+                <a:latin typeface="Segoe UI" panose="020B0502040204020203" pitchFamily="34" charset="0"/>
+              </a:rPr>
+              <a:t> </a:t>
+            </a:r>
+            <a:r>
+              <a:rPr lang="en-GB" b="0" i="0" dirty="0">
+                <a:solidFill>
+                  <a:srgbClr val="171717"/>
+                </a:solidFill>
+                <a:effectLst/>
+                <a:latin typeface="Segoe UI" panose="020B0502040204020203" pitchFamily="34" charset="0"/>
+              </a:rPr>
+              <a:t>helps protect Azure Synapse Analytics against the threat of malicious offline activity by encrypting data at rest. TDE must be manually enabled for Azure Synapse Analytics. TDE performs real-time I/O encryption and decryption of the data at the page level. Each page is decrypted when it's read into memory and then encrypted before being written to disk. TDE encrypts the storage of an entire database by using a symmetric key called the Database Encryption Key (DEK). On database startup, the encrypted DEK is decrypted and then used for decryption and re-encryption of the database files in the SQL Server database engine process. DEK is protected by the TDE protector. TDE protector is either a service-managed certificate (service-managed transparent data encryption) or an asymmetric key stored in </a:t>
+            </a:r>
+            <a:r>
+              <a:rPr lang="en-GB" b="0" i="0" u="none" strike="noStrike" dirty="0">
+                <a:effectLst/>
+                <a:latin typeface="Segoe UI" panose="020B0502040204020203" pitchFamily="34" charset="0"/>
+                <a:hlinkClick r:id="rId10"/>
+              </a:rPr>
+              <a:t>Azure Key Vault</a:t>
+            </a:r>
+            <a:r>
+              <a:rPr lang="en-GB" b="0" i="0" dirty="0">
+                <a:solidFill>
+                  <a:srgbClr val="171717"/>
+                </a:solidFill>
+                <a:effectLst/>
+                <a:latin typeface="Segoe UI" panose="020B0502040204020203" pitchFamily="34" charset="0"/>
+              </a:rPr>
+              <a:t> (customer-managed transparent data encryption).</a:t>
+            </a:r>
+          </a:p>
+          <a:p>
+            <a:endParaRPr lang="en-IE" dirty="0"/>
+          </a:p>
+          <a:p>
+            <a:endParaRPr lang="en-IE" dirty="0"/>
+          </a:p>
+          <a:p>
+            <a:endParaRPr lang="en-IE" dirty="0"/>
+          </a:p>
+          <a:p>
+            <a:endParaRPr lang="en-GB" dirty="0"/>
+          </a:p>
+        </p:txBody>
+      </p:sp>
+      <p:sp>
+        <p:nvSpPr>
+          <p:cNvPr id="4" name="Slide Number Placeholder 3"/>
+          <p:cNvSpPr>
+            <a:spLocks noGrp="1"/>
+          </p:cNvSpPr>
+          <p:nvPr>
+            <p:ph type="sldNum" sz="quarter" idx="5"/>
+          </p:nvPr>
+        </p:nvSpPr>
+        <p:spPr/>
+        <p:txBody>
+          <a:bodyPr/>
+          <a:lstStyle/>
+          <a:p>
+            <a:fld id="{37E24C93-78CA-4AF0-9E77-825D60ABA46D}" type="slidenum">
+              <a:rPr lang="en-US" smtClean="0"/>
+              <a:t>13</a:t>
+            </a:fld>
+            <a:endParaRPr lang="en-US" dirty="0"/>
+          </a:p>
+        </p:txBody>
+      </p:sp>
+    </p:spTree>
+    <p:extLst>
+      <p:ext uri="{BB962C8B-B14F-4D97-AF65-F5344CB8AC3E}">
+        <p14:creationId xmlns:p14="http://schemas.microsoft.com/office/powerpoint/2010/main" val="1281536820"/>
+      </p:ext>
+    </p:extLst>
+  </p:cSld>
+  <p:clrMapOvr>
+    <a:masterClrMapping/>
+  </p:clrMapOvr>
+</p:notes>
+</file>
+
+<file path=ppt/notesSlides/notesSlide13.xml><?xml version="1.0" encoding="utf-8"?>
+<p:notes xmlns:a="http://schemas.openxmlformats.org/drawingml/2006/main" xmlns:r="http://schemas.openxmlformats.org/officeDocument/2006/relationships" xmlns:p="http://schemas.openxmlformats.org/presentationml/2006/main">
+  <p:cSld>
+    <p:spTree>
+      <p:nvGrpSpPr>
+        <p:cNvPr id="1" name=""/>
+        <p:cNvGrpSpPr/>
+        <p:nvPr/>
+      </p:nvGrpSpPr>
+      <p:grpSpPr>
+        <a:xfrm>
+          <a:off x="0" y="0"/>
+          <a:ext cx="0" cy="0"/>
+          <a:chOff x="0" y="0"/>
+          <a:chExt cx="0" cy="0"/>
+        </a:xfrm>
+      </p:grpSpPr>
+      <p:sp>
+        <p:nvSpPr>
+          <p:cNvPr id="2" name="Slide Image Placeholder 1"/>
+          <p:cNvSpPr>
+            <a:spLocks noGrp="1" noRot="1" noChangeAspect="1"/>
+          </p:cNvSpPr>
+          <p:nvPr>
+            <p:ph type="sldImg"/>
+          </p:nvPr>
+        </p:nvSpPr>
+        <p:spPr/>
+      </p:sp>
+      <p:sp>
+        <p:nvSpPr>
+          <p:cNvPr id="3" name="Notes Placeholder 2"/>
+          <p:cNvSpPr>
+            <a:spLocks noGrp="1"/>
+          </p:cNvSpPr>
+          <p:nvPr>
+            <p:ph type="body" idx="1"/>
+          </p:nvPr>
+        </p:nvSpPr>
+        <p:spPr/>
+        <p:txBody>
+          <a:bodyPr/>
+          <a:lstStyle/>
+          <a:p>
             <a:pPr algn="l" rtl="0" fontAlgn="base"/>
             <a:r>
               <a:rPr lang="en-US" sz="1200" b="1" i="0" u="none" strike="noStrike" dirty="0">
@@ -1384,7 +2414,7 @@
           <a:p>
             <a:fld id="{37E24C93-78CA-4AF0-9E77-825D60ABA46D}" type="slidenum">
               <a:rPr lang="en-US" smtClean="0"/>
-              <a:t>11</a:t>
+              <a:t>14</a:t>
             </a:fld>
             <a:endParaRPr lang="en-US" dirty="0"/>
           </a:p>
@@ -1581,7 +2611,12 @@
             <p:ph type="sldImg"/>
           </p:nvPr>
         </p:nvSpPr>
-        <p:spPr/>
+        <p:spPr>
+          <a:xfrm>
+            <a:off x="4321175" y="771525"/>
+            <a:ext cx="3702050" cy="2082800"/>
+          </a:xfrm>
+        </p:spPr>
       </p:sp>
       <p:sp>
         <p:nvSpPr>
@@ -1597,15 +2632,6 @@
         <p:txBody>
           <a:bodyPr/>
           <a:lstStyle/>
-          <a:p>
-            <a:r>
-              <a:rPr lang="en-US" sz="1400" b="1" dirty="0"/>
-              <a:t>TALKING POINTS</a:t>
-            </a:r>
-          </a:p>
-          <a:p>
-            <a:endParaRPr lang="en-US" sz="1200" b="1" dirty="0"/>
-          </a:p>
           <a:p>
             <a:pPr algn="l" defTabSz="914367" rtl="0">
               <a:lnSpc>
@@ -1617,7 +2643,7 @@
               <a:defRPr/>
             </a:pPr>
             <a:r>
-              <a:rPr lang="en-GB" sz="1200" b="0" i="0" u="none" strike="noStrike" kern="1200" dirty="0">
+              <a:rPr lang="en-GB" sz="800" b="0" i="0" u="none" strike="noStrike" kern="1200" dirty="0">
                 <a:solidFill>
                   <a:schemeClr val="tx1"/>
                 </a:solidFill>
@@ -1626,7 +2652,7 @@
                 <a:ea typeface="+mn-ea"/>
                 <a:cs typeface="Segoe UI"/>
               </a:rPr>
-              <a:t>Every Azure Synapse Analytics workspace comes with serverless SQL pool endpoints that you can use to query data in the lake.</a:t>
+              <a:t>Every Azure Synapse Analytics workspace comes with a built in serverless SQL pool endpoint that you can be used to query files in a data lake.</a:t>
             </a:r>
           </a:p>
           <a:p>
@@ -1639,7 +2665,7 @@
               </a:spcAft>
               <a:defRPr/>
             </a:pPr>
-            <a:endParaRPr lang="en-GB" sz="1200" b="1" i="0" u="none" strike="noStrike" kern="1200" dirty="0">
+            <a:endParaRPr lang="en-GB" sz="800" b="0" i="0" u="none" strike="noStrike" kern="1200" dirty="0">
               <a:solidFill>
                 <a:schemeClr val="tx1"/>
               </a:solidFill>
@@ -1660,7 +2686,7 @@
               <a:defRPr/>
             </a:pPr>
             <a:r>
-              <a:rPr lang="en-GB" sz="1200" b="0" i="0" u="none" strike="noStrike" kern="1200" dirty="0">
+              <a:rPr lang="en-GB" sz="800" b="0" i="0" u="none" strike="noStrike" kern="1200" dirty="0">
                 <a:solidFill>
                   <a:schemeClr val="tx1"/>
                 </a:solidFill>
@@ -1669,7 +2695,7 @@
                 <a:ea typeface="+mn-ea"/>
                 <a:cs typeface="Segoe UI"/>
               </a:rPr>
-              <a:t>Serverless SQL pool is a query service over the data in your data lake. It enables you to access your data through the following functionalities:</a:t>
+              <a:t>Serverless SQL pool is serverless, hence there's no infrastructure to setup or clusters to maintain. A default endpoint for this service is provided within every Azure Synapse workspace, so you can start querying data as soon as the workspace is created. There is no charge for resources reserved, you are only being charged for the data processed by queries you run; so this model is a true pay-per-use model.</a:t>
             </a:r>
           </a:p>
           <a:p>
@@ -1682,7 +2708,7 @@
               </a:spcAft>
               <a:defRPr/>
             </a:pPr>
-            <a:endParaRPr lang="en-GB" sz="1200" b="0" i="0" u="none" strike="noStrike" kern="1200" dirty="0">
+            <a:endParaRPr lang="en-GB" sz="800" b="0" i="0" u="none" strike="noStrike" kern="1200" dirty="0">
               <a:solidFill>
                 <a:schemeClr val="tx1"/>
               </a:solidFill>
@@ -1703,7 +2729,7 @@
               <a:defRPr/>
             </a:pPr>
             <a:r>
-              <a:rPr lang="en-GB" sz="1200" b="0" i="0" u="none" strike="noStrike" kern="1200" dirty="0">
+              <a:rPr lang="en-GB" sz="800" b="0" i="0" u="none" strike="noStrike" kern="1200" dirty="0">
                 <a:solidFill>
                   <a:schemeClr val="tx1"/>
                 </a:solidFill>
@@ -1712,21 +2738,10 @@
                 <a:ea typeface="+mn-ea"/>
                 <a:cs typeface="Segoe UI"/>
               </a:rPr>
-              <a:t>A familiar T-SQL syntax to query data in place without the need to copy or load data into a specialized store.</a:t>
-            </a:r>
-          </a:p>
-          <a:p>
-            <a:pPr algn="l" defTabSz="914367" rtl="0">
-              <a:lnSpc>
-                <a:spcPct val="90000"/>
-              </a:lnSpc>
-              <a:spcAft>
-                <a:spcPts val="333"/>
-              </a:spcAft>
-              <a:defRPr/>
-            </a:pPr>
-            <a:r>
-              <a:rPr lang="en-GB" sz="1200" b="0" i="0" u="none" strike="noStrike" kern="1200" dirty="0">
+              <a:t>If you use Apache Spark for Azure Synapse in your data pipeline, for data preparation, cleansing or enrichment, you can query external Spark tables you've created in the process, directly from serverless SQL pool. Use Private Link to bring your serverless SQL pool endpoint into your managed workspace </a:t>
+            </a:r>
+            <a:r>
+              <a:rPr lang="en-GB" sz="800" b="0" i="0" u="none" strike="noStrike" kern="1200" dirty="0" err="1">
                 <a:solidFill>
                   <a:schemeClr val="tx1"/>
                 </a:solidFill>
@@ -1735,21 +2750,10 @@
                 <a:ea typeface="+mn-ea"/>
                 <a:cs typeface="Segoe UI"/>
               </a:rPr>
-              <a:t>Integrated connectivity via the T-SQL interface that offers a wide range of business intelligence and ad-hoc querying tools, including the most popular drivers.</a:t>
-            </a:r>
-          </a:p>
-          <a:p>
-            <a:pPr algn="l" defTabSz="914367" rtl="0">
-              <a:lnSpc>
-                <a:spcPct val="90000"/>
-              </a:lnSpc>
-              <a:spcAft>
-                <a:spcPts val="333"/>
-              </a:spcAft>
-              <a:defRPr/>
-            </a:pPr>
-            <a:r>
-              <a:rPr lang="en-GB" sz="1200" b="0" i="0" u="none" strike="noStrike" kern="1200" dirty="0">
+              <a:t>VNet</a:t>
+            </a:r>
+            <a:r>
+              <a:rPr lang="en-GB" sz="800" b="0" i="0" u="none" strike="noStrike" kern="1200" dirty="0">
                 <a:solidFill>
                   <a:schemeClr val="tx1"/>
                 </a:solidFill>
@@ -1758,200 +2762,98 @@
                 <a:ea typeface="+mn-ea"/>
                 <a:cs typeface="Segoe UI"/>
               </a:rPr>
-              <a:t>Serverless SQL pool is a distributed data processing system, built for large-scale data and computational functions. Serverless SQL pool enables you to analyze your Big Data in seconds to minutes, depending on the workload. Thanks to built-in query execution fault-tolerance, the system provides high reliability and success rates even for long-running queries involving large data sets.</a:t>
-            </a:r>
-          </a:p>
-          <a:p>
-            <a:pPr algn="l" defTabSz="914367" rtl="0">
+              <a:t>.</a:t>
+            </a:r>
+          </a:p>
+        </p:txBody>
+      </p:sp>
+      <p:sp>
+        <p:nvSpPr>
+          <p:cNvPr id="4" name="Slide Number Placeholder 3"/>
+          <p:cNvSpPr>
+            <a:spLocks noGrp="1"/>
+          </p:cNvSpPr>
+          <p:nvPr>
+            <p:ph type="sldNum" sz="quarter" idx="10"/>
+          </p:nvPr>
+        </p:nvSpPr>
+        <p:spPr/>
+        <p:txBody>
+          <a:bodyPr/>
+          <a:lstStyle/>
+          <a:p>
+            <a:pPr marL="0" marR="0" lvl="0" indent="0" algn="r" defTabSz="914400" rtl="0" eaLnBrk="1" fontAlgn="auto" latinLnBrk="0" hangingPunct="1">
               <a:lnSpc>
-                <a:spcPct val="90000"/>
+                <a:spcPct val="100000"/>
               </a:lnSpc>
+              <a:spcBef>
+                <a:spcPts val="0"/>
+              </a:spcBef>
               <a:spcAft>
-                <a:spcPts val="333"/>
+                <a:spcPts val="0"/>
               </a:spcAft>
+              <a:buClrTx/>
+              <a:buSzTx/>
+              <a:buFontTx/>
+              <a:buNone/>
+              <a:tabLst/>
               <a:defRPr/>
             </a:pPr>
-            <a:endParaRPr lang="en-GB" sz="1200" b="0" i="0" u="none" strike="noStrike" kern="1200" dirty="0">
+            <a:fld id="{A5B258F2-B2E5-4175-B339-81AEE5988F5F}" type="slidenum">
+              <a:rPr kumimoji="0" lang="en-US" sz="1800" b="0" i="0" u="none" strike="noStrike" kern="0" cap="none" spc="0" normalizeH="0" baseline="0" noProof="0" smtClean="0">
+                <a:ln>
+                  <a:noFill/>
+                </a:ln>
+                <a:solidFill>
+                  <a:sysClr val="windowText" lastClr="000000"/>
+                </a:solidFill>
+                <a:effectLst/>
+                <a:uLnTx/>
+                <a:uFillTx/>
+                <a:latin typeface="Segoe UI Light" pitchFamily="34" charset="0"/>
+                <a:ea typeface="+mn-ea"/>
+                <a:cs typeface="Arial" pitchFamily="34" charset="0"/>
+              </a:rPr>
+              <a:pPr marL="0" marR="0" lvl="0" indent="0" algn="r" defTabSz="914400" rtl="0" eaLnBrk="1" fontAlgn="auto" latinLnBrk="0" hangingPunct="1">
+                <a:lnSpc>
+                  <a:spcPct val="100000"/>
+                </a:lnSpc>
+                <a:spcBef>
+                  <a:spcPts val="0"/>
+                </a:spcBef>
+                <a:spcAft>
+                  <a:spcPts val="0"/>
+                </a:spcAft>
+                <a:buClrTx/>
+                <a:buSzTx/>
+                <a:buFontTx/>
+                <a:buNone/>
+                <a:tabLst/>
+                <a:defRPr/>
+              </a:pPr>
+              <a:t>4</a:t>
+            </a:fld>
+            <a:endParaRPr kumimoji="0" lang="en-US" sz="1800" b="0" i="0" u="none" strike="noStrike" kern="0" cap="none" spc="0" normalizeH="0" baseline="0" noProof="0" dirty="0">
+              <a:ln>
+                <a:noFill/>
+              </a:ln>
               <a:solidFill>
-                <a:schemeClr val="tx1"/>
+                <a:sysClr val="windowText" lastClr="000000"/>
               </a:solidFill>
               <a:effectLst/>
-              <a:latin typeface="Segoe UI"/>
+              <a:uLnTx/>
+              <a:uFillTx/>
+              <a:latin typeface="Segoe UI Light" pitchFamily="34" charset="0"/>
               <a:ea typeface="+mn-ea"/>
-              <a:cs typeface="Segoe UI"/>
+              <a:cs typeface="Arial" pitchFamily="34" charset="0"/>
             </a:endParaRPr>
-          </a:p>
-          <a:p>
-            <a:pPr algn="l" defTabSz="914367" rtl="0">
-              <a:lnSpc>
-                <a:spcPct val="90000"/>
-              </a:lnSpc>
-              <a:spcAft>
-                <a:spcPts val="333"/>
-              </a:spcAft>
-              <a:defRPr/>
-            </a:pPr>
-            <a:r>
-              <a:rPr lang="en-GB" sz="1200" b="0" i="0" u="none" strike="noStrike" kern="1200" dirty="0">
-                <a:solidFill>
-                  <a:schemeClr val="tx1"/>
-                </a:solidFill>
-                <a:effectLst/>
-                <a:latin typeface="Segoe UI"/>
-                <a:ea typeface="+mn-ea"/>
-                <a:cs typeface="Segoe UI"/>
-              </a:rPr>
-              <a:t>Serverless SQL pool is serverless, hence there's no infrastructure to setup or clusters to maintain. A default endpoint for this service is provided within every Azure Synapse workspace, so you can start querying data as soon as the workspace is created.</a:t>
-            </a:r>
-          </a:p>
-          <a:p>
-            <a:pPr algn="l" defTabSz="914367" rtl="0">
-              <a:lnSpc>
-                <a:spcPct val="90000"/>
-              </a:lnSpc>
-              <a:spcAft>
-                <a:spcPts val="333"/>
-              </a:spcAft>
-              <a:defRPr/>
-            </a:pPr>
-            <a:endParaRPr lang="en-GB" sz="1200" b="0" i="0" u="none" strike="noStrike" kern="1200" dirty="0">
-              <a:solidFill>
-                <a:schemeClr val="tx1"/>
-              </a:solidFill>
-              <a:effectLst/>
-              <a:latin typeface="Segoe UI"/>
-              <a:ea typeface="+mn-ea"/>
-              <a:cs typeface="Segoe UI"/>
-            </a:endParaRPr>
-          </a:p>
-          <a:p>
-            <a:pPr algn="l" defTabSz="914367" rtl="0">
-              <a:lnSpc>
-                <a:spcPct val="90000"/>
-              </a:lnSpc>
-              <a:spcAft>
-                <a:spcPts val="333"/>
-              </a:spcAft>
-              <a:defRPr/>
-            </a:pPr>
-            <a:r>
-              <a:rPr lang="en-GB" sz="1200" b="0" i="0" u="none" strike="noStrike" kern="1200" dirty="0">
-                <a:solidFill>
-                  <a:schemeClr val="tx1"/>
-                </a:solidFill>
-                <a:effectLst/>
-                <a:latin typeface="Segoe UI"/>
-                <a:ea typeface="+mn-ea"/>
-                <a:cs typeface="Segoe UI"/>
-              </a:rPr>
-              <a:t>There is no charge for resources reserved, you are only being charged for the data processed by queries you run, hence this model is a true pay-per-use model.</a:t>
-            </a:r>
-          </a:p>
-          <a:p>
-            <a:pPr algn="l" defTabSz="914367" rtl="0">
-              <a:lnSpc>
-                <a:spcPct val="90000"/>
-              </a:lnSpc>
-              <a:spcAft>
-                <a:spcPts val="333"/>
-              </a:spcAft>
-              <a:defRPr/>
-            </a:pPr>
-            <a:endParaRPr lang="en-GB" sz="1200" b="0" i="0" u="none" strike="noStrike" kern="1200" dirty="0">
-              <a:solidFill>
-                <a:schemeClr val="tx1"/>
-              </a:solidFill>
-              <a:effectLst/>
-              <a:latin typeface="Segoe UI"/>
-              <a:ea typeface="+mn-ea"/>
-              <a:cs typeface="Segoe UI"/>
-            </a:endParaRPr>
-          </a:p>
-          <a:p>
-            <a:pPr algn="l" defTabSz="914367" rtl="0">
-              <a:lnSpc>
-                <a:spcPct val="90000"/>
-              </a:lnSpc>
-              <a:spcAft>
-                <a:spcPts val="333"/>
-              </a:spcAft>
-              <a:defRPr/>
-            </a:pPr>
-            <a:r>
-              <a:rPr lang="en-GB" sz="1200" b="0" i="0" u="none" strike="noStrike" kern="1200" dirty="0">
-                <a:solidFill>
-                  <a:schemeClr val="tx1"/>
-                </a:solidFill>
-                <a:effectLst/>
-                <a:latin typeface="Segoe UI"/>
-                <a:ea typeface="+mn-ea"/>
-                <a:cs typeface="Segoe UI"/>
-              </a:rPr>
-              <a:t>If you use Apache Spark for Azure Synapse in your data pipeline, for data preparation, cleansing or enrichment, you can query external Spark tables you've created in the process, directly from serverless SQL pool. Use Private Link to bring your serverless SQL pool endpoint into your managed workspace VNet.</a:t>
-            </a:r>
-          </a:p>
-          <a:p>
-            <a:endParaRPr lang="en-US" sz="1200" dirty="0"/>
-          </a:p>
-          <a:p>
-            <a:r>
-              <a:rPr lang="en-US" sz="1200" b="1" dirty="0"/>
-              <a:t>PRESENTER NOTES AND GUIDANCE</a:t>
-            </a:r>
-          </a:p>
-          <a:p>
-            <a:endParaRPr lang="en-US" sz="1200" dirty="0"/>
-          </a:p>
-          <a:p>
-            <a:r>
-              <a:rPr lang="en-US" sz="1200" dirty="0"/>
-              <a:t>Review the following page for introductory information:</a:t>
-            </a:r>
-          </a:p>
-          <a:p>
-            <a:endParaRPr lang="en-US" sz="1200" dirty="0"/>
-          </a:p>
-          <a:p>
-            <a:r>
-              <a:rPr lang="en-GB" dirty="0">
-                <a:hlinkClick r:id="rId3"/>
-              </a:rPr>
-              <a:t>Serverless SQL pool  - Azure Synapse Analytics | Microsoft Docs</a:t>
-            </a:r>
-            <a:endParaRPr lang="en-US" sz="1200" dirty="0"/>
-          </a:p>
-          <a:p>
-            <a:endParaRPr lang="en-GB" dirty="0"/>
-          </a:p>
-        </p:txBody>
-      </p:sp>
-      <p:sp>
-        <p:nvSpPr>
-          <p:cNvPr id="4" name="Slide Number Placeholder 3"/>
-          <p:cNvSpPr>
-            <a:spLocks noGrp="1"/>
-          </p:cNvSpPr>
-          <p:nvPr>
-            <p:ph type="sldNum" sz="quarter" idx="5"/>
-          </p:nvPr>
-        </p:nvSpPr>
-        <p:spPr/>
-        <p:txBody>
-          <a:bodyPr/>
-          <a:lstStyle/>
-          <a:p>
-            <a:fld id="{37E24C93-78CA-4AF0-9E77-825D60ABA46D}" type="slidenum">
-              <a:rPr lang="en-US" smtClean="0"/>
-              <a:t>4</a:t>
-            </a:fld>
-            <a:endParaRPr lang="en-US" dirty="0"/>
           </a:p>
         </p:txBody>
       </p:sp>
     </p:spTree>
     <p:extLst>
       <p:ext uri="{BB962C8B-B14F-4D97-AF65-F5344CB8AC3E}">
-        <p14:creationId xmlns:p14="http://schemas.microsoft.com/office/powerpoint/2010/main" val="1604342835"/>
+        <p14:creationId xmlns:p14="http://schemas.microsoft.com/office/powerpoint/2010/main" val="634802923"/>
       </p:ext>
     </p:extLst>
   </p:cSld>
@@ -2011,89 +2913,296 @@
             </a:r>
           </a:p>
           <a:p>
-            <a:pPr>
+            <a:endParaRPr lang="en-US" sz="1200" b="1" dirty="0"/>
+          </a:p>
+          <a:p>
+            <a:pPr algn="l" defTabSz="914367" rtl="0">
+              <a:lnSpc>
+                <a:spcPct val="90000"/>
+              </a:lnSpc>
+              <a:spcAft>
+                <a:spcPts val="333"/>
+              </a:spcAft>
               <a:defRPr/>
             </a:pPr>
-            <a:endParaRPr lang="en-US" sz="1400" b="1" dirty="0">
-              <a:latin typeface="Segoe UI"/>
-              <a:cs typeface="Segoe UI"/>
-            </a:endParaRPr>
-          </a:p>
-          <a:p>
-            <a:r>
-              <a:rPr lang="en-GB" b="0" i="0" dirty="0">
+            <a:r>
+              <a:rPr lang="en-GB" sz="1200" b="0" i="0" u="none" strike="noStrike" kern="1200" dirty="0">
                 <a:solidFill>
-                  <a:srgbClr val="171717"/>
+                  <a:schemeClr val="tx1"/>
                 </a:solidFill>
                 <a:effectLst/>
                 <a:latin typeface="Segoe UI"/>
+                <a:ea typeface="+mn-ea"/>
                 <a:cs typeface="Segoe UI"/>
               </a:rPr>
-              <a:t>Synapse SQL offers both </a:t>
-            </a:r>
-            <a:r>
-              <a:rPr lang="en-GB" b="1" i="0" dirty="0">
+              <a:t>Every Azure Synapse Analytics workspace comes with serverless SQL pool endpoints that you can use to query data in the lake.</a:t>
+            </a:r>
+          </a:p>
+          <a:p>
+            <a:pPr algn="l" defTabSz="914367" rtl="0">
+              <a:lnSpc>
+                <a:spcPct val="90000"/>
+              </a:lnSpc>
+              <a:spcAft>
+                <a:spcPts val="333"/>
+              </a:spcAft>
+              <a:defRPr/>
+            </a:pPr>
+            <a:endParaRPr lang="en-GB" sz="1200" b="1" i="0" u="none" strike="noStrike" kern="1200" dirty="0">
+              <a:solidFill>
+                <a:schemeClr val="tx1"/>
+              </a:solidFill>
+              <a:effectLst/>
+              <a:latin typeface="Segoe UI"/>
+              <a:ea typeface="+mn-ea"/>
+              <a:cs typeface="Segoe UI"/>
+            </a:endParaRPr>
+          </a:p>
+          <a:p>
+            <a:pPr algn="l" defTabSz="914367" rtl="0">
+              <a:lnSpc>
+                <a:spcPct val="90000"/>
+              </a:lnSpc>
+              <a:spcAft>
+                <a:spcPts val="333"/>
+              </a:spcAft>
+              <a:defRPr/>
+            </a:pPr>
+            <a:r>
+              <a:rPr lang="en-GB" sz="1200" b="0" i="0" u="none" strike="noStrike" kern="1200" dirty="0">
                 <a:solidFill>
-                  <a:srgbClr val="171717"/>
+                  <a:schemeClr val="tx1"/>
                 </a:solidFill>
                 <a:effectLst/>
                 <a:latin typeface="Segoe UI"/>
+                <a:ea typeface="+mn-ea"/>
                 <a:cs typeface="Segoe UI"/>
               </a:rPr>
-              <a:t>serverless</a:t>
-            </a:r>
-            <a:r>
-              <a:rPr lang="en-GB" b="0" i="0" dirty="0">
+              <a:t>Serverless SQL pool is a query service over the data in your data lake. It enables you to access your data through the following functionalities:</a:t>
+            </a:r>
+          </a:p>
+          <a:p>
+            <a:pPr algn="l" defTabSz="914367" rtl="0">
+              <a:lnSpc>
+                <a:spcPct val="90000"/>
+              </a:lnSpc>
+              <a:spcAft>
+                <a:spcPts val="333"/>
+              </a:spcAft>
+              <a:defRPr/>
+            </a:pPr>
+            <a:endParaRPr lang="en-GB" sz="1200" b="0" i="0" u="none" strike="noStrike" kern="1200" dirty="0">
+              <a:solidFill>
+                <a:schemeClr val="tx1"/>
+              </a:solidFill>
+              <a:effectLst/>
+              <a:latin typeface="Segoe UI"/>
+              <a:ea typeface="+mn-ea"/>
+              <a:cs typeface="Segoe UI"/>
+            </a:endParaRPr>
+          </a:p>
+          <a:p>
+            <a:pPr algn="l" defTabSz="914367" rtl="0">
+              <a:lnSpc>
+                <a:spcPct val="90000"/>
+              </a:lnSpc>
+              <a:spcAft>
+                <a:spcPts val="333"/>
+              </a:spcAft>
+              <a:defRPr/>
+            </a:pPr>
+            <a:r>
+              <a:rPr lang="en-GB" sz="1200" b="0" i="0" u="none" strike="noStrike" kern="1200" dirty="0">
                 <a:solidFill>
-                  <a:srgbClr val="171717"/>
+                  <a:schemeClr val="tx1"/>
                 </a:solidFill>
                 <a:effectLst/>
                 <a:latin typeface="Segoe UI"/>
+                <a:ea typeface="+mn-ea"/>
                 <a:cs typeface="Segoe UI"/>
               </a:rPr>
-              <a:t> and </a:t>
-            </a:r>
-            <a:r>
-              <a:rPr lang="en-GB" b="1" i="0" dirty="0">
+              <a:t>A familiar T-SQL syntax to query data in place without the need to copy or load data into a specialized store.</a:t>
+            </a:r>
+          </a:p>
+          <a:p>
+            <a:pPr algn="l" defTabSz="914367" rtl="0">
+              <a:lnSpc>
+                <a:spcPct val="90000"/>
+              </a:lnSpc>
+              <a:spcAft>
+                <a:spcPts val="333"/>
+              </a:spcAft>
+              <a:defRPr/>
+            </a:pPr>
+            <a:r>
+              <a:rPr lang="en-GB" sz="1200" b="0" i="0" u="none" strike="noStrike" kern="1200" dirty="0">
                 <a:solidFill>
-                  <a:srgbClr val="171717"/>
+                  <a:schemeClr val="tx1"/>
                 </a:solidFill>
                 <a:effectLst/>
                 <a:latin typeface="Segoe UI"/>
+                <a:ea typeface="+mn-ea"/>
                 <a:cs typeface="Segoe UI"/>
               </a:rPr>
-              <a:t>dedicated</a:t>
-            </a:r>
-            <a:r>
-              <a:rPr lang="en-GB" b="0" i="0" dirty="0">
+              <a:t>Integrated connectivity via the T-SQL interface that offers a wide range of business intelligence and ad-hoc querying tools, including the most popular drivers.</a:t>
+            </a:r>
+          </a:p>
+          <a:p>
+            <a:pPr algn="l" defTabSz="914367" rtl="0">
+              <a:lnSpc>
+                <a:spcPct val="90000"/>
+              </a:lnSpc>
+              <a:spcAft>
+                <a:spcPts val="333"/>
+              </a:spcAft>
+              <a:defRPr/>
+            </a:pPr>
+            <a:r>
+              <a:rPr lang="en-GB" sz="1200" b="0" i="0" u="none" strike="noStrike" kern="1200" dirty="0">
                 <a:solidFill>
-                  <a:srgbClr val="171717"/>
+                  <a:schemeClr val="tx1"/>
                 </a:solidFill>
                 <a:effectLst/>
                 <a:latin typeface="Segoe UI"/>
+                <a:ea typeface="+mn-ea"/>
                 <a:cs typeface="Segoe UI"/>
               </a:rPr>
-              <a:t> resource models, offering consumption and billing options to fit your needs. For predictable performance and cost, provision pools to reserve processing power for data stored in SQL tables. For unplanned or bursty workloads, use the serverless, always-available SQL endpoint.</a:t>
-            </a:r>
-          </a:p>
-          <a:p>
-            <a:endParaRPr lang="en-GB" sz="1200" dirty="0">
+              <a:t>Serverless SQL pool is a distributed data processing system, built for large-scale data and computational functions. Serverless SQL pool enables you to analyze your Big Data in seconds to minutes, depending on the workload. Thanks to built-in query execution fault-tolerance, the system provides high reliability and success rates even for long-running queries involving large data sets.</a:t>
+            </a:r>
+          </a:p>
+          <a:p>
+            <a:pPr algn="l" defTabSz="914367" rtl="0">
+              <a:lnSpc>
+                <a:spcPct val="90000"/>
+              </a:lnSpc>
+              <a:spcAft>
+                <a:spcPts val="333"/>
+              </a:spcAft>
+              <a:defRPr/>
+            </a:pPr>
+            <a:endParaRPr lang="en-GB" sz="1200" b="0" i="0" u="none" strike="noStrike" kern="1200" dirty="0">
               <a:solidFill>
-                <a:srgbClr val="171717"/>
+                <a:schemeClr val="tx1"/>
               </a:solidFill>
+              <a:effectLst/>
               <a:latin typeface="Segoe UI"/>
+              <a:ea typeface="+mn-ea"/>
               <a:cs typeface="Segoe UI"/>
             </a:endParaRPr>
           </a:p>
           <a:p>
-            <a:endParaRPr lang="en-US" dirty="0">
+            <a:pPr algn="l" defTabSz="914367" rtl="0">
+              <a:lnSpc>
+                <a:spcPct val="90000"/>
+              </a:lnSpc>
+              <a:spcAft>
+                <a:spcPts val="333"/>
+              </a:spcAft>
+              <a:defRPr/>
+            </a:pPr>
+            <a:r>
+              <a:rPr lang="en-GB" sz="1200" b="0" i="0" u="none" strike="noStrike" kern="1200" dirty="0">
+                <a:solidFill>
+                  <a:schemeClr val="tx1"/>
+                </a:solidFill>
+                <a:effectLst/>
+                <a:latin typeface="Segoe UI"/>
+                <a:ea typeface="+mn-ea"/>
+                <a:cs typeface="Segoe UI"/>
+              </a:rPr>
+              <a:t>Serverless SQL pool is serverless, hence there's no infrastructure to setup or clusters to maintain. A default endpoint for this service is provided within every Azure Synapse workspace, so you can start querying data as soon as the workspace is created.</a:t>
+            </a:r>
+          </a:p>
+          <a:p>
+            <a:pPr algn="l" defTabSz="914367" rtl="0">
+              <a:lnSpc>
+                <a:spcPct val="90000"/>
+              </a:lnSpc>
+              <a:spcAft>
+                <a:spcPts val="333"/>
+              </a:spcAft>
+              <a:defRPr/>
+            </a:pPr>
+            <a:endParaRPr lang="en-GB" sz="1200" b="0" i="0" u="none" strike="noStrike" kern="1200" dirty="0">
               <a:solidFill>
-                <a:srgbClr val="000000"/>
+                <a:schemeClr val="tx1"/>
               </a:solidFill>
+              <a:effectLst/>
+              <a:latin typeface="Segoe UI"/>
+              <a:ea typeface="+mn-ea"/>
               <a:cs typeface="Segoe UI"/>
             </a:endParaRPr>
           </a:p>
           <a:p>
+            <a:pPr algn="l" defTabSz="914367" rtl="0">
+              <a:lnSpc>
+                <a:spcPct val="90000"/>
+              </a:lnSpc>
+              <a:spcAft>
+                <a:spcPts val="333"/>
+              </a:spcAft>
+              <a:defRPr/>
+            </a:pPr>
+            <a:r>
+              <a:rPr lang="en-GB" sz="1200" b="0" i="0" u="none" strike="noStrike" kern="1200" dirty="0">
+                <a:solidFill>
+                  <a:schemeClr val="tx1"/>
+                </a:solidFill>
+                <a:effectLst/>
+                <a:latin typeface="Segoe UI"/>
+                <a:ea typeface="+mn-ea"/>
+                <a:cs typeface="Segoe UI"/>
+              </a:rPr>
+              <a:t>There is no charge for resources reserved, you are only being charged for the data processed by queries you run, hence this model is a true pay-per-use model.</a:t>
+            </a:r>
+          </a:p>
+          <a:p>
+            <a:pPr algn="l" defTabSz="914367" rtl="0">
+              <a:lnSpc>
+                <a:spcPct val="90000"/>
+              </a:lnSpc>
+              <a:spcAft>
+                <a:spcPts val="333"/>
+              </a:spcAft>
+              <a:defRPr/>
+            </a:pPr>
+            <a:endParaRPr lang="en-GB" sz="1200" b="0" i="0" u="none" strike="noStrike" kern="1200" dirty="0">
+              <a:solidFill>
+                <a:schemeClr val="tx1"/>
+              </a:solidFill>
+              <a:effectLst/>
+              <a:latin typeface="Segoe UI"/>
+              <a:ea typeface="+mn-ea"/>
+              <a:cs typeface="Segoe UI"/>
+            </a:endParaRPr>
+          </a:p>
+          <a:p>
+            <a:pPr algn="l" defTabSz="914367" rtl="0">
+              <a:lnSpc>
+                <a:spcPct val="90000"/>
+              </a:lnSpc>
+              <a:spcAft>
+                <a:spcPts val="333"/>
+              </a:spcAft>
+              <a:defRPr/>
+            </a:pPr>
+            <a:r>
+              <a:rPr lang="en-GB" sz="1200" b="0" i="0" u="none" strike="noStrike" kern="1200" dirty="0">
+                <a:solidFill>
+                  <a:schemeClr val="tx1"/>
+                </a:solidFill>
+                <a:effectLst/>
+                <a:latin typeface="Segoe UI"/>
+                <a:ea typeface="+mn-ea"/>
+                <a:cs typeface="Segoe UI"/>
+              </a:rPr>
+              <a:t>If you use Apache Spark for Azure Synapse in your data pipeline, for data preparation, cleansing or enrichment, you can query external Spark tables you've created in the process, directly from serverless SQL pool. Use Private Link to bring your serverless SQL pool endpoint into your managed workspace VNet.</a:t>
+            </a:r>
+          </a:p>
+          <a:p>
+            <a:endParaRPr lang="en-US" sz="1200" dirty="0"/>
+          </a:p>
+          <a:p>
             <a:r>
               <a:rPr lang="en-US" sz="1200" b="1" dirty="0"/>
               <a:t>PRESENTER NOTES AND GUIDANCE</a:t>
@@ -2105,39 +3214,20 @@
           <a:p>
             <a:r>
               <a:rPr lang="en-US" sz="1200" dirty="0"/>
-              <a:t>Review:</a:t>
-            </a:r>
-          </a:p>
-          <a:p>
-            <a:r>
-              <a:rPr lang="en-US" sz="1200" dirty="0"/>
-              <a:t>What is Azure Synapse Analytics:</a:t>
-            </a:r>
-          </a:p>
-          <a:p>
-            <a:pPr>
-              <a:defRPr/>
-            </a:pPr>
+              <a:t>Review the following page for introductory information:</a:t>
+            </a:r>
+          </a:p>
+          <a:p>
+            <a:endParaRPr lang="en-US" sz="1200" dirty="0"/>
+          </a:p>
+          <a:p>
             <a:r>
               <a:rPr lang="en-GB" dirty="0">
                 <a:hlinkClick r:id="rId3"/>
               </a:rPr>
-              <a:t>https://docs.microsoft.com/en-us/azure/synapse-analytics/overview-what-is</a:t>
-            </a:r>
-            <a:r>
-              <a:rPr lang="en-GB" dirty="0"/>
-              <a:t> </a:t>
-            </a:r>
-            <a:endParaRPr lang="en-US" dirty="0"/>
-          </a:p>
-          <a:p>
-            <a:endParaRPr lang="en-GB" dirty="0"/>
-          </a:p>
-          <a:p>
-            <a:endParaRPr lang="en-GB" dirty="0"/>
-          </a:p>
-          <a:p>
-            <a:endParaRPr lang="en-GB" dirty="0"/>
+              <a:t>Serverless SQL pool  - Azure Synapse Analytics | Microsoft Docs</a:t>
+            </a:r>
+            <a:endParaRPr lang="en-US" sz="1200" dirty="0"/>
           </a:p>
           <a:p>
             <a:endParaRPr lang="en-GB" dirty="0"/>
@@ -2170,7 +3260,7 @@
     </p:spTree>
     <p:extLst>
       <p:ext uri="{BB962C8B-B14F-4D97-AF65-F5344CB8AC3E}">
-        <p14:creationId xmlns:p14="http://schemas.microsoft.com/office/powerpoint/2010/main" val="13529043"/>
+        <p14:creationId xmlns:p14="http://schemas.microsoft.com/office/powerpoint/2010/main" val="1604342835"/>
       </p:ext>
     </p:extLst>
   </p:cSld>
@@ -2225,18 +3315,138 @@
           <a:lstStyle/>
           <a:p>
             <a:r>
-              <a:rPr lang="en-IE" b="1" dirty="0"/>
-              <a:t>Talking Points:</a:t>
-            </a:r>
-          </a:p>
-          <a:p>
-            <a:endParaRPr lang="en-IE" dirty="0"/>
-          </a:p>
-          <a:p>
-            <a:r>
-              <a:rPr lang="en-IE" dirty="0"/>
-              <a:t>Let’s look at how you can query the common files that are stored in an Azure Data Lake</a:t>
-            </a:r>
+              <a:rPr lang="en-US" sz="1400" b="1" dirty="0"/>
+              <a:t>TALKING POINTS</a:t>
+            </a:r>
+          </a:p>
+          <a:p>
+            <a:pPr>
+              <a:defRPr/>
+            </a:pPr>
+            <a:endParaRPr lang="en-US" sz="1400" b="1" dirty="0">
+              <a:latin typeface="Segoe UI"/>
+              <a:cs typeface="Segoe UI"/>
+            </a:endParaRPr>
+          </a:p>
+          <a:p>
+            <a:r>
+              <a:rPr lang="en-GB" b="0" i="0" dirty="0">
+                <a:solidFill>
+                  <a:srgbClr val="171717"/>
+                </a:solidFill>
+                <a:effectLst/>
+                <a:latin typeface="Segoe UI"/>
+                <a:cs typeface="Segoe UI"/>
+              </a:rPr>
+              <a:t>Synapse SQL offers both </a:t>
+            </a:r>
+            <a:r>
+              <a:rPr lang="en-GB" b="1" i="0" dirty="0">
+                <a:solidFill>
+                  <a:srgbClr val="171717"/>
+                </a:solidFill>
+                <a:effectLst/>
+                <a:latin typeface="Segoe UI"/>
+                <a:cs typeface="Segoe UI"/>
+              </a:rPr>
+              <a:t>serverless</a:t>
+            </a:r>
+            <a:r>
+              <a:rPr lang="en-GB" b="0" i="0" dirty="0">
+                <a:solidFill>
+                  <a:srgbClr val="171717"/>
+                </a:solidFill>
+                <a:effectLst/>
+                <a:latin typeface="Segoe UI"/>
+                <a:cs typeface="Segoe UI"/>
+              </a:rPr>
+              <a:t> and </a:t>
+            </a:r>
+            <a:r>
+              <a:rPr lang="en-GB" b="1" i="0" dirty="0">
+                <a:solidFill>
+                  <a:srgbClr val="171717"/>
+                </a:solidFill>
+                <a:effectLst/>
+                <a:latin typeface="Segoe UI"/>
+                <a:cs typeface="Segoe UI"/>
+              </a:rPr>
+              <a:t>dedicated</a:t>
+            </a:r>
+            <a:r>
+              <a:rPr lang="en-GB" b="0" i="0" dirty="0">
+                <a:solidFill>
+                  <a:srgbClr val="171717"/>
+                </a:solidFill>
+                <a:effectLst/>
+                <a:latin typeface="Segoe UI"/>
+                <a:cs typeface="Segoe UI"/>
+              </a:rPr>
+              <a:t> resource models, offering consumption and billing options to fit your needs. For predictable performance and cost, provision pools to reserve processing power for data stored in SQL tables. For unplanned or bursty workloads, use the serverless, always-available SQL endpoint.</a:t>
+            </a:r>
+          </a:p>
+          <a:p>
+            <a:endParaRPr lang="en-GB" sz="1200" dirty="0">
+              <a:solidFill>
+                <a:srgbClr val="171717"/>
+              </a:solidFill>
+              <a:latin typeface="Segoe UI"/>
+              <a:cs typeface="Segoe UI"/>
+            </a:endParaRPr>
+          </a:p>
+          <a:p>
+            <a:endParaRPr lang="en-US" dirty="0">
+              <a:solidFill>
+                <a:srgbClr val="000000"/>
+              </a:solidFill>
+              <a:cs typeface="Segoe UI"/>
+            </a:endParaRPr>
+          </a:p>
+          <a:p>
+            <a:r>
+              <a:rPr lang="en-US" sz="1200" b="1" dirty="0"/>
+              <a:t>PRESENTER NOTES AND GUIDANCE</a:t>
+            </a:r>
+          </a:p>
+          <a:p>
+            <a:endParaRPr lang="en-US" sz="1200" dirty="0"/>
+          </a:p>
+          <a:p>
+            <a:r>
+              <a:rPr lang="en-US" sz="1200" dirty="0"/>
+              <a:t>Review:</a:t>
+            </a:r>
+          </a:p>
+          <a:p>
+            <a:r>
+              <a:rPr lang="en-US" sz="1200" dirty="0"/>
+              <a:t>What is Azure Synapse Analytics:</a:t>
+            </a:r>
+          </a:p>
+          <a:p>
+            <a:pPr>
+              <a:defRPr/>
+            </a:pPr>
+            <a:r>
+              <a:rPr lang="en-GB" dirty="0">
+                <a:hlinkClick r:id="rId3"/>
+              </a:rPr>
+              <a:t>https://docs.microsoft.com/en-us/azure/synapse-analytics/overview-what-is</a:t>
+            </a:r>
+            <a:r>
+              <a:rPr lang="en-GB" dirty="0"/>
+              <a:t> </a:t>
+            </a:r>
+            <a:endParaRPr lang="en-US" dirty="0"/>
+          </a:p>
+          <a:p>
+            <a:endParaRPr lang="en-GB" dirty="0"/>
+          </a:p>
+          <a:p>
+            <a:endParaRPr lang="en-GB" dirty="0"/>
+          </a:p>
+          <a:p>
+            <a:endParaRPr lang="en-GB" dirty="0"/>
           </a:p>
           <a:p>
             <a:endParaRPr lang="en-GB" dirty="0"/>
@@ -2269,7 +3479,7 @@
     </p:spTree>
     <p:extLst>
       <p:ext uri="{BB962C8B-B14F-4D97-AF65-F5344CB8AC3E}">
-        <p14:creationId xmlns:p14="http://schemas.microsoft.com/office/powerpoint/2010/main" val="2053942289"/>
+        <p14:creationId xmlns:p14="http://schemas.microsoft.com/office/powerpoint/2010/main" val="13529043"/>
       </p:ext>
     </p:extLst>
   </p:cSld>
@@ -2324,320 +3534,18 @@
           <a:lstStyle/>
           <a:p>
             <a:r>
-              <a:rPr lang="en-US" sz="1200" b="1" dirty="0"/>
-              <a:t>TALKING POINTS</a:t>
-            </a:r>
-          </a:p>
-          <a:p>
-            <a:pPr marL="0" marR="0" lvl="0" indent="0" algn="l" defTabSz="228554" eaLnBrk="1" fontAlgn="auto" latinLnBrk="0" hangingPunct="1">
-              <a:lnSpc>
-                <a:spcPct val="117999"/>
-              </a:lnSpc>
-              <a:spcBef>
-                <a:spcPts val="0"/>
-              </a:spcBef>
-              <a:spcAft>
-                <a:spcPts val="0"/>
-              </a:spcAft>
-              <a:buClrTx/>
-              <a:buSzTx/>
-              <a:buFontTx/>
-              <a:buNone/>
-              <a:tabLst/>
-              <a:defRPr/>
-            </a:pPr>
-            <a:endParaRPr lang="en-IE" b="1" i="0" dirty="0">
-              <a:solidFill>
-                <a:srgbClr val="24292E"/>
-              </a:solidFill>
-              <a:effectLst/>
-              <a:latin typeface="-apple-system"/>
-            </a:endParaRPr>
-          </a:p>
-          <a:p>
-            <a:pPr algn="l"/>
-            <a:r>
-              <a:rPr lang="en-GB" b="0" i="0" dirty="0">
-                <a:solidFill>
-                  <a:srgbClr val="24292E"/>
-                </a:solidFill>
-                <a:effectLst/>
-                <a:latin typeface="-apple-system"/>
-              </a:rPr>
-              <a:t>Serverless SQL pool enables you to query data in your data lake. It offers a T-SQL query surface area that accommodates semi-structured and unstructured data queries. For querying, the following T-SQL aspects are supported:</a:t>
-            </a:r>
-          </a:p>
-          <a:p>
-            <a:pPr algn="l"/>
-            <a:endParaRPr lang="en-GB" b="0" i="0" dirty="0">
-              <a:solidFill>
-                <a:srgbClr val="24292E"/>
-              </a:solidFill>
-              <a:effectLst/>
-              <a:latin typeface="-apple-system"/>
-            </a:endParaRPr>
-          </a:p>
-          <a:p>
-            <a:pPr algn="l"/>
-            <a:r>
-              <a:rPr lang="en-GB" b="0" i="0" dirty="0">
-                <a:solidFill>
-                  <a:srgbClr val="24292E"/>
-                </a:solidFill>
-                <a:effectLst/>
-                <a:latin typeface="-apple-system"/>
-              </a:rPr>
-              <a:t>- Full SELECT surface area, including majority of SQL functions and operators.</a:t>
-            </a:r>
-          </a:p>
-          <a:p>
-            <a:pPr algn="l"/>
-            <a:r>
-              <a:rPr lang="en-GB" b="0" i="0" dirty="0">
-                <a:solidFill>
-                  <a:srgbClr val="24292E"/>
-                </a:solidFill>
-                <a:effectLst/>
-                <a:latin typeface="-apple-system"/>
-              </a:rPr>
-              <a:t>- CREATE EXTERNAL TABLE AS SELECT (CETAS) creates an external table and then exports, in parallel, the results of a Transact-SQL SELECT statement to Azure Storage.</a:t>
-            </a:r>
-          </a:p>
-          <a:p>
-            <a:pPr algn="l"/>
-            <a:endParaRPr lang="en-GB" b="0" i="0" dirty="0">
-              <a:solidFill>
-                <a:srgbClr val="24292E"/>
-              </a:solidFill>
-              <a:effectLst/>
-              <a:latin typeface="-apple-system"/>
-            </a:endParaRPr>
-          </a:p>
-          <a:p>
-            <a:pPr algn="l"/>
-            <a:r>
-              <a:rPr lang="en-GB" b="0" i="0" dirty="0">
-                <a:solidFill>
-                  <a:srgbClr val="24292E"/>
-                </a:solidFill>
-                <a:effectLst/>
-                <a:latin typeface="-apple-system"/>
-              </a:rPr>
-              <a:t>To support a smooth experience for in place querying of data that's located in Azure Storage files, serverless SQL pool uses the OPENROWSET function with additional capabilities:</a:t>
-            </a:r>
-          </a:p>
-          <a:p>
-            <a:pPr algn="l"/>
-            <a:endParaRPr lang="en-GB" b="0" i="0" dirty="0">
-              <a:solidFill>
-                <a:srgbClr val="24292E"/>
-              </a:solidFill>
-              <a:effectLst/>
-              <a:latin typeface="-apple-system"/>
-            </a:endParaRPr>
-          </a:p>
-          <a:p>
-            <a:pPr algn="l"/>
-            <a:r>
-              <a:rPr lang="en-GB" b="0" i="0" dirty="0">
-                <a:solidFill>
-                  <a:srgbClr val="24292E"/>
-                </a:solidFill>
-                <a:effectLst/>
-                <a:latin typeface="-apple-system"/>
-              </a:rPr>
-              <a:t>- Query multiple files or folders</a:t>
-            </a:r>
-          </a:p>
-          <a:p>
-            <a:pPr algn="l"/>
-            <a:r>
-              <a:rPr lang="en-GB" b="0" i="0" dirty="0">
-                <a:solidFill>
-                  <a:srgbClr val="24292E"/>
-                </a:solidFill>
-                <a:effectLst/>
-                <a:latin typeface="-apple-system"/>
-              </a:rPr>
-              <a:t>- PARQUET file format</a:t>
-            </a:r>
-          </a:p>
-          <a:p>
-            <a:pPr algn="l"/>
-            <a:r>
-              <a:rPr lang="en-GB" b="0" i="0" dirty="0">
-                <a:solidFill>
-                  <a:srgbClr val="24292E"/>
-                </a:solidFill>
-                <a:effectLst/>
-                <a:latin typeface="-apple-system"/>
-              </a:rPr>
-              <a:t>- Query CSV and delimited text (field terminator, row terminator, escape char)</a:t>
-            </a:r>
-          </a:p>
-          <a:p>
-            <a:pPr algn="l"/>
-            <a:r>
-              <a:rPr lang="en-GB" b="0" i="0" dirty="0">
-                <a:solidFill>
-                  <a:srgbClr val="24292E"/>
-                </a:solidFill>
-                <a:effectLst/>
-                <a:latin typeface="-apple-system"/>
-              </a:rPr>
-              <a:t>- Read a chosen subset of columns</a:t>
-            </a:r>
-          </a:p>
-          <a:p>
-            <a:pPr algn="l"/>
-            <a:r>
-              <a:rPr lang="en-GB" b="0" i="0" dirty="0">
-                <a:solidFill>
-                  <a:srgbClr val="24292E"/>
-                </a:solidFill>
-                <a:effectLst/>
-                <a:latin typeface="-apple-system"/>
-              </a:rPr>
-              <a:t>- Schema inference</a:t>
-            </a:r>
-          </a:p>
-          <a:p>
-            <a:pPr algn="l"/>
-            <a:r>
-              <a:rPr lang="en-GB" b="0" i="0" dirty="0">
-                <a:solidFill>
-                  <a:srgbClr val="24292E"/>
-                </a:solidFill>
-                <a:effectLst/>
-                <a:latin typeface="-apple-system"/>
-              </a:rPr>
-              <a:t>- filename function</a:t>
-            </a:r>
-          </a:p>
-          <a:p>
-            <a:pPr algn="l"/>
-            <a:r>
-              <a:rPr lang="en-GB" b="0" i="0" dirty="0">
-                <a:solidFill>
-                  <a:srgbClr val="24292E"/>
-                </a:solidFill>
-                <a:effectLst/>
-                <a:latin typeface="-apple-system"/>
-              </a:rPr>
-              <a:t>- filepath function</a:t>
-            </a:r>
-          </a:p>
-          <a:p>
-            <a:pPr algn="l"/>
-            <a:r>
-              <a:rPr lang="en-GB" b="0" i="0" dirty="0">
-                <a:solidFill>
-                  <a:srgbClr val="24292E"/>
-                </a:solidFill>
-                <a:effectLst/>
-                <a:latin typeface="-apple-system"/>
-              </a:rPr>
-              <a:t>- Work with complex types and nested or repeated data structures</a:t>
-            </a:r>
-          </a:p>
-          <a:p>
-            <a:pPr algn="l"/>
-            <a:endParaRPr lang="en-GB" b="0" i="0" dirty="0">
-              <a:solidFill>
-                <a:srgbClr val="24292E"/>
-              </a:solidFill>
-              <a:effectLst/>
-              <a:latin typeface="-apple-system"/>
-            </a:endParaRPr>
-          </a:p>
-          <a:p>
-            <a:pPr algn="l"/>
-            <a:endParaRPr lang="en-GB" b="1" i="0" dirty="0">
-              <a:solidFill>
-                <a:srgbClr val="24292E"/>
-              </a:solidFill>
-              <a:effectLst/>
-              <a:latin typeface="-apple-system"/>
-            </a:endParaRPr>
-          </a:p>
-          <a:p>
-            <a:pPr algn="l"/>
-            <a:r>
-              <a:rPr lang="en-GB" b="0" i="0" dirty="0">
-                <a:solidFill>
-                  <a:srgbClr val="24292E"/>
-                </a:solidFill>
-                <a:effectLst/>
-                <a:latin typeface="-apple-system"/>
-              </a:rPr>
-              <a:t>Full details can be explored here:</a:t>
-            </a:r>
-          </a:p>
-          <a:p>
-            <a:pPr algn="l"/>
-            <a:endParaRPr lang="en-GB" b="0" i="0" dirty="0">
-              <a:solidFill>
-                <a:srgbClr val="24292E"/>
-              </a:solidFill>
-              <a:effectLst/>
-              <a:latin typeface="-apple-system"/>
-            </a:endParaRPr>
-          </a:p>
-          <a:p>
-            <a:pPr algn="l"/>
-            <a:r>
-              <a:rPr lang="en-GB" dirty="0">
-                <a:hlinkClick r:id="rId3"/>
-              </a:rPr>
-              <a:t>Query data storage with serverless SQL pool (preview) - Azure Synapse Analytics | Microsoft Docs</a:t>
-            </a:r>
-            <a:endParaRPr lang="en-GB" b="0" i="0" dirty="0">
-              <a:solidFill>
-                <a:srgbClr val="24292E"/>
-              </a:solidFill>
-              <a:effectLst/>
-              <a:latin typeface="-apple-system"/>
-            </a:endParaRPr>
-          </a:p>
-          <a:p>
-            <a:pPr algn="l"/>
-            <a:endParaRPr lang="en-GB" b="0" i="0" dirty="0">
-              <a:solidFill>
-                <a:srgbClr val="24292E"/>
-              </a:solidFill>
-              <a:effectLst/>
-              <a:latin typeface="-apple-system"/>
-            </a:endParaRPr>
-          </a:p>
-          <a:p>
-            <a:pPr algn="l"/>
-            <a:endParaRPr lang="en-IE" b="1" i="0" dirty="0">
-              <a:solidFill>
-                <a:srgbClr val="171717"/>
-              </a:solidFill>
-              <a:effectLst/>
-              <a:latin typeface="Segoe UI" panose="020B0502040204020203" pitchFamily="34" charset="0"/>
-            </a:endParaRPr>
-          </a:p>
-          <a:p>
-            <a:pPr algn="l"/>
-            <a:endParaRPr lang="en-IE" b="1" i="0" dirty="0">
-              <a:solidFill>
-                <a:srgbClr val="171717"/>
-              </a:solidFill>
-              <a:effectLst/>
-              <a:latin typeface="Segoe UI" panose="020B0502040204020203" pitchFamily="34" charset="0"/>
-            </a:endParaRPr>
-          </a:p>
-          <a:p>
-            <a:pPr algn="l"/>
-            <a:endParaRPr lang="en-IE" b="0" i="0" dirty="0">
-              <a:solidFill>
-                <a:srgbClr val="171717"/>
-              </a:solidFill>
-              <a:effectLst/>
-              <a:latin typeface="Segoe UI" panose="020B0502040204020203" pitchFamily="34" charset="0"/>
-            </a:endParaRPr>
+              <a:rPr lang="en-IE" b="1" dirty="0"/>
+              <a:t>Talking Points:</a:t>
+            </a:r>
+          </a:p>
+          <a:p>
+            <a:endParaRPr lang="en-IE" dirty="0"/>
+          </a:p>
+          <a:p>
+            <a:r>
+              <a:rPr lang="en-IE" dirty="0"/>
+              <a:t>Let’s look at how you can query the common files that are stored in an Azure Data Lake</a:t>
+            </a:r>
           </a:p>
           <a:p>
             <a:endParaRPr lang="en-GB" dirty="0"/>
@@ -2670,7 +3578,7 @@
     </p:spTree>
     <p:extLst>
       <p:ext uri="{BB962C8B-B14F-4D97-AF65-F5344CB8AC3E}">
-        <p14:creationId xmlns:p14="http://schemas.microsoft.com/office/powerpoint/2010/main" val="2806206160"/>
+        <p14:creationId xmlns:p14="http://schemas.microsoft.com/office/powerpoint/2010/main" val="2053942289"/>
       </p:ext>
     </p:extLst>
   </p:cSld>
@@ -2765,7 +3673,7 @@
                 <a:effectLst/>
                 <a:latin typeface="-apple-system"/>
               </a:rPr>
-              <a:t>Understanding data through data exploration is one of the core challenges faced today by data engineers and data scientists as well. Depending on the underlying structure of the data as well as the specific requirements of the exploration process, different data processing engines will offer varying degrees of performance, complexity, and flexibility.</a:t>
+              <a:t>Serverless SQL pool enables you to query data in your data lake. It offers a T-SQL query surface area that accommodates semi-structured and unstructured data queries. For querying, the following T-SQL aspects are supported:</a:t>
             </a:r>
           </a:p>
           <a:p>
@@ -2788,7 +3696,7 @@
                 <a:effectLst/>
                 <a:latin typeface="-apple-system"/>
               </a:rPr>
-              <a:t>In Azure Synapse Analytics, you can use either SQL, Apache Spark for Synapse, or both. Which service you use mostly depends on your personal preference and expertise. When conducting data engineering tasks, both options can be equally valid in many cases. However, there are certain situations where harnessing the power of Apache Spark can help you overcome problems with the source data. This is because in a Synapse </a:t>
+              <a:t>- Full SELECT surface area, including majority of SQL functions and operators.</a:t>
             </a:r>
           </a:p>
           <a:p>
@@ -2801,8 +3709,214 @@
                 <a:effectLst/>
                 <a:latin typeface="-apple-system"/>
               </a:rPr>
-              <a:t>Notebook, you can import from a large number of free libraries that add functionality to your environment when working with data. There are other situations where it is much more convenient and faster using serverless SQL pool to explore the data, or to expose data in the data lake through a SQL view that can be accessed from external tools, like Power BI.</a:t>
-            </a:r>
+              <a:t>- CREATE EXTERNAL TABLE AS SELECT (CETAS) creates an external table and then exports, in parallel, the results of a Transact-SQL SELECT statement to Azure Storage.</a:t>
+            </a:r>
+          </a:p>
+          <a:p>
+            <a:pPr algn="l"/>
+            <a:endParaRPr lang="en-GB" b="0" i="0" dirty="0">
+              <a:solidFill>
+                <a:srgbClr val="24292E"/>
+              </a:solidFill>
+              <a:effectLst/>
+              <a:latin typeface="-apple-system"/>
+            </a:endParaRPr>
+          </a:p>
+          <a:p>
+            <a:pPr algn="l"/>
+            <a:r>
+              <a:rPr lang="en-GB" b="0" i="0" dirty="0">
+                <a:solidFill>
+                  <a:srgbClr val="24292E"/>
+                </a:solidFill>
+                <a:effectLst/>
+                <a:latin typeface="-apple-system"/>
+              </a:rPr>
+              <a:t>To support a smooth experience for in place querying of data that's located in Azure Storage files, serverless SQL pool uses the OPENROWSET function with additional capabilities:</a:t>
+            </a:r>
+          </a:p>
+          <a:p>
+            <a:pPr algn="l"/>
+            <a:endParaRPr lang="en-GB" b="0" i="0" dirty="0">
+              <a:solidFill>
+                <a:srgbClr val="24292E"/>
+              </a:solidFill>
+              <a:effectLst/>
+              <a:latin typeface="-apple-system"/>
+            </a:endParaRPr>
+          </a:p>
+          <a:p>
+            <a:pPr algn="l"/>
+            <a:r>
+              <a:rPr lang="en-GB" b="0" i="0" dirty="0">
+                <a:solidFill>
+                  <a:srgbClr val="24292E"/>
+                </a:solidFill>
+                <a:effectLst/>
+                <a:latin typeface="-apple-system"/>
+              </a:rPr>
+              <a:t>- Query multiple files or folders</a:t>
+            </a:r>
+          </a:p>
+          <a:p>
+            <a:pPr algn="l"/>
+            <a:r>
+              <a:rPr lang="en-GB" b="0" i="0" dirty="0">
+                <a:solidFill>
+                  <a:srgbClr val="24292E"/>
+                </a:solidFill>
+                <a:effectLst/>
+                <a:latin typeface="-apple-system"/>
+              </a:rPr>
+              <a:t>- PARQUET file format</a:t>
+            </a:r>
+          </a:p>
+          <a:p>
+            <a:pPr algn="l"/>
+            <a:r>
+              <a:rPr lang="en-GB" b="0" i="0" dirty="0">
+                <a:solidFill>
+                  <a:srgbClr val="24292E"/>
+                </a:solidFill>
+                <a:effectLst/>
+                <a:latin typeface="-apple-system"/>
+              </a:rPr>
+              <a:t>- Query CSV and delimited text (field terminator, row terminator, escape char)</a:t>
+            </a:r>
+          </a:p>
+          <a:p>
+            <a:pPr algn="l"/>
+            <a:r>
+              <a:rPr lang="en-GB" b="0" i="0" dirty="0">
+                <a:solidFill>
+                  <a:srgbClr val="24292E"/>
+                </a:solidFill>
+                <a:effectLst/>
+                <a:latin typeface="-apple-system"/>
+              </a:rPr>
+              <a:t>- Read a chosen subset of columns</a:t>
+            </a:r>
+          </a:p>
+          <a:p>
+            <a:pPr algn="l"/>
+            <a:r>
+              <a:rPr lang="en-GB" b="0" i="0" dirty="0">
+                <a:solidFill>
+                  <a:srgbClr val="24292E"/>
+                </a:solidFill>
+                <a:effectLst/>
+                <a:latin typeface="-apple-system"/>
+              </a:rPr>
+              <a:t>- Schema inference</a:t>
+            </a:r>
+          </a:p>
+          <a:p>
+            <a:pPr algn="l"/>
+            <a:r>
+              <a:rPr lang="en-GB" b="0" i="0" dirty="0">
+                <a:solidFill>
+                  <a:srgbClr val="24292E"/>
+                </a:solidFill>
+                <a:effectLst/>
+                <a:latin typeface="-apple-system"/>
+              </a:rPr>
+              <a:t>- filename function</a:t>
+            </a:r>
+          </a:p>
+          <a:p>
+            <a:pPr algn="l"/>
+            <a:r>
+              <a:rPr lang="en-GB" b="0" i="0" dirty="0">
+                <a:solidFill>
+                  <a:srgbClr val="24292E"/>
+                </a:solidFill>
+                <a:effectLst/>
+                <a:latin typeface="-apple-system"/>
+              </a:rPr>
+              <a:t>- filepath function</a:t>
+            </a:r>
+          </a:p>
+          <a:p>
+            <a:pPr algn="l"/>
+            <a:r>
+              <a:rPr lang="en-GB" b="0" i="0" dirty="0">
+                <a:solidFill>
+                  <a:srgbClr val="24292E"/>
+                </a:solidFill>
+                <a:effectLst/>
+                <a:latin typeface="-apple-system"/>
+              </a:rPr>
+              <a:t>- Work with complex types and nested or repeated data structures</a:t>
+            </a:r>
+          </a:p>
+          <a:p>
+            <a:pPr algn="l"/>
+            <a:endParaRPr lang="en-GB" b="0" i="0" dirty="0">
+              <a:solidFill>
+                <a:srgbClr val="24292E"/>
+              </a:solidFill>
+              <a:effectLst/>
+              <a:latin typeface="-apple-system"/>
+            </a:endParaRPr>
+          </a:p>
+          <a:p>
+            <a:pPr algn="l"/>
+            <a:endParaRPr lang="en-GB" b="1" i="0" dirty="0">
+              <a:solidFill>
+                <a:srgbClr val="24292E"/>
+              </a:solidFill>
+              <a:effectLst/>
+              <a:latin typeface="-apple-system"/>
+            </a:endParaRPr>
+          </a:p>
+          <a:p>
+            <a:pPr algn="l"/>
+            <a:r>
+              <a:rPr lang="en-GB" b="0" i="0" dirty="0">
+                <a:solidFill>
+                  <a:srgbClr val="24292E"/>
+                </a:solidFill>
+                <a:effectLst/>
+                <a:latin typeface="-apple-system"/>
+              </a:rPr>
+              <a:t>Full details can be explored here:</a:t>
+            </a:r>
+          </a:p>
+          <a:p>
+            <a:pPr algn="l"/>
+            <a:endParaRPr lang="en-GB" b="0" i="0" dirty="0">
+              <a:solidFill>
+                <a:srgbClr val="24292E"/>
+              </a:solidFill>
+              <a:effectLst/>
+              <a:latin typeface="-apple-system"/>
+            </a:endParaRPr>
+          </a:p>
+          <a:p>
+            <a:pPr algn="l"/>
+            <a:r>
+              <a:rPr lang="en-GB" dirty="0">
+                <a:hlinkClick r:id="rId3"/>
+              </a:rPr>
+              <a:t>Query data storage with serverless SQL pool (preview) - Azure Synapse Analytics | Microsoft Docs</a:t>
+            </a:r>
+            <a:endParaRPr lang="en-GB" b="0" i="0" dirty="0">
+              <a:solidFill>
+                <a:srgbClr val="24292E"/>
+              </a:solidFill>
+              <a:effectLst/>
+              <a:latin typeface="-apple-system"/>
+            </a:endParaRPr>
+          </a:p>
+          <a:p>
+            <a:pPr algn="l"/>
+            <a:endParaRPr lang="en-GB" b="0" i="0" dirty="0">
+              <a:solidFill>
+                <a:srgbClr val="24292E"/>
+              </a:solidFill>
+              <a:effectLst/>
+              <a:latin typeface="-apple-system"/>
+            </a:endParaRPr>
           </a:p>
           <a:p>
             <a:pPr algn="l"/>
@@ -2816,207 +3930,26 @@
           </a:p>
           <a:p>
             <a:pPr algn="l"/>
-            <a:r>
-              <a:rPr lang="en-GB" b="0" i="0" dirty="0">
-                <a:solidFill>
-                  <a:srgbClr val="24292E"/>
-                </a:solidFill>
-                <a:effectLst/>
-                <a:latin typeface="-apple-system"/>
-              </a:rPr>
-              <a:t>- In Synapse Studio, navigate to the </a:t>
-            </a:r>
-            <a:r>
-              <a:rPr lang="en-GB" b="1" i="0" dirty="0">
-                <a:solidFill>
-                  <a:srgbClr val="24292E"/>
-                </a:solidFill>
-                <a:effectLst/>
-                <a:latin typeface="-apple-system"/>
-              </a:rPr>
-              <a:t>Data</a:t>
-            </a:r>
-            <a:r>
-              <a:rPr lang="en-GB" b="0" i="0" dirty="0">
-                <a:solidFill>
-                  <a:srgbClr val="24292E"/>
-                </a:solidFill>
-                <a:effectLst/>
-                <a:latin typeface="-apple-system"/>
-              </a:rPr>
-              <a:t> hub.</a:t>
-            </a:r>
-          </a:p>
-          <a:p>
-            <a:pPr algn="l"/>
-            <a:endParaRPr lang="en-GB" b="0" i="0" dirty="0">
+            <a:endParaRPr lang="en-IE" b="1" i="0" dirty="0">
               <a:solidFill>
-                <a:srgbClr val="24292E"/>
+                <a:srgbClr val="171717"/>
               </a:solidFill>
               <a:effectLst/>
-              <a:latin typeface="-apple-system"/>
+              <a:latin typeface="Segoe UI" panose="020B0502040204020203" pitchFamily="34" charset="0"/>
             </a:endParaRPr>
           </a:p>
           <a:p>
             <a:pPr algn="l"/>
-            <a:r>
-              <a:rPr lang="en-GB" b="0" i="0" dirty="0">
-                <a:solidFill>
-                  <a:srgbClr val="24292E"/>
-                </a:solidFill>
-                <a:effectLst/>
-                <a:latin typeface="-apple-system"/>
-              </a:rPr>
-              <a:t>- Select the Linked tab and expand Azure Data Lake Storage Gen2. Expand the  primary ADLS Gen2 account and select the container. Navigate to the folder, and right-click on the </a:t>
-            </a:r>
-            <a:r>
-              <a:rPr lang="en-GB" dirty="0"/>
-              <a:t>parquet</a:t>
-            </a:r>
-            <a:r>
-              <a:rPr lang="en-GB" b="0" i="0" dirty="0">
-                <a:solidFill>
-                  <a:srgbClr val="24292E"/>
-                </a:solidFill>
-                <a:effectLst/>
-                <a:latin typeface="-apple-system"/>
-              </a:rPr>
-              <a:t> file, select </a:t>
-            </a:r>
-            <a:r>
-              <a:rPr lang="en-GB" b="1" i="0" dirty="0">
-                <a:solidFill>
-                  <a:srgbClr val="24292E"/>
-                </a:solidFill>
-                <a:effectLst/>
-                <a:latin typeface="-apple-system"/>
-              </a:rPr>
-              <a:t>New SQL script</a:t>
-            </a:r>
-            <a:r>
-              <a:rPr lang="en-GB" b="0" i="0" dirty="0">
-                <a:solidFill>
-                  <a:srgbClr val="24292E"/>
-                </a:solidFill>
-                <a:effectLst/>
-                <a:latin typeface="-apple-system"/>
-              </a:rPr>
-              <a:t>, then </a:t>
-            </a:r>
-            <a:r>
-              <a:rPr lang="en-GB" b="1" i="0" dirty="0">
-                <a:solidFill>
-                  <a:srgbClr val="24292E"/>
-                </a:solidFill>
-                <a:effectLst/>
-                <a:latin typeface="-apple-system"/>
-              </a:rPr>
-              <a:t>Select TOP 100 rows.</a:t>
-            </a:r>
-          </a:p>
-          <a:p>
-            <a:pPr algn="l"/>
-            <a:endParaRPr lang="en-GB" b="1" i="0" dirty="0">
+            <a:endParaRPr lang="en-IE" b="0" i="0" dirty="0">
               <a:solidFill>
-                <a:srgbClr val="24292E"/>
+                <a:srgbClr val="171717"/>
               </a:solidFill>
               <a:effectLst/>
-              <a:latin typeface="-apple-system"/>
+              <a:latin typeface="Segoe UI" panose="020B0502040204020203" pitchFamily="34" charset="0"/>
             </a:endParaRPr>
           </a:p>
           <a:p>
-            <a:pPr algn="l"/>
-            <a:r>
-              <a:rPr lang="en-GB" b="0" i="0" dirty="0">
-                <a:solidFill>
-                  <a:srgbClr val="24292E"/>
-                </a:solidFill>
-                <a:effectLst/>
-                <a:latin typeface="-apple-system"/>
-              </a:rPr>
-              <a:t>- As per the screenshot in the slide, Ensure </a:t>
-            </a:r>
-            <a:r>
-              <a:rPr lang="en-GB" b="1" i="0" dirty="0">
-                <a:solidFill>
-                  <a:srgbClr val="24292E"/>
-                </a:solidFill>
-                <a:effectLst/>
-                <a:latin typeface="-apple-system"/>
-              </a:rPr>
-              <a:t>Built-in</a:t>
-            </a:r>
-            <a:r>
-              <a:rPr lang="en-GB" b="0" i="0" dirty="0">
-                <a:solidFill>
-                  <a:srgbClr val="24292E"/>
-                </a:solidFill>
-                <a:effectLst/>
-                <a:latin typeface="-apple-system"/>
-              </a:rPr>
-              <a:t> is selected </a:t>
-            </a:r>
-            <a:r>
-              <a:rPr lang="en-GB" b="1" i="0" dirty="0">
-                <a:solidFill>
-                  <a:srgbClr val="24292E"/>
-                </a:solidFill>
-                <a:effectLst/>
-                <a:latin typeface="-apple-system"/>
-              </a:rPr>
-              <a:t>(1)</a:t>
-            </a:r>
-            <a:r>
-              <a:rPr lang="en-GB" b="0" i="0" dirty="0">
-                <a:solidFill>
-                  <a:srgbClr val="24292E"/>
-                </a:solidFill>
-                <a:effectLst/>
-                <a:latin typeface="-apple-system"/>
-              </a:rPr>
-              <a:t> in the </a:t>
-            </a:r>
-            <a:r>
-              <a:rPr lang="en-GB" dirty="0"/>
-              <a:t>Connect to</a:t>
-            </a:r>
-            <a:r>
-              <a:rPr lang="en-GB" b="0" i="0" dirty="0">
-                <a:solidFill>
-                  <a:srgbClr val="24292E"/>
-                </a:solidFill>
-                <a:effectLst/>
-                <a:latin typeface="-apple-system"/>
-              </a:rPr>
-              <a:t> dropdown list above the query window, then run the query </a:t>
-            </a:r>
-            <a:r>
-              <a:rPr lang="en-GB" b="1" i="0" dirty="0">
-                <a:solidFill>
-                  <a:srgbClr val="24292E"/>
-                </a:solidFill>
-                <a:effectLst/>
-                <a:latin typeface="-apple-system"/>
-              </a:rPr>
-              <a:t>(2)</a:t>
-            </a:r>
-            <a:r>
-              <a:rPr lang="en-GB" b="0" i="0" dirty="0">
-                <a:solidFill>
-                  <a:srgbClr val="24292E"/>
-                </a:solidFill>
-                <a:effectLst/>
-                <a:latin typeface="-apple-system"/>
-              </a:rPr>
-              <a:t>. Data is loaded by the serverless SQL endpoint and processed as if was coming from any regular relational database.</a:t>
-            </a:r>
-            <a:endParaRPr lang="en-GB" b="1" i="0" dirty="0">
-              <a:solidFill>
-                <a:srgbClr val="24292E"/>
-              </a:solidFill>
-              <a:effectLst/>
-              <a:latin typeface="-apple-system"/>
-            </a:endParaRPr>
+            <a:endParaRPr lang="en-GB" dirty="0"/>
           </a:p>
         </p:txBody>
       </p:sp>
@@ -3046,7 +3979,7 @@
     </p:spTree>
     <p:extLst>
       <p:ext uri="{BB962C8B-B14F-4D97-AF65-F5344CB8AC3E}">
-        <p14:creationId xmlns:p14="http://schemas.microsoft.com/office/powerpoint/2010/main" val="1171754709"/>
+        <p14:creationId xmlns:p14="http://schemas.microsoft.com/office/powerpoint/2010/main" val="2806206160"/>
       </p:ext>
     </p:extLst>
   </p:cSld>
@@ -3083,7 +4016,12 @@
             <p:ph type="sldImg"/>
           </p:nvPr>
         </p:nvSpPr>
-        <p:spPr/>
+        <p:spPr>
+          <a:xfrm>
+            <a:off x="4321175" y="771525"/>
+            <a:ext cx="3702050" cy="2082800"/>
+          </a:xfrm>
+        </p:spPr>
       </p:sp>
       <p:sp>
         <p:nvSpPr>
@@ -3100,7 +4038,209 @@
           <a:bodyPr/>
           <a:lstStyle/>
           <a:p>
-            <a:pPr marL="0" marR="0" lvl="0" indent="0" algn="l" defTabSz="914400" rtl="0" eaLnBrk="1" fontAlgn="auto" latinLnBrk="0" hangingPunct="1">
+            <a:pPr algn="l"/>
+            <a:r>
+              <a:rPr lang="en-GB" sz="1050" b="0" i="0" dirty="0">
+                <a:solidFill>
+                  <a:srgbClr val="24292E"/>
+                </a:solidFill>
+                <a:effectLst/>
+                <a:latin typeface="+mn-lt"/>
+              </a:rPr>
+              <a:t>Serverless SQL pools enable you to query data in your data lake. They offer a T-SQL query surface area that accommodates semi-structured and unstructured data queries. For querying, the following T-SQL aspects are supported:</a:t>
+            </a:r>
+          </a:p>
+          <a:p>
+            <a:pPr algn="l"/>
+            <a:endParaRPr lang="en-GB" sz="1050" b="0" i="0" dirty="0">
+              <a:solidFill>
+                <a:srgbClr val="24292E"/>
+              </a:solidFill>
+              <a:effectLst/>
+              <a:latin typeface="+mn-lt"/>
+            </a:endParaRPr>
+          </a:p>
+          <a:p>
+            <a:pPr algn="l"/>
+            <a:r>
+              <a:rPr lang="en-GB" sz="1050" b="0" i="0" dirty="0">
+                <a:solidFill>
+                  <a:srgbClr val="24292E"/>
+                </a:solidFill>
+                <a:effectLst/>
+                <a:latin typeface="+mn-lt"/>
+              </a:rPr>
+              <a:t>- Full SELECT surface area, including a majority of SQL functions and operators.</a:t>
+            </a:r>
+          </a:p>
+          <a:p>
+            <a:pPr algn="l"/>
+            <a:r>
+              <a:rPr lang="en-GB" sz="1050" b="0" i="0" dirty="0">
+                <a:solidFill>
+                  <a:srgbClr val="24292E"/>
+                </a:solidFill>
+                <a:effectLst/>
+                <a:latin typeface="+mn-lt"/>
+              </a:rPr>
+              <a:t>- CREATE EXTERNAL TABLE AS SELECT (CETAS) creates an external table and then exports, in parallel, the results of a Transact-SQL SELECT statement to Azure Storage.</a:t>
+            </a:r>
+          </a:p>
+          <a:p>
+            <a:pPr algn="l"/>
+            <a:endParaRPr lang="en-GB" sz="1050" b="0" i="0" dirty="0">
+              <a:solidFill>
+                <a:srgbClr val="24292E"/>
+              </a:solidFill>
+              <a:effectLst/>
+              <a:latin typeface="+mn-lt"/>
+            </a:endParaRPr>
+          </a:p>
+          <a:p>
+            <a:pPr algn="l"/>
+            <a:r>
+              <a:rPr lang="en-GB" sz="1050" b="0" i="0" dirty="0">
+                <a:solidFill>
+                  <a:srgbClr val="24292E"/>
+                </a:solidFill>
+                <a:effectLst/>
+                <a:latin typeface="+mn-lt"/>
+              </a:rPr>
+              <a:t>To support a smooth experience for in-place querying of data that's located in Azure Storage files, serverless SQL pool uses the OPENROWSET function with additional capabilities including:</a:t>
+            </a:r>
+          </a:p>
+          <a:p>
+            <a:pPr algn="l"/>
+            <a:endParaRPr lang="en-GB" sz="1050" b="0" i="0" dirty="0">
+              <a:solidFill>
+                <a:srgbClr val="24292E"/>
+              </a:solidFill>
+              <a:effectLst/>
+              <a:latin typeface="+mn-lt"/>
+            </a:endParaRPr>
+          </a:p>
+          <a:p>
+            <a:pPr algn="l"/>
+            <a:r>
+              <a:rPr lang="en-GB" sz="1050" b="0" i="0" dirty="0">
+                <a:solidFill>
+                  <a:srgbClr val="24292E"/>
+                </a:solidFill>
+                <a:effectLst/>
+                <a:latin typeface="+mn-lt"/>
+              </a:rPr>
+              <a:t>- Query multiple files or folders</a:t>
+            </a:r>
+          </a:p>
+          <a:p>
+            <a:pPr algn="l"/>
+            <a:r>
+              <a:rPr lang="en-GB" sz="1050" b="0" i="0" dirty="0">
+                <a:solidFill>
+                  <a:srgbClr val="24292E"/>
+                </a:solidFill>
+                <a:effectLst/>
+                <a:latin typeface="+mn-lt"/>
+              </a:rPr>
+              <a:t>- Query PARQUET file format</a:t>
+            </a:r>
+          </a:p>
+          <a:p>
+            <a:pPr algn="l"/>
+            <a:r>
+              <a:rPr lang="en-GB" sz="1050" b="0" i="0" dirty="0">
+                <a:solidFill>
+                  <a:srgbClr val="24292E"/>
+                </a:solidFill>
+                <a:effectLst/>
+                <a:latin typeface="+mn-lt"/>
+              </a:rPr>
+              <a:t>- Query CSV and delimited text (field terminator, row terminator, escape char)</a:t>
+            </a:r>
+          </a:p>
+          <a:p>
+            <a:pPr algn="l"/>
+            <a:r>
+              <a:rPr lang="en-GB" sz="1050" b="0" i="0" dirty="0">
+                <a:solidFill>
+                  <a:srgbClr val="24292E"/>
+                </a:solidFill>
+                <a:effectLst/>
+                <a:latin typeface="+mn-lt"/>
+              </a:rPr>
+              <a:t>- Read a chosen subset of columns</a:t>
+            </a:r>
+          </a:p>
+          <a:p>
+            <a:pPr algn="l"/>
+            <a:r>
+              <a:rPr lang="en-GB" sz="1050" b="0" i="0" dirty="0">
+                <a:solidFill>
+                  <a:srgbClr val="24292E"/>
+                </a:solidFill>
+                <a:effectLst/>
+                <a:latin typeface="+mn-lt"/>
+              </a:rPr>
+              <a:t>- Use schema inference</a:t>
+            </a:r>
+          </a:p>
+          <a:p>
+            <a:pPr algn="l"/>
+            <a:r>
+              <a:rPr lang="en-GB" sz="1050" b="0" i="0" dirty="0">
+                <a:solidFill>
+                  <a:srgbClr val="24292E"/>
+                </a:solidFill>
+                <a:effectLst/>
+                <a:latin typeface="+mn-lt"/>
+              </a:rPr>
+              <a:t>- Use the filename function</a:t>
+            </a:r>
+          </a:p>
+          <a:p>
+            <a:pPr algn="l"/>
+            <a:r>
+              <a:rPr lang="en-GB" sz="1050" b="0" i="0" dirty="0">
+                <a:solidFill>
+                  <a:srgbClr val="24292E"/>
+                </a:solidFill>
+                <a:effectLst/>
+                <a:latin typeface="+mn-lt"/>
+              </a:rPr>
+              <a:t>- Use the filepath function</a:t>
+            </a:r>
+          </a:p>
+          <a:p>
+            <a:pPr algn="l"/>
+            <a:r>
+              <a:rPr lang="en-GB" sz="1050" b="0" i="0" dirty="0">
+                <a:solidFill>
+                  <a:srgbClr val="24292E"/>
+                </a:solidFill>
+                <a:effectLst/>
+                <a:latin typeface="+mn-lt"/>
+              </a:rPr>
+              <a:t>- Work with complex types and nested or repeated data structures</a:t>
+            </a:r>
+          </a:p>
+        </p:txBody>
+      </p:sp>
+      <p:sp>
+        <p:nvSpPr>
+          <p:cNvPr id="4" name="Slide Number Placeholder 3"/>
+          <p:cNvSpPr>
+            <a:spLocks noGrp="1"/>
+          </p:cNvSpPr>
+          <p:nvPr>
+            <p:ph type="sldNum" sz="quarter" idx="10"/>
+          </p:nvPr>
+        </p:nvSpPr>
+        <p:spPr/>
+        <p:txBody>
+          <a:bodyPr/>
+          <a:lstStyle/>
+          <a:p>
+            <a:pPr marL="0" marR="0" lvl="0" indent="0" algn="r" defTabSz="914400" rtl="0" eaLnBrk="1" fontAlgn="auto" latinLnBrk="0" hangingPunct="1">
               <a:lnSpc>
                 <a:spcPct val="100000"/>
               </a:lnSpc>
@@ -3117,50 +4257,61 @@
               <a:tabLst/>
               <a:defRPr/>
             </a:pPr>
-            <a:r>
-              <a:rPr lang="en-IE" b="1" dirty="0"/>
-              <a:t>Talking Points:</a:t>
-            </a:r>
-            <a:endParaRPr lang="en-IE" dirty="0"/>
-          </a:p>
-          <a:p>
-            <a:endParaRPr lang="en-GB" dirty="0"/>
-          </a:p>
-          <a:p>
-            <a:r>
-              <a:rPr lang="en-GB" dirty="0"/>
-              <a:t>Lets look at the security considerations</a:t>
-            </a:r>
-          </a:p>
-        </p:txBody>
-      </p:sp>
-      <p:sp>
-        <p:nvSpPr>
-          <p:cNvPr id="4" name="Slide Number Placeholder 3"/>
-          <p:cNvSpPr>
-            <a:spLocks noGrp="1"/>
-          </p:cNvSpPr>
-          <p:nvPr>
-            <p:ph type="sldNum" sz="quarter" idx="5"/>
-          </p:nvPr>
-        </p:nvSpPr>
-        <p:spPr/>
-        <p:txBody>
-          <a:bodyPr/>
-          <a:lstStyle/>
-          <a:p>
-            <a:fld id="{37E24C93-78CA-4AF0-9E77-825D60ABA46D}" type="slidenum">
-              <a:rPr lang="en-US" smtClean="0"/>
+            <a:fld id="{A5B258F2-B2E5-4175-B339-81AEE5988F5F}" type="slidenum">
+              <a:rPr kumimoji="0" lang="en-US" sz="1800" b="0" i="0" u="none" strike="noStrike" kern="0" cap="none" spc="0" normalizeH="0" baseline="0" noProof="0" smtClean="0">
+                <a:ln>
+                  <a:noFill/>
+                </a:ln>
+                <a:solidFill>
+                  <a:sysClr val="windowText" lastClr="000000"/>
+                </a:solidFill>
+                <a:effectLst/>
+                <a:uLnTx/>
+                <a:uFillTx/>
+                <a:latin typeface="Segoe UI Light" pitchFamily="34" charset="0"/>
+                <a:ea typeface="+mn-ea"/>
+                <a:cs typeface="Arial" pitchFamily="34" charset="0"/>
+              </a:rPr>
+              <a:pPr marL="0" marR="0" lvl="0" indent="0" algn="r" defTabSz="914400" rtl="0" eaLnBrk="1" fontAlgn="auto" latinLnBrk="0" hangingPunct="1">
+                <a:lnSpc>
+                  <a:spcPct val="100000"/>
+                </a:lnSpc>
+                <a:spcBef>
+                  <a:spcPts val="0"/>
+                </a:spcBef>
+                <a:spcAft>
+                  <a:spcPts val="0"/>
+                </a:spcAft>
+                <a:buClrTx/>
+                <a:buSzTx/>
+                <a:buFontTx/>
+                <a:buNone/>
+                <a:tabLst/>
+                <a:defRPr/>
+              </a:pPr>
               <a:t>9</a:t>
             </a:fld>
-            <a:endParaRPr lang="en-US" dirty="0"/>
+            <a:endParaRPr kumimoji="0" lang="en-US" sz="1800" b="0" i="0" u="none" strike="noStrike" kern="0" cap="none" spc="0" normalizeH="0" baseline="0" noProof="0" dirty="0">
+              <a:ln>
+                <a:noFill/>
+              </a:ln>
+              <a:solidFill>
+                <a:sysClr val="windowText" lastClr="000000"/>
+              </a:solidFill>
+              <a:effectLst/>
+              <a:uLnTx/>
+              <a:uFillTx/>
+              <a:latin typeface="Segoe UI Light" pitchFamily="34" charset="0"/>
+              <a:ea typeface="+mn-ea"/>
+              <a:cs typeface="Arial" pitchFamily="34" charset="0"/>
+            </a:endParaRPr>
           </a:p>
         </p:txBody>
       </p:sp>
     </p:spTree>
     <p:extLst>
       <p:ext uri="{BB962C8B-B14F-4D97-AF65-F5344CB8AC3E}">
-        <p14:creationId xmlns:p14="http://schemas.microsoft.com/office/powerpoint/2010/main" val="420517814"/>
+        <p14:creationId xmlns:p14="http://schemas.microsoft.com/office/powerpoint/2010/main" val="392913262"/>
       </p:ext>
     </p:extLst>
   </p:cSld>
@@ -3215,49 +4366,88 @@
           <a:lstStyle/>
           <a:p>
             <a:r>
-              <a:rPr lang="en-IE" b="1" dirty="0"/>
-              <a:t>Talking Points:</a:t>
-            </a:r>
-          </a:p>
-          <a:p>
-            <a:endParaRPr lang="en-IE" dirty="0"/>
-          </a:p>
-          <a:p>
-            <a:r>
-              <a:rPr lang="en-IE" dirty="0"/>
-              <a:t>There are 3 areas of security to be aware of with Azure Synapse SQL pools</a:t>
-            </a:r>
-          </a:p>
-          <a:p>
-            <a:endParaRPr lang="en-IE" dirty="0"/>
+              <a:rPr lang="en-US" sz="1200" b="1" dirty="0"/>
+              <a:t>TALKING POINTS</a:t>
+            </a:r>
+          </a:p>
+          <a:p>
+            <a:pPr marL="0" marR="0" lvl="0" indent="0" algn="l" defTabSz="228554" eaLnBrk="1" fontAlgn="auto" latinLnBrk="0" hangingPunct="1">
+              <a:lnSpc>
+                <a:spcPct val="117999"/>
+              </a:lnSpc>
+              <a:spcBef>
+                <a:spcPts val="0"/>
+              </a:spcBef>
+              <a:spcAft>
+                <a:spcPts val="0"/>
+              </a:spcAft>
+              <a:buClrTx/>
+              <a:buSzTx/>
+              <a:buFontTx/>
+              <a:buNone/>
+              <a:tabLst/>
+              <a:defRPr/>
+            </a:pPr>
+            <a:endParaRPr lang="en-IE" b="1" i="0" dirty="0">
+              <a:solidFill>
+                <a:srgbClr val="24292E"/>
+              </a:solidFill>
+              <a:effectLst/>
+              <a:latin typeface="-apple-system"/>
+            </a:endParaRPr>
           </a:p>
           <a:p>
             <a:pPr algn="l"/>
             <a:r>
-              <a:rPr lang="en-GB" b="1" i="0" u="none" strike="noStrike" dirty="0">
+              <a:rPr lang="en-GB" b="0" i="0" dirty="0">
                 <a:solidFill>
-                  <a:srgbClr val="171717"/>
+                  <a:srgbClr val="24292E"/>
                 </a:solidFill>
                 <a:effectLst/>
-                <a:latin typeface="Segoe UI" panose="020B0502040204020203" pitchFamily="34" charset="0"/>
-                <a:hlinkClick r:id="rId3"/>
+                <a:latin typeface="-apple-system"/>
               </a:rPr>
-              <a:t>Authentication</a:t>
-            </a:r>
+              <a:t>Understanding data through data exploration is one of the core challenges faced today by data engineers and data scientists as well. Depending on the underlying structure of the data as well as the specific requirements of the exploration process, different data processing engines will offer varying degrees of performance, complexity, and flexibility.</a:t>
+            </a:r>
+          </a:p>
+          <a:p>
+            <a:pPr algn="l"/>
+            <a:endParaRPr lang="en-GB" b="0" i="0" dirty="0">
+              <a:solidFill>
+                <a:srgbClr val="24292E"/>
+              </a:solidFill>
+              <a:effectLst/>
+              <a:latin typeface="-apple-system"/>
+            </a:endParaRPr>
+          </a:p>
+          <a:p>
+            <a:pPr algn="l"/>
             <a:r>
               <a:rPr lang="en-GB" b="0" i="0" dirty="0">
                 <a:solidFill>
-                  <a:srgbClr val="171717"/>
+                  <a:srgbClr val="24292E"/>
                 </a:solidFill>
                 <a:effectLst/>
-                <a:latin typeface="Segoe UI" panose="020B0502040204020203" pitchFamily="34" charset="0"/>
+                <a:latin typeface="-apple-system"/>
               </a:rPr>
-              <a:t> is the process of proving the user is who they claim to be. A user connects to a database using a user account. When a user attempts to connect to a database, they provide a user account and authentication information. The user is authenticated using one of the following two authentication methods:</a:t>
+              <a:t>In Azure Synapse Analytics, you can use either SQL, Apache Spark for Synapse, or both. Which service you use mostly depends on your personal preference and expertise. When conducting data engineering tasks, both options can be equally valid in many cases. However, there are certain situations where harnessing the power of Apache Spark can help you overcome problems with the source data. This is because in a Synapse </a:t>
             </a:r>
           </a:p>
           <a:p>
             <a:pPr algn="l"/>
-            <a:endParaRPr lang="en-GB" b="0" i="0" dirty="0">
+            <a:r>
+              <a:rPr lang="en-GB" b="0" i="0" dirty="0">
+                <a:solidFill>
+                  <a:srgbClr val="24292E"/>
+                </a:solidFill>
+                <a:effectLst/>
+                <a:latin typeface="-apple-system"/>
+              </a:rPr>
+              <a:t>Notebook, you can import from a large number of free libraries that add functionality to your environment when working with data. There are other situations where it is much more convenient and faster using serverless SQL pool to explore the data, or to expose data in the data lake through a SQL view that can be accessed from external tools, like Power BI.</a:t>
+            </a:r>
+          </a:p>
+          <a:p>
+            <a:pPr algn="l"/>
+            <a:endParaRPr lang="en-IE" b="1" i="0" dirty="0">
               <a:solidFill>
                 <a:srgbClr val="171717"/>
               </a:solidFill>
@@ -3266,443 +4456,208 @@
             </a:endParaRPr>
           </a:p>
           <a:p>
-            <a:pPr algn="l">
-              <a:buFont typeface="Arial" panose="020B0604020202020204" pitchFamily="34" charset="0"/>
-              <a:buNone/>
-            </a:pPr>
-            <a:r>
-              <a:rPr lang="en-GB" b="0" i="0" u="none" strike="noStrike" dirty="0">
+            <a:pPr algn="l"/>
+            <a:r>
+              <a:rPr lang="en-GB" b="0" i="0" dirty="0">
                 <a:solidFill>
-                  <a:srgbClr val="171717"/>
+                  <a:srgbClr val="24292E"/>
                 </a:solidFill>
                 <a:effectLst/>
-                <a:latin typeface="Segoe UI" panose="020B0502040204020203" pitchFamily="34" charset="0"/>
-                <a:hlinkClick r:id="rId4"/>
+                <a:latin typeface="-apple-system"/>
               </a:rPr>
-              <a:t>SQL authentication</a:t>
+              <a:t>- In Synapse Studio, navigate to the </a:t>
+            </a:r>
+            <a:r>
+              <a:rPr lang="en-GB" b="1" i="0" dirty="0">
+                <a:solidFill>
+                  <a:srgbClr val="24292E"/>
+                </a:solidFill>
+                <a:effectLst/>
+                <a:latin typeface="-apple-system"/>
+              </a:rPr>
+              <a:t>Data</a:t>
             </a:r>
             <a:r>
               <a:rPr lang="en-GB" b="0" i="0" dirty="0">
                 <a:solidFill>
-                  <a:srgbClr val="171717"/>
+                  <a:srgbClr val="24292E"/>
                 </a:solidFill>
                 <a:effectLst/>
-                <a:latin typeface="Segoe UI" panose="020B0502040204020203" pitchFamily="34" charset="0"/>
+                <a:latin typeface="-apple-system"/>
               </a:rPr>
-              <a:t>.</a:t>
-            </a:r>
-          </a:p>
-          <a:p>
-            <a:pPr algn="l">
-              <a:buFont typeface="Arial" panose="020B0604020202020204" pitchFamily="34" charset="0"/>
-              <a:buNone/>
-            </a:pPr>
-            <a:endParaRPr lang="en-GB" b="0" i="0" dirty="0">
-              <a:solidFill>
-                <a:srgbClr val="171717"/>
-              </a:solidFill>
-              <a:effectLst/>
-              <a:latin typeface="Segoe UI" panose="020B0502040204020203" pitchFamily="34" charset="0"/>
-            </a:endParaRPr>
-          </a:p>
-          <a:p>
-            <a:pPr algn="l">
-              <a:buFont typeface="Arial" panose="020B0604020202020204" pitchFamily="34" charset="0"/>
-              <a:buNone/>
-            </a:pPr>
-            <a:r>
-              <a:rPr lang="en-GB" b="0" i="0" dirty="0">
-                <a:solidFill>
-                  <a:srgbClr val="171717"/>
-                </a:solidFill>
-                <a:effectLst/>
-                <a:latin typeface="Segoe UI" panose="020B0502040204020203" pitchFamily="34" charset="0"/>
-              </a:rPr>
-              <a:t>With this authentication method, the user submits a user account name and associated password to establish a connection. This password is stored in the master database for user accounts linked to a login or stored in the database containing the user accounts </a:t>
-            </a:r>
-            <a:r>
-              <a:rPr lang="en-GB" b="0" i="1" dirty="0">
-                <a:solidFill>
-                  <a:srgbClr val="171717"/>
-                </a:solidFill>
-                <a:effectLst/>
-                <a:latin typeface="Segoe UI" panose="020B0502040204020203" pitchFamily="34" charset="0"/>
-              </a:rPr>
-              <a:t>not</a:t>
-            </a:r>
-            <a:r>
-              <a:rPr lang="en-GB" b="0" i="0" dirty="0">
-                <a:solidFill>
-                  <a:srgbClr val="171717"/>
-                </a:solidFill>
-                <a:effectLst/>
-                <a:latin typeface="Segoe UI" panose="020B0502040204020203" pitchFamily="34" charset="0"/>
-              </a:rPr>
-              <a:t> linked to a login.</a:t>
-            </a:r>
-          </a:p>
-          <a:p>
-            <a:pPr algn="l">
-              <a:buFont typeface="Arial" panose="020B0604020202020204" pitchFamily="34" charset="0"/>
-              <a:buNone/>
-            </a:pPr>
-            <a:endParaRPr lang="en-GB" b="0" i="0" u="none" strike="noStrike" dirty="0">
-              <a:solidFill>
-                <a:srgbClr val="171717"/>
-              </a:solidFill>
-              <a:effectLst/>
-              <a:latin typeface="Segoe UI" panose="020B0502040204020203" pitchFamily="34" charset="0"/>
-              <a:hlinkClick r:id="rId5"/>
-            </a:endParaRPr>
-          </a:p>
-          <a:p>
-            <a:pPr algn="l">
-              <a:buFont typeface="Arial" panose="020B0604020202020204" pitchFamily="34" charset="0"/>
-              <a:buNone/>
-            </a:pPr>
-            <a:r>
-              <a:rPr lang="en-GB" b="0" i="0" u="none" strike="noStrike" dirty="0">
-                <a:solidFill>
-                  <a:srgbClr val="171717"/>
-                </a:solidFill>
-                <a:effectLst/>
-                <a:latin typeface="Segoe UI" panose="020B0502040204020203" pitchFamily="34" charset="0"/>
-                <a:hlinkClick r:id="rId5"/>
-              </a:rPr>
-              <a:t>Azure Active Directory Authentication</a:t>
-            </a:r>
-            <a:endParaRPr lang="en-GB" b="0" i="0" dirty="0">
-              <a:solidFill>
-                <a:srgbClr val="171717"/>
-              </a:solidFill>
-              <a:effectLst/>
-              <a:latin typeface="Segoe UI" panose="020B0502040204020203" pitchFamily="34" charset="0"/>
-            </a:endParaRPr>
-          </a:p>
-          <a:p>
-            <a:pPr algn="l">
-              <a:buFont typeface="Arial" panose="020B0604020202020204" pitchFamily="34" charset="0"/>
-              <a:buNone/>
-            </a:pPr>
-            <a:endParaRPr lang="en-GB" b="0" i="0" dirty="0">
-              <a:solidFill>
-                <a:srgbClr val="171717"/>
-              </a:solidFill>
-              <a:effectLst/>
-              <a:latin typeface="Segoe UI" panose="020B0502040204020203" pitchFamily="34" charset="0"/>
-            </a:endParaRPr>
-          </a:p>
-          <a:p>
-            <a:pPr algn="l">
-              <a:buFont typeface="Arial" panose="020B0604020202020204" pitchFamily="34" charset="0"/>
-              <a:buNone/>
-            </a:pPr>
-            <a:r>
-              <a:rPr lang="en-GB" b="0" i="0" dirty="0">
-                <a:solidFill>
-                  <a:srgbClr val="171717"/>
-                </a:solidFill>
-                <a:effectLst/>
-                <a:latin typeface="Segoe UI" panose="020B0502040204020203" pitchFamily="34" charset="0"/>
-              </a:rPr>
-              <a:t>With this authentication method, the user submits a user account name and requests that the service use the credential information stored in Azure Active Directory (Azure AD).</a:t>
-            </a:r>
-          </a:p>
-          <a:p>
-            <a:pPr algn="l">
-              <a:buFont typeface="Arial" panose="020B0604020202020204" pitchFamily="34" charset="0"/>
-              <a:buNone/>
-            </a:pPr>
-            <a:endParaRPr lang="en-GB" b="0" i="0" dirty="0">
-              <a:solidFill>
-                <a:srgbClr val="171717"/>
-              </a:solidFill>
-              <a:effectLst/>
-              <a:latin typeface="Segoe UI" panose="020B0502040204020203" pitchFamily="34" charset="0"/>
-            </a:endParaRPr>
-          </a:p>
-          <a:p>
-            <a:pPr algn="l"/>
-            <a:r>
-              <a:rPr lang="en-GB" b="1" i="0" dirty="0">
-                <a:solidFill>
-                  <a:srgbClr val="171717"/>
-                </a:solidFill>
-                <a:effectLst/>
-                <a:latin typeface="Segoe UI" panose="020B0502040204020203" pitchFamily="34" charset="0"/>
-              </a:rPr>
-              <a:t>Logins and users</a:t>
-            </a:r>
-            <a:r>
-              <a:rPr lang="en-GB" b="0" i="0" dirty="0">
-                <a:solidFill>
-                  <a:srgbClr val="171717"/>
-                </a:solidFill>
-                <a:effectLst/>
-                <a:latin typeface="Segoe UI" panose="020B0502040204020203" pitchFamily="34" charset="0"/>
-              </a:rPr>
-              <a:t>: A user account in a database can be associated with a login that is stored in the master database or can be a user name that is stored in an individual database.</a:t>
+              <a:t> hub.</a:t>
             </a:r>
           </a:p>
           <a:p>
             <a:pPr algn="l"/>
             <a:endParaRPr lang="en-GB" b="0" i="0" dirty="0">
               <a:solidFill>
-                <a:srgbClr val="171717"/>
+                <a:srgbClr val="24292E"/>
               </a:solidFill>
               <a:effectLst/>
-              <a:latin typeface="Segoe UI" panose="020B0502040204020203" pitchFamily="34" charset="0"/>
+              <a:latin typeface="-apple-system"/>
             </a:endParaRPr>
           </a:p>
           <a:p>
-            <a:pPr algn="l">
-              <a:buFont typeface="Arial" panose="020B0604020202020204" pitchFamily="34" charset="0"/>
-              <a:buChar char="•"/>
-            </a:pPr>
+            <a:pPr algn="l"/>
             <a:r>
               <a:rPr lang="en-GB" b="0" i="0" dirty="0">
                 <a:solidFill>
-                  <a:srgbClr val="171717"/>
+                  <a:srgbClr val="24292E"/>
                 </a:solidFill>
                 <a:effectLst/>
-                <a:latin typeface="Segoe UI" panose="020B0502040204020203" pitchFamily="34" charset="0"/>
+                <a:latin typeface="-apple-system"/>
               </a:rPr>
-              <a:t> A </a:t>
+              <a:t>- Select the Linked tab and expand Azure Data Lake Storage Gen2. Expand the  primary ADLS Gen2 account and select the container. Navigate to the folder, and right-click on the </a:t>
+            </a:r>
+            <a:r>
+              <a:rPr lang="en-GB" dirty="0"/>
+              <a:t>parquet</a:t>
+            </a:r>
+            <a:r>
+              <a:rPr lang="en-GB" b="0" i="0" dirty="0">
+                <a:solidFill>
+                  <a:srgbClr val="24292E"/>
+                </a:solidFill>
+                <a:effectLst/>
+                <a:latin typeface="-apple-system"/>
+              </a:rPr>
+              <a:t> file, select </a:t>
             </a:r>
             <a:r>
               <a:rPr lang="en-GB" b="1" i="0" dirty="0">
                 <a:solidFill>
-                  <a:srgbClr val="171717"/>
+                  <a:srgbClr val="24292E"/>
                 </a:solidFill>
                 <a:effectLst/>
-                <a:latin typeface="Segoe UI" panose="020B0502040204020203" pitchFamily="34" charset="0"/>
+                <a:latin typeface="-apple-system"/>
               </a:rPr>
-              <a:t>login</a:t>
+              <a:t>New SQL script</a:t>
             </a:r>
             <a:r>
               <a:rPr lang="en-GB" b="0" i="0" dirty="0">
                 <a:solidFill>
-                  <a:srgbClr val="171717"/>
+                  <a:srgbClr val="24292E"/>
                 </a:solidFill>
                 <a:effectLst/>
-                <a:latin typeface="Segoe UI" panose="020B0502040204020203" pitchFamily="34" charset="0"/>
+                <a:latin typeface="-apple-system"/>
               </a:rPr>
-              <a:t> is an individual account in the master database, to which a user account in one or more databases can be linked. With a login, the credential information for the user account is stored with the login.</a:t>
-            </a:r>
-          </a:p>
-          <a:p>
-            <a:pPr algn="l">
-              <a:buFont typeface="Arial" panose="020B0604020202020204" pitchFamily="34" charset="0"/>
-              <a:buChar char="•"/>
-            </a:pPr>
+              <a:t>, then </a:t>
+            </a:r>
+            <a:r>
+              <a:rPr lang="en-GB" b="1" i="0" dirty="0">
+                <a:solidFill>
+                  <a:srgbClr val="24292E"/>
+                </a:solidFill>
+                <a:effectLst/>
+                <a:latin typeface="-apple-system"/>
+              </a:rPr>
+              <a:t>Select TOP 100 rows.</a:t>
+            </a:r>
+          </a:p>
+          <a:p>
+            <a:pPr algn="l"/>
+            <a:endParaRPr lang="en-GB" b="1" i="0" dirty="0">
+              <a:solidFill>
+                <a:srgbClr val="24292E"/>
+              </a:solidFill>
+              <a:effectLst/>
+              <a:latin typeface="-apple-system"/>
+            </a:endParaRPr>
+          </a:p>
+          <a:p>
+            <a:pPr algn="l"/>
             <a:r>
               <a:rPr lang="en-GB" b="0" i="0" dirty="0">
                 <a:solidFill>
-                  <a:srgbClr val="171717"/>
+                  <a:srgbClr val="24292E"/>
                 </a:solidFill>
                 <a:effectLst/>
-                <a:latin typeface="Segoe UI" panose="020B0502040204020203" pitchFamily="34" charset="0"/>
+                <a:latin typeface="-apple-system"/>
               </a:rPr>
-              <a:t> A </a:t>
+              <a:t>- As per the screenshot in the slide, Ensure </a:t>
             </a:r>
             <a:r>
               <a:rPr lang="en-GB" b="1" i="0" dirty="0">
                 <a:solidFill>
-                  <a:srgbClr val="171717"/>
+                  <a:srgbClr val="24292E"/>
                 </a:solidFill>
                 <a:effectLst/>
-                <a:latin typeface="Segoe UI" panose="020B0502040204020203" pitchFamily="34" charset="0"/>
+                <a:latin typeface="-apple-system"/>
               </a:rPr>
-              <a:t>user account</a:t>
+              <a:t>Built-in</a:t>
             </a:r>
             <a:r>
               <a:rPr lang="en-GB" b="0" i="0" dirty="0">
                 <a:solidFill>
-                  <a:srgbClr val="171717"/>
+                  <a:srgbClr val="24292E"/>
                 </a:solidFill>
                 <a:effectLst/>
-                <a:latin typeface="Segoe UI" panose="020B0502040204020203" pitchFamily="34" charset="0"/>
+                <a:latin typeface="-apple-system"/>
               </a:rPr>
-              <a:t> is an individual account in any database that may be, but does not have to be, linked to a login. With a user account that is not linked to a login, the credential information is stored with the user account.</a:t>
-            </a:r>
-          </a:p>
-          <a:p>
-            <a:pPr algn="l"/>
-            <a:endParaRPr lang="en-GB" b="1" i="0" u="none" strike="noStrike" dirty="0">
+              <a:t> is selected </a:t>
+            </a:r>
+            <a:r>
+              <a:rPr lang="en-GB" b="1" i="0" dirty="0">
+                <a:solidFill>
+                  <a:srgbClr val="24292E"/>
+                </a:solidFill>
+                <a:effectLst/>
+                <a:latin typeface="-apple-system"/>
+              </a:rPr>
+              <a:t>(1)</a:t>
+            </a:r>
+            <a:r>
+              <a:rPr lang="en-GB" b="0" i="0" dirty="0">
+                <a:solidFill>
+                  <a:srgbClr val="24292E"/>
+                </a:solidFill>
+                <a:effectLst/>
+                <a:latin typeface="-apple-system"/>
+              </a:rPr>
+              <a:t> in the </a:t>
+            </a:r>
+            <a:r>
+              <a:rPr lang="en-GB" dirty="0"/>
+              <a:t>Connect to</a:t>
+            </a:r>
+            <a:r>
+              <a:rPr lang="en-GB" b="0" i="0" dirty="0">
+                <a:solidFill>
+                  <a:srgbClr val="24292E"/>
+                </a:solidFill>
+                <a:effectLst/>
+                <a:latin typeface="-apple-system"/>
+              </a:rPr>
+              <a:t> dropdown list above the query window, then run the query </a:t>
+            </a:r>
+            <a:r>
+              <a:rPr lang="en-GB" b="1" i="0" dirty="0">
+                <a:solidFill>
+                  <a:srgbClr val="24292E"/>
+                </a:solidFill>
+                <a:effectLst/>
+                <a:latin typeface="-apple-system"/>
+              </a:rPr>
+              <a:t>(2)</a:t>
+            </a:r>
+            <a:r>
+              <a:rPr lang="en-GB" b="0" i="0" dirty="0">
+                <a:solidFill>
+                  <a:srgbClr val="24292E"/>
+                </a:solidFill>
+                <a:effectLst/>
+                <a:latin typeface="-apple-system"/>
+              </a:rPr>
+              <a:t>. Data is loaded by the serverless SQL endpoint and processed as if was coming from any regular relational database.</a:t>
+            </a:r>
+            <a:endParaRPr lang="en-GB" b="1" i="0" dirty="0">
               <a:solidFill>
-                <a:srgbClr val="171717"/>
+                <a:srgbClr val="24292E"/>
               </a:solidFill>
               <a:effectLst/>
-              <a:latin typeface="Segoe UI" panose="020B0502040204020203" pitchFamily="34" charset="0"/>
-              <a:hlinkClick r:id="rId6"/>
+              <a:latin typeface="-apple-system"/>
             </a:endParaRPr>
-          </a:p>
-          <a:p>
-            <a:pPr algn="l"/>
-            <a:endParaRPr lang="en-GB" b="1" i="0" u="none" strike="noStrike" dirty="0">
-              <a:solidFill>
-                <a:srgbClr val="171717"/>
-              </a:solidFill>
-              <a:effectLst/>
-              <a:latin typeface="Segoe UI" panose="020B0502040204020203" pitchFamily="34" charset="0"/>
-              <a:hlinkClick r:id="rId6"/>
-            </a:endParaRPr>
-          </a:p>
-          <a:p>
-            <a:pPr algn="l"/>
-            <a:r>
-              <a:rPr lang="en-GB" b="1" i="0" u="none" strike="noStrike" dirty="0">
-                <a:solidFill>
-                  <a:srgbClr val="171717"/>
-                </a:solidFill>
-                <a:effectLst/>
-                <a:latin typeface="Segoe UI" panose="020B0502040204020203" pitchFamily="34" charset="0"/>
-                <a:hlinkClick r:id="rId6"/>
-              </a:rPr>
-              <a:t>Authorization</a:t>
-            </a:r>
-            <a:r>
-              <a:rPr lang="en-GB" b="0" i="0" dirty="0">
-                <a:solidFill>
-                  <a:srgbClr val="171717"/>
-                </a:solidFill>
-                <a:effectLst/>
-                <a:latin typeface="Segoe UI" panose="020B0502040204020203" pitchFamily="34" charset="0"/>
-              </a:rPr>
-              <a:t> to access data and perform various actions are managed using database roles and explicit permissions. Authorization refers to the permissions assigned to a user, and determines what that user is allowed to do. Authorization is controlled by your user account's database </a:t>
-            </a:r>
-            <a:r>
-              <a:rPr lang="en-GB" b="0" i="0" u="none" strike="noStrike" dirty="0">
-                <a:solidFill>
-                  <a:srgbClr val="171717"/>
-                </a:solidFill>
-                <a:effectLst/>
-                <a:latin typeface="Segoe UI" panose="020B0502040204020203" pitchFamily="34" charset="0"/>
-                <a:hlinkClick r:id="rId7"/>
-              </a:rPr>
-              <a:t>role memberships</a:t>
-            </a:r>
-            <a:r>
-              <a:rPr lang="en-GB" b="0" i="0" dirty="0">
-                <a:solidFill>
-                  <a:srgbClr val="171717"/>
-                </a:solidFill>
-                <a:effectLst/>
-                <a:latin typeface="Segoe UI" panose="020B0502040204020203" pitchFamily="34" charset="0"/>
-              </a:rPr>
-              <a:t> and </a:t>
-            </a:r>
-            <a:r>
-              <a:rPr lang="en-GB" b="0" i="0" u="none" strike="noStrike" dirty="0">
-                <a:solidFill>
-                  <a:srgbClr val="171717"/>
-                </a:solidFill>
-                <a:effectLst/>
-                <a:latin typeface="Segoe UI" panose="020B0502040204020203" pitchFamily="34" charset="0"/>
-                <a:hlinkClick r:id="rId8"/>
-              </a:rPr>
-              <a:t>object-level permissions</a:t>
-            </a:r>
-            <a:r>
-              <a:rPr lang="en-GB" b="0" i="0" dirty="0">
-                <a:solidFill>
-                  <a:srgbClr val="171717"/>
-                </a:solidFill>
-                <a:effectLst/>
-                <a:latin typeface="Segoe UI" panose="020B0502040204020203" pitchFamily="34" charset="0"/>
-              </a:rPr>
-              <a:t>. As a best practice, you should grant users the least privileges necessary.</a:t>
-            </a:r>
-          </a:p>
-          <a:p>
-            <a:pPr algn="l">
-              <a:buFont typeface="Arial" panose="020B0604020202020204" pitchFamily="34" charset="0"/>
-              <a:buNone/>
-            </a:pPr>
-            <a:endParaRPr lang="en-GB" b="0" i="0" dirty="0">
-              <a:solidFill>
-                <a:srgbClr val="171717"/>
-              </a:solidFill>
-              <a:effectLst/>
-              <a:latin typeface="Segoe UI" panose="020B0502040204020203" pitchFamily="34" charset="0"/>
-            </a:endParaRPr>
-          </a:p>
-          <a:p>
-            <a:pPr algn="l">
-              <a:buFont typeface="Arial" panose="020B0604020202020204" pitchFamily="34" charset="0"/>
-              <a:buNone/>
-            </a:pPr>
-            <a:endParaRPr lang="en-GB" b="0" i="0" dirty="0">
-              <a:solidFill>
-                <a:srgbClr val="171717"/>
-              </a:solidFill>
-              <a:effectLst/>
-              <a:latin typeface="Segoe UI" panose="020B0502040204020203" pitchFamily="34" charset="0"/>
-            </a:endParaRPr>
-          </a:p>
-          <a:p>
-            <a:pPr algn="l">
-              <a:buFont typeface="Arial" panose="020B0604020202020204" pitchFamily="34" charset="0"/>
-              <a:buNone/>
-            </a:pPr>
-            <a:r>
-              <a:rPr lang="en-GB" b="1" i="0" u="none" strike="noStrike" dirty="0">
-                <a:effectLst/>
-                <a:latin typeface="Segoe UI" panose="020B0502040204020203" pitchFamily="34" charset="0"/>
-                <a:hlinkClick r:id="rId9"/>
-              </a:rPr>
-              <a:t>Transparent data encryption (TDE)</a:t>
-            </a:r>
-            <a:r>
-              <a:rPr lang="en-GB" b="1" i="0" dirty="0">
-                <a:solidFill>
-                  <a:srgbClr val="171717"/>
-                </a:solidFill>
-                <a:effectLst/>
-                <a:latin typeface="Segoe UI" panose="020B0502040204020203" pitchFamily="34" charset="0"/>
-              </a:rPr>
-              <a:t> </a:t>
-            </a:r>
-            <a:r>
-              <a:rPr lang="en-GB" b="0" i="0" dirty="0">
-                <a:solidFill>
-                  <a:srgbClr val="171717"/>
-                </a:solidFill>
-                <a:effectLst/>
-                <a:latin typeface="Segoe UI" panose="020B0502040204020203" pitchFamily="34" charset="0"/>
-              </a:rPr>
-              <a:t>helps protect Azure Synapse Analytics against the threat of malicious offline activity by encrypting data at rest. TDE must be manually enabled for Azure Synapse Analytics. TDE performs real-time I/O encryption and decryption of the data at the page level. Each page is decrypted when it's read into memory and then encrypted before being written to disk. TDE encrypts the storage of an entire database by using a symmetric key called the Database Encryption Key (DEK). On database startup, the encrypted DEK is decrypted and then used for decryption and re-encryption of the database files in the SQL Server database engine process. DEK is protected by the TDE protector. TDE protector is either a service-managed certificate (service-managed transparent data encryption) or an asymmetric key stored in </a:t>
-            </a:r>
-            <a:r>
-              <a:rPr lang="en-GB" b="0" i="0" u="none" strike="noStrike" dirty="0">
-                <a:effectLst/>
-                <a:latin typeface="Segoe UI" panose="020B0502040204020203" pitchFamily="34" charset="0"/>
-                <a:hlinkClick r:id="rId10"/>
-              </a:rPr>
-              <a:t>Azure Key Vault</a:t>
-            </a:r>
-            <a:r>
-              <a:rPr lang="en-GB" b="0" i="0" dirty="0">
-                <a:solidFill>
-                  <a:srgbClr val="171717"/>
-                </a:solidFill>
-                <a:effectLst/>
-                <a:latin typeface="Segoe UI" panose="020B0502040204020203" pitchFamily="34" charset="0"/>
-              </a:rPr>
-              <a:t> (customer-managed transparent data encryption).</a:t>
-            </a:r>
-          </a:p>
-          <a:p>
-            <a:endParaRPr lang="en-IE" dirty="0"/>
-          </a:p>
-          <a:p>
-            <a:endParaRPr lang="en-IE" dirty="0"/>
-          </a:p>
-          <a:p>
-            <a:endParaRPr lang="en-IE" dirty="0"/>
-          </a:p>
-          <a:p>
-            <a:endParaRPr lang="en-GB" dirty="0"/>
           </a:p>
         </p:txBody>
       </p:sp>
@@ -3732,7 +4687,7 @@
     </p:spTree>
     <p:extLst>
       <p:ext uri="{BB962C8B-B14F-4D97-AF65-F5344CB8AC3E}">
-        <p14:creationId xmlns:p14="http://schemas.microsoft.com/office/powerpoint/2010/main" val="1281536820"/>
+        <p14:creationId xmlns:p14="http://schemas.microsoft.com/office/powerpoint/2010/main" val="1171754709"/>
       </p:ext>
     </p:extLst>
   </p:cSld>
@@ -20628,6 +21583,2853 @@
 </file>
 
 <file path=ppt/slides/slide10.xml><?xml version="1.0" encoding="utf-8"?>
+<p:sld xmlns:a="http://schemas.openxmlformats.org/drawingml/2006/main" xmlns:r="http://schemas.openxmlformats.org/officeDocument/2006/relationships" xmlns:p="http://schemas.openxmlformats.org/presentationml/2006/main" show="0">
+  <p:cSld>
+    <p:spTree>
+      <p:nvGrpSpPr>
+        <p:cNvPr id="1" name=""/>
+        <p:cNvGrpSpPr/>
+        <p:nvPr/>
+      </p:nvGrpSpPr>
+      <p:grpSpPr>
+        <a:xfrm>
+          <a:off x="0" y="0"/>
+          <a:ext cx="0" cy="0"/>
+          <a:chOff x="0" y="0"/>
+          <a:chExt cx="0" cy="0"/>
+        </a:xfrm>
+      </p:grpSpPr>
+      <p:sp>
+        <p:nvSpPr>
+          <p:cNvPr id="6" name="Title 5">
+            <a:extLst>
+              <a:ext uri="{FF2B5EF4-FFF2-40B4-BE49-F238E27FC236}">
+                <a16:creationId xmlns:a16="http://schemas.microsoft.com/office/drawing/2014/main" id="{ACCF479E-2F10-4984-9BCE-6DB6823845AD}"/>
+              </a:ext>
+            </a:extLst>
+          </p:cNvPr>
+          <p:cNvSpPr>
+            <a:spLocks noGrp="1"/>
+          </p:cNvSpPr>
+          <p:nvPr>
+            <p:ph type="title"/>
+          </p:nvPr>
+        </p:nvSpPr>
+        <p:spPr>
+          <a:xfrm>
+            <a:off x="652462" y="346076"/>
+            <a:ext cx="10887076" cy="568324"/>
+          </a:xfrm>
+        </p:spPr>
+        <p:txBody>
+          <a:bodyPr/>
+          <a:lstStyle/>
+          <a:p>
+            <a:r>
+              <a:rPr lang="en-GB" dirty="0"/>
+              <a:t>Querying parquet files in a data lake</a:t>
+            </a:r>
+          </a:p>
+        </p:txBody>
+      </p:sp>
+      <p:sp>
+        <p:nvSpPr>
+          <p:cNvPr id="11" name="Content Placeholder 10">
+            <a:extLst>
+              <a:ext uri="{FF2B5EF4-FFF2-40B4-BE49-F238E27FC236}">
+                <a16:creationId xmlns:a16="http://schemas.microsoft.com/office/drawing/2014/main" id="{AA940299-0498-4056-9670-06B0847FFEE6}"/>
+              </a:ext>
+            </a:extLst>
+          </p:cNvPr>
+          <p:cNvSpPr>
+            <a:spLocks noGrp="1"/>
+          </p:cNvSpPr>
+          <p:nvPr>
+            <p:ph sz="quarter" idx="11"/>
+          </p:nvPr>
+        </p:nvSpPr>
+        <p:spPr/>
+        <p:txBody>
+          <a:bodyPr/>
+          <a:lstStyle/>
+          <a:p>
+            <a:endParaRPr lang="en-US" dirty="0"/>
+          </a:p>
+        </p:txBody>
+      </p:sp>
+      <p:pic>
+        <p:nvPicPr>
+          <p:cNvPr id="10" name="Picture 9" descr="The Built-in connection is highlighted.">
+            <a:extLst>
+              <a:ext uri="{FF2B5EF4-FFF2-40B4-BE49-F238E27FC236}">
+                <a16:creationId xmlns:a16="http://schemas.microsoft.com/office/drawing/2014/main" id="{18AA0B6C-A7C1-4B50-810A-ADBD5D5CB27F}"/>
+              </a:ext>
+            </a:extLst>
+          </p:cNvPr>
+          <p:cNvPicPr>
+            <a:picLocks noChangeAspect="1" noChangeArrowheads="1"/>
+          </p:cNvPicPr>
+          <p:nvPr/>
+        </p:nvPicPr>
+        <p:blipFill>
+          <a:blip r:embed="rId3">
+            <a:extLst>
+              <a:ext uri="{28A0092B-C50C-407E-A947-70E740481C1C}">
+                <a14:useLocalDpi xmlns:a14="http://schemas.microsoft.com/office/drawing/2010/main" val="0"/>
+              </a:ext>
+            </a:extLst>
+          </a:blip>
+          <a:srcRect/>
+          <a:stretch>
+            <a:fillRect/>
+          </a:stretch>
+        </p:blipFill>
+        <p:spPr bwMode="auto">
+          <a:xfrm>
+            <a:off x="647699" y="1828800"/>
+            <a:ext cx="10935900" cy="3441700"/>
+          </a:xfrm>
+          <a:prstGeom prst="rect">
+            <a:avLst/>
+          </a:prstGeom>
+          <a:noFill/>
+          <a:extLst>
+            <a:ext uri="{909E8E84-426E-40DD-AFC4-6F175D3DCCD1}">
+              <a14:hiddenFill xmlns:a14="http://schemas.microsoft.com/office/drawing/2010/main">
+                <a:solidFill>
+                  <a:srgbClr val="FFFFFF"/>
+                </a:solidFill>
+              </a14:hiddenFill>
+            </a:ext>
+          </a:extLst>
+        </p:spPr>
+      </p:pic>
+      <p:sp>
+        <p:nvSpPr>
+          <p:cNvPr id="4" name="Footer Placeholder 3">
+            <a:extLst>
+              <a:ext uri="{FF2B5EF4-FFF2-40B4-BE49-F238E27FC236}">
+                <a16:creationId xmlns:a16="http://schemas.microsoft.com/office/drawing/2014/main" id="{9F5809F2-B093-4B3C-92A9-60BD5C35E0A5}"/>
+              </a:ext>
+            </a:extLst>
+          </p:cNvPr>
+          <p:cNvSpPr>
+            <a:spLocks noGrp="1"/>
+          </p:cNvSpPr>
+          <p:nvPr>
+            <p:ph type="ftr" sz="quarter" idx="3"/>
+          </p:nvPr>
+        </p:nvSpPr>
+        <p:spPr>
+          <a:xfrm>
+            <a:off x="7234764" y="6466371"/>
+            <a:ext cx="4114800" cy="331932"/>
+          </a:xfrm>
+        </p:spPr>
+        <p:txBody>
+          <a:bodyPr/>
+          <a:lstStyle/>
+          <a:p>
+            <a:pPr marL="0" marR="0" lvl="0" indent="0" algn="r" defTabSz="914400" rtl="0" eaLnBrk="1" fontAlgn="auto" latinLnBrk="0" hangingPunct="1">
+              <a:lnSpc>
+                <a:spcPct val="100000"/>
+              </a:lnSpc>
+              <a:spcBef>
+                <a:spcPts val="0"/>
+              </a:spcBef>
+              <a:spcAft>
+                <a:spcPts val="0"/>
+              </a:spcAft>
+              <a:buClrTx/>
+              <a:buSzTx/>
+              <a:buFontTx/>
+              <a:buNone/>
+              <a:tabLst/>
+              <a:defRPr/>
+            </a:pPr>
+            <a:r>
+              <a:rPr kumimoji="0" lang="en-US" sz="800" b="1" i="0" u="none" strike="noStrike" kern="1200" cap="none" spc="300" normalizeH="0" baseline="0" noProof="0" dirty="0">
+                <a:ln>
+                  <a:noFill/>
+                </a:ln>
+                <a:solidFill>
+                  <a:srgbClr val="E7E6E6">
+                    <a:lumMod val="90000"/>
+                    <a:alpha val="70000"/>
+                  </a:srgbClr>
+                </a:solidFill>
+                <a:effectLst/>
+                <a:uLnTx/>
+                <a:uFillTx/>
+                <a:latin typeface="Montserrat"/>
+                <a:ea typeface="+mn-ea"/>
+                <a:cs typeface="+mn-cs"/>
+              </a:rPr>
+              <a:t>WWW.SOLLIANCE.NET</a:t>
+            </a:r>
+          </a:p>
+        </p:txBody>
+      </p:sp>
+      <p:sp>
+        <p:nvSpPr>
+          <p:cNvPr id="5" name="Slide Number Placeholder 4">
+            <a:extLst>
+              <a:ext uri="{FF2B5EF4-FFF2-40B4-BE49-F238E27FC236}">
+                <a16:creationId xmlns:a16="http://schemas.microsoft.com/office/drawing/2014/main" id="{B600F73F-72F9-4EBA-98B0-E42DB6104766}"/>
+              </a:ext>
+            </a:extLst>
+          </p:cNvPr>
+          <p:cNvSpPr>
+            <a:spLocks noGrp="1"/>
+          </p:cNvSpPr>
+          <p:nvPr>
+            <p:ph type="sldNum" sz="quarter" idx="4"/>
+          </p:nvPr>
+        </p:nvSpPr>
+        <p:spPr>
+          <a:xfrm>
+            <a:off x="11636830" y="6466371"/>
+            <a:ext cx="436355" cy="331932"/>
+          </a:xfrm>
+        </p:spPr>
+        <p:txBody>
+          <a:bodyPr/>
+          <a:lstStyle/>
+          <a:p>
+            <a:pPr marL="0" marR="0" lvl="0" indent="0" algn="ctr" defTabSz="914400" rtl="0" eaLnBrk="1" fontAlgn="auto" latinLnBrk="0" hangingPunct="1">
+              <a:lnSpc>
+                <a:spcPct val="100000"/>
+              </a:lnSpc>
+              <a:spcBef>
+                <a:spcPts val="0"/>
+              </a:spcBef>
+              <a:spcAft>
+                <a:spcPts val="0"/>
+              </a:spcAft>
+              <a:buClrTx/>
+              <a:buSzTx/>
+              <a:buFontTx/>
+              <a:buNone/>
+              <a:tabLst/>
+              <a:defRPr/>
+            </a:pPr>
+            <a:fld id="{00F9DAA1-1DF7-43E0-8E29-0CE1148553C7}" type="slidenum">
+              <a:rPr kumimoji="0" lang="en-US" sz="900" b="1" i="0" u="none" strike="noStrike" kern="1200" cap="none" spc="0" normalizeH="0" baseline="0" noProof="0" smtClean="0">
+                <a:ln>
+                  <a:noFill/>
+                </a:ln>
+                <a:solidFill>
+                  <a:srgbClr val="E7E6E6">
+                    <a:lumMod val="90000"/>
+                    <a:alpha val="60000"/>
+                  </a:srgbClr>
+                </a:solidFill>
+                <a:effectLst/>
+                <a:uLnTx/>
+                <a:uFillTx/>
+                <a:latin typeface="Montserrat"/>
+                <a:ea typeface="+mn-ea"/>
+                <a:cs typeface="+mn-cs"/>
+              </a:rPr>
+              <a:pPr marL="0" marR="0" lvl="0" indent="0" algn="ctr" defTabSz="914400" rtl="0" eaLnBrk="1" fontAlgn="auto" latinLnBrk="0" hangingPunct="1">
+                <a:lnSpc>
+                  <a:spcPct val="100000"/>
+                </a:lnSpc>
+                <a:spcBef>
+                  <a:spcPts val="0"/>
+                </a:spcBef>
+                <a:spcAft>
+                  <a:spcPts val="0"/>
+                </a:spcAft>
+                <a:buClrTx/>
+                <a:buSzTx/>
+                <a:buFontTx/>
+                <a:buNone/>
+                <a:tabLst/>
+                <a:defRPr/>
+              </a:pPr>
+              <a:t>10</a:t>
+            </a:fld>
+            <a:endParaRPr kumimoji="0" lang="en-US" sz="900" b="1" i="0" u="none" strike="noStrike" kern="1200" cap="none" spc="0" normalizeH="0" baseline="0" noProof="0" dirty="0">
+              <a:ln>
+                <a:noFill/>
+              </a:ln>
+              <a:solidFill>
+                <a:srgbClr val="E7E6E6">
+                  <a:lumMod val="90000"/>
+                  <a:alpha val="60000"/>
+                </a:srgbClr>
+              </a:solidFill>
+              <a:effectLst/>
+              <a:uLnTx/>
+              <a:uFillTx/>
+              <a:latin typeface="Montserrat"/>
+              <a:ea typeface="+mn-ea"/>
+              <a:cs typeface="+mn-cs"/>
+            </a:endParaRPr>
+          </a:p>
+        </p:txBody>
+      </p:sp>
+    </p:spTree>
+    <p:extLst>
+      <p:ext uri="{BB962C8B-B14F-4D97-AF65-F5344CB8AC3E}">
+        <p14:creationId xmlns:p14="http://schemas.microsoft.com/office/powerpoint/2010/main" val="436125371"/>
+      </p:ext>
+    </p:extLst>
+  </p:cSld>
+  <p:clrMapOvr>
+    <a:masterClrMapping/>
+  </p:clrMapOvr>
+</p:sld>
+</file>
+
+<file path=ppt/slides/slide11.xml><?xml version="1.0" encoding="utf-8"?>
+<p:sld xmlns:a="http://schemas.openxmlformats.org/drawingml/2006/main" xmlns:r="http://schemas.openxmlformats.org/officeDocument/2006/relationships" xmlns:p="http://schemas.openxmlformats.org/presentationml/2006/main">
+  <p:cSld>
+    <p:spTree>
+      <p:nvGrpSpPr>
+        <p:cNvPr id="1" name=""/>
+        <p:cNvGrpSpPr/>
+        <p:nvPr/>
+      </p:nvGrpSpPr>
+      <p:grpSpPr>
+        <a:xfrm>
+          <a:off x="0" y="0"/>
+          <a:ext cx="0" cy="0"/>
+          <a:chOff x="0" y="0"/>
+          <a:chExt cx="0" cy="0"/>
+        </a:xfrm>
+      </p:grpSpPr>
+      <p:grpSp>
+        <p:nvGrpSpPr>
+          <p:cNvPr id="4" name="Group 3">
+            <a:extLst>
+              <a:ext uri="{FF2B5EF4-FFF2-40B4-BE49-F238E27FC236}">
+                <a16:creationId xmlns:a16="http://schemas.microsoft.com/office/drawing/2014/main" id="{B588B705-8F67-4D0D-B8CD-64DFA1D14CC9}"/>
+              </a:ext>
+            </a:extLst>
+          </p:cNvPr>
+          <p:cNvGrpSpPr/>
+          <p:nvPr/>
+        </p:nvGrpSpPr>
+        <p:grpSpPr>
+          <a:xfrm>
+            <a:off x="583186" y="234327"/>
+            <a:ext cx="8306296" cy="730874"/>
+            <a:chOff x="3467063" y="331043"/>
+            <a:chExt cx="8306296" cy="730874"/>
+          </a:xfrm>
+        </p:grpSpPr>
+        <p:pic>
+          <p:nvPicPr>
+            <p:cNvPr id="7" name="Picture 6" descr="This image shows the icon for a database">
+              <a:extLst>
+                <a:ext uri="{FF2B5EF4-FFF2-40B4-BE49-F238E27FC236}">
+                  <a16:creationId xmlns:a16="http://schemas.microsoft.com/office/drawing/2014/main" id="{78AEFE0D-61AD-46E8-912F-4FB000F2568C}"/>
+                </a:ext>
+              </a:extLst>
+            </p:cNvPr>
+            <p:cNvPicPr>
+              <a:picLocks noChangeAspect="1"/>
+            </p:cNvPicPr>
+            <p:nvPr/>
+          </p:nvPicPr>
+          <p:blipFill>
+            <a:blip r:embed="rId4"/>
+            <a:stretch>
+              <a:fillRect/>
+            </a:stretch>
+          </p:blipFill>
+          <p:spPr>
+            <a:xfrm>
+              <a:off x="3659914" y="333215"/>
+              <a:ext cx="495358" cy="469009"/>
+            </a:xfrm>
+            <a:prstGeom prst="rect">
+              <a:avLst/>
+            </a:prstGeom>
+          </p:spPr>
+        </p:pic>
+        <p:sp>
+          <p:nvSpPr>
+            <p:cNvPr id="2" name="TextBox 1">
+              <a:extLst>
+                <a:ext uri="{FF2B5EF4-FFF2-40B4-BE49-F238E27FC236}">
+                  <a16:creationId xmlns:a16="http://schemas.microsoft.com/office/drawing/2014/main" id="{4AE9E61B-1A8E-417D-ABDF-37C1B0BD4A8B}"/>
+                </a:ext>
+              </a:extLst>
+            </p:cNvPr>
+            <p:cNvSpPr txBox="1"/>
+            <p:nvPr/>
+          </p:nvSpPr>
+          <p:spPr>
+            <a:xfrm>
+              <a:off x="3467063" y="880881"/>
+              <a:ext cx="889423" cy="181036"/>
+            </a:xfrm>
+            <a:prstGeom prst="rect">
+              <a:avLst/>
+            </a:prstGeom>
+          </p:spPr>
+          <p:txBody>
+            <a:bodyPr vert="horz" wrap="square" lIns="0" tIns="0" rIns="0" bIns="0" rtlCol="0" anchor="t">
+              <a:spAutoFit/>
+            </a:bodyPr>
+            <a:lstStyle/>
+            <a:p>
+              <a:pPr algn="ctr" defTabSz="914367" fontAlgn="auto">
+                <a:spcBef>
+                  <a:spcPts val="0"/>
+                </a:spcBef>
+                <a:spcAft>
+                  <a:spcPts val="0"/>
+                </a:spcAft>
+                <a:defRPr/>
+              </a:pPr>
+              <a:r>
+                <a:rPr lang="en-GB" sz="1176" b="0" dirty="0">
+                  <a:solidFill>
+                    <a:srgbClr val="000000"/>
+                  </a:solidFill>
+                  <a:latin typeface="Segoe UI"/>
+                  <a:ea typeface="Segoe UI" pitchFamily="34" charset="0"/>
+                  <a:cs typeface="Segoe UI" pitchFamily="34" charset="0"/>
+                </a:rPr>
+                <a:t>Database</a:t>
+              </a:r>
+              <a:endParaRPr lang="en-GB" sz="2353" b="0" dirty="0">
+                <a:solidFill>
+                  <a:srgbClr val="000000"/>
+                </a:solidFill>
+                <a:latin typeface="Segoe UI"/>
+                <a:ea typeface="Segoe UI" pitchFamily="34" charset="0"/>
+                <a:cs typeface="Segoe UI" pitchFamily="34" charset="0"/>
+              </a:endParaRPr>
+            </a:p>
+          </p:txBody>
+        </p:sp>
+        <p:sp>
+          <p:nvSpPr>
+            <p:cNvPr id="14" name="Arrow: Right 13">
+              <a:extLst>
+                <a:ext uri="{FF2B5EF4-FFF2-40B4-BE49-F238E27FC236}">
+                  <a16:creationId xmlns:a16="http://schemas.microsoft.com/office/drawing/2014/main" id="{6E49C6F9-6A21-4783-B7EC-14C5A164AB2A}"/>
+                </a:ext>
+                <a:ext uri="{C183D7F6-B498-43B3-948B-1728B52AA6E4}">
+                  <adec:decorative xmlns:adec="http://schemas.microsoft.com/office/drawing/2017/decorative" val="1"/>
+                </a:ext>
+              </a:extLst>
+            </p:cNvPr>
+            <p:cNvSpPr/>
+            <p:nvPr/>
+          </p:nvSpPr>
+          <p:spPr>
+            <a:xfrm>
+              <a:off x="4567571" y="395030"/>
+              <a:ext cx="1219297" cy="588554"/>
+            </a:xfrm>
+            <a:prstGeom prst="rightArrow">
+              <a:avLst/>
+            </a:prstGeom>
+            <a:solidFill>
+              <a:schemeClr val="accent2">
+                <a:lumMod val="75000"/>
+              </a:schemeClr>
+            </a:solidFill>
+            <a:ln>
+              <a:noFill/>
+            </a:ln>
+          </p:spPr>
+          <p:style>
+            <a:lnRef idx="2">
+              <a:schemeClr val="accent1">
+                <a:shade val="50000"/>
+              </a:schemeClr>
+            </a:lnRef>
+            <a:fillRef idx="1">
+              <a:schemeClr val="accent1"/>
+            </a:fillRef>
+            <a:effectRef idx="0">
+              <a:schemeClr val="accent1"/>
+            </a:effectRef>
+            <a:fontRef idx="minor">
+              <a:schemeClr val="lt1"/>
+            </a:fontRef>
+          </p:style>
+          <p:txBody>
+            <a:bodyPr rot="0" spcFirstLastPara="0" vertOverflow="overflow" horzOverflow="overflow" vert="horz" wrap="square" lIns="0" tIns="0" rIns="0" bIns="0" numCol="1" spcCol="0" rtlCol="0" fromWordArt="0" anchor="ctr" anchorCtr="0" forceAA="0" compatLnSpc="1">
+              <a:prstTxWarp prst="textNoShape">
+                <a:avLst/>
+              </a:prstTxWarp>
+              <a:noAutofit/>
+            </a:bodyPr>
+            <a:lstStyle/>
+            <a:p>
+              <a:pPr algn="ctr" defTabSz="914367" fontAlgn="auto">
+                <a:spcBef>
+                  <a:spcPts val="0"/>
+                </a:spcBef>
+                <a:spcAft>
+                  <a:spcPts val="0"/>
+                </a:spcAft>
+                <a:defRPr/>
+              </a:pPr>
+              <a:endParaRPr lang="en-GB" sz="1176" b="0" dirty="0">
+                <a:solidFill>
+                  <a:srgbClr val="FFFFFF"/>
+                </a:solidFill>
+                <a:latin typeface="Segoe UI Semibold"/>
+              </a:endParaRPr>
+            </a:p>
+          </p:txBody>
+        </p:sp>
+        <p:sp>
+          <p:nvSpPr>
+            <p:cNvPr id="19" name="TextBox 18">
+              <a:extLst>
+                <a:ext uri="{FF2B5EF4-FFF2-40B4-BE49-F238E27FC236}">
+                  <a16:creationId xmlns:a16="http://schemas.microsoft.com/office/drawing/2014/main" id="{895DB37B-58DD-442C-9D63-F1A748AB1CBF}"/>
+                </a:ext>
+              </a:extLst>
+            </p:cNvPr>
+            <p:cNvSpPr txBox="1"/>
+            <p:nvPr/>
+          </p:nvSpPr>
+          <p:spPr>
+            <a:xfrm>
+              <a:off x="5997955" y="331043"/>
+              <a:ext cx="5775404" cy="716529"/>
+            </a:xfrm>
+            <a:prstGeom prst="rect">
+              <a:avLst/>
+            </a:prstGeom>
+            <a:solidFill>
+              <a:schemeClr val="bg1">
+                <a:lumMod val="95000"/>
+              </a:schemeClr>
+            </a:solidFill>
+          </p:spPr>
+          <p:txBody>
+            <a:bodyPr vert="horz" wrap="square" lIns="89642" tIns="44821" rIns="89642" bIns="44821" rtlCol="0" anchor="ctr">
+              <a:noAutofit/>
+            </a:bodyPr>
+            <a:lstStyle/>
+            <a:p>
+              <a:pPr lvl="1">
+                <a:spcAft>
+                  <a:spcPts val="196"/>
+                </a:spcAft>
+              </a:pPr>
+              <a:r>
+                <a:rPr lang="en-GB" sz="1176" b="0" dirty="0">
+                  <a:solidFill>
+                    <a:srgbClr val="0101FD"/>
+                  </a:solidFill>
+                  <a:latin typeface="Segoe UI" panose="020B0502040204020203" pitchFamily="34" charset="0"/>
+                  <a:cs typeface="Segoe UI" panose="020B0502040204020203" pitchFamily="34" charset="0"/>
+                </a:rPr>
+                <a:t>CREATE DATABASE </a:t>
+              </a:r>
+              <a:r>
+                <a:rPr lang="en-GB" sz="1176" b="0" dirty="0">
+                  <a:solidFill>
+                    <a:srgbClr val="000000"/>
+                  </a:solidFill>
+                  <a:latin typeface="Segoe UI"/>
+                  <a:ea typeface="Segoe UI" pitchFamily="34" charset="0"/>
+                  <a:cs typeface="Segoe UI" pitchFamily="34" charset="0"/>
+                </a:rPr>
+                <a:t>[YourDatabaseName]</a:t>
+              </a:r>
+            </a:p>
+          </p:txBody>
+        </p:sp>
+      </p:grpSp>
+      <p:grpSp>
+        <p:nvGrpSpPr>
+          <p:cNvPr id="5" name="Group 4">
+            <a:extLst>
+              <a:ext uri="{FF2B5EF4-FFF2-40B4-BE49-F238E27FC236}">
+                <a16:creationId xmlns:a16="http://schemas.microsoft.com/office/drawing/2014/main" id="{2093CCFC-C9B0-429F-8A3C-D7B133C8D7DE}"/>
+              </a:ext>
+            </a:extLst>
+          </p:cNvPr>
+          <p:cNvGrpSpPr/>
+          <p:nvPr/>
+        </p:nvGrpSpPr>
+        <p:grpSpPr>
+          <a:xfrm>
+            <a:off x="414067" y="1048324"/>
+            <a:ext cx="8475415" cy="1159139"/>
+            <a:chOff x="3297944" y="1145040"/>
+            <a:chExt cx="8475415" cy="1159139"/>
+          </a:xfrm>
+        </p:grpSpPr>
+        <p:pic>
+          <p:nvPicPr>
+            <p:cNvPr id="8" name="Picture 7" descr="Icon of a lock pad with a cloud at the centre">
+              <a:extLst>
+                <a:ext uri="{FF2B5EF4-FFF2-40B4-BE49-F238E27FC236}">
+                  <a16:creationId xmlns:a16="http://schemas.microsoft.com/office/drawing/2014/main" id="{CEDFDB85-56BA-403A-A21D-110A351D5BCF}"/>
+                </a:ext>
+              </a:extLst>
+            </p:cNvPr>
+            <p:cNvPicPr>
+              <a:picLocks noChangeAspect="1"/>
+            </p:cNvPicPr>
+            <p:nvPr/>
+          </p:nvPicPr>
+          <p:blipFill>
+            <a:blip r:embed="rId5" cstate="print">
+              <a:clrChange>
+                <a:clrFrom>
+                  <a:srgbClr val="FFFFFF"/>
+                </a:clrFrom>
+                <a:clrTo>
+                  <a:srgbClr val="FFFFFF">
+                    <a:alpha val="0"/>
+                  </a:srgbClr>
+                </a:clrTo>
+              </a:clrChange>
+              <a:extLst>
+                <a:ext uri="{28A0092B-C50C-407E-A947-70E740481C1C}">
+                  <a14:useLocalDpi xmlns:a14="http://schemas.microsoft.com/office/drawing/2010/main" val="0"/>
+                </a:ext>
+              </a:extLst>
+            </a:blip>
+            <a:stretch>
+              <a:fillRect/>
+            </a:stretch>
+          </p:blipFill>
+          <p:spPr>
+            <a:xfrm>
+              <a:off x="3638216" y="1318758"/>
+              <a:ext cx="524589" cy="432428"/>
+            </a:xfrm>
+            <a:prstGeom prst="rect">
+              <a:avLst/>
+            </a:prstGeom>
+          </p:spPr>
+        </p:pic>
+        <p:sp>
+          <p:nvSpPr>
+            <p:cNvPr id="28" name="TextBox 27">
+              <a:extLst>
+                <a:ext uri="{FF2B5EF4-FFF2-40B4-BE49-F238E27FC236}">
+                  <a16:creationId xmlns:a16="http://schemas.microsoft.com/office/drawing/2014/main" id="{41566B28-BCCC-42E8-8618-38FD3FCF60A2}"/>
+                </a:ext>
+              </a:extLst>
+            </p:cNvPr>
+            <p:cNvSpPr txBox="1"/>
+            <p:nvPr/>
+          </p:nvSpPr>
+          <p:spPr>
+            <a:xfrm>
+              <a:off x="3297944" y="1797979"/>
+              <a:ext cx="1219297" cy="362072"/>
+            </a:xfrm>
+            <a:prstGeom prst="rect">
+              <a:avLst/>
+            </a:prstGeom>
+          </p:spPr>
+          <p:txBody>
+            <a:bodyPr vert="horz" wrap="square" lIns="0" tIns="0" rIns="0" bIns="0" rtlCol="0" anchor="t">
+              <a:spAutoFit/>
+            </a:bodyPr>
+            <a:lstStyle/>
+            <a:p>
+              <a:pPr algn="ctr" defTabSz="914367" fontAlgn="auto">
+                <a:spcBef>
+                  <a:spcPts val="0"/>
+                </a:spcBef>
+                <a:spcAft>
+                  <a:spcPts val="0"/>
+                </a:spcAft>
+                <a:defRPr/>
+              </a:pPr>
+              <a:r>
+                <a:rPr lang="en-GB" sz="1176" b="0" dirty="0">
+                  <a:solidFill>
+                    <a:srgbClr val="000000"/>
+                  </a:solidFill>
+                  <a:latin typeface="Segoe UI"/>
+                  <a:ea typeface="Segoe UI" pitchFamily="34" charset="0"/>
+                  <a:cs typeface="Segoe UI" pitchFamily="34" charset="0"/>
+                </a:rPr>
+                <a:t>Database </a:t>
+              </a:r>
+            </a:p>
+            <a:p>
+              <a:pPr algn="ctr" defTabSz="914367" fontAlgn="auto">
+                <a:spcBef>
+                  <a:spcPts val="0"/>
+                </a:spcBef>
+                <a:spcAft>
+                  <a:spcPts val="0"/>
+                </a:spcAft>
+                <a:defRPr/>
+              </a:pPr>
+              <a:r>
+                <a:rPr lang="en-GB" sz="1176" b="0" dirty="0">
+                  <a:solidFill>
+                    <a:srgbClr val="000000"/>
+                  </a:solidFill>
+                  <a:latin typeface="Segoe UI"/>
+                  <a:ea typeface="Segoe UI" pitchFamily="34" charset="0"/>
+                  <a:cs typeface="Segoe UI" pitchFamily="34" charset="0"/>
+                </a:rPr>
+                <a:t>scoped credential</a:t>
+              </a:r>
+              <a:endParaRPr lang="en-GB" sz="2353" b="0" dirty="0">
+                <a:solidFill>
+                  <a:srgbClr val="000000"/>
+                </a:solidFill>
+                <a:latin typeface="Segoe UI"/>
+                <a:ea typeface="Segoe UI" pitchFamily="34" charset="0"/>
+                <a:cs typeface="Segoe UI" pitchFamily="34" charset="0"/>
+              </a:endParaRPr>
+            </a:p>
+          </p:txBody>
+        </p:sp>
+        <p:sp>
+          <p:nvSpPr>
+            <p:cNvPr id="34" name="Arrow: Right 33">
+              <a:extLst>
+                <a:ext uri="{FF2B5EF4-FFF2-40B4-BE49-F238E27FC236}">
+                  <a16:creationId xmlns:a16="http://schemas.microsoft.com/office/drawing/2014/main" id="{00D7783D-20FF-486F-A56F-C93871C6AAB8}"/>
+                </a:ext>
+                <a:ext uri="{C183D7F6-B498-43B3-948B-1728B52AA6E4}">
+                  <adec:decorative xmlns:adec="http://schemas.microsoft.com/office/drawing/2017/decorative" val="1"/>
+                </a:ext>
+              </a:extLst>
+            </p:cNvPr>
+            <p:cNvSpPr/>
+            <p:nvPr/>
+          </p:nvSpPr>
+          <p:spPr>
+            <a:xfrm>
+              <a:off x="4584139" y="1430333"/>
+              <a:ext cx="1219297" cy="588554"/>
+            </a:xfrm>
+            <a:prstGeom prst="rightArrow">
+              <a:avLst/>
+            </a:prstGeom>
+            <a:solidFill>
+              <a:schemeClr val="accent2">
+                <a:lumMod val="75000"/>
+              </a:schemeClr>
+            </a:solidFill>
+            <a:ln>
+              <a:noFill/>
+            </a:ln>
+          </p:spPr>
+          <p:style>
+            <a:lnRef idx="2">
+              <a:schemeClr val="accent1">
+                <a:shade val="50000"/>
+              </a:schemeClr>
+            </a:lnRef>
+            <a:fillRef idx="1">
+              <a:schemeClr val="accent1"/>
+            </a:fillRef>
+            <a:effectRef idx="0">
+              <a:schemeClr val="accent1"/>
+            </a:effectRef>
+            <a:fontRef idx="minor">
+              <a:schemeClr val="lt1"/>
+            </a:fontRef>
+          </p:style>
+          <p:txBody>
+            <a:bodyPr rot="0" spcFirstLastPara="0" vertOverflow="overflow" horzOverflow="overflow" vert="horz" wrap="square" lIns="0" tIns="0" rIns="0" bIns="0" numCol="1" spcCol="0" rtlCol="0" fromWordArt="0" anchor="ctr" anchorCtr="0" forceAA="0" compatLnSpc="1">
+              <a:prstTxWarp prst="textNoShape">
+                <a:avLst/>
+              </a:prstTxWarp>
+              <a:noAutofit/>
+            </a:bodyPr>
+            <a:lstStyle/>
+            <a:p>
+              <a:pPr algn="ctr" defTabSz="914367" fontAlgn="auto">
+                <a:spcBef>
+                  <a:spcPts val="0"/>
+                </a:spcBef>
+                <a:spcAft>
+                  <a:spcPts val="0"/>
+                </a:spcAft>
+                <a:defRPr/>
+              </a:pPr>
+              <a:endParaRPr lang="en-GB" sz="1176" b="0" dirty="0">
+                <a:solidFill>
+                  <a:srgbClr val="FFFFFF"/>
+                </a:solidFill>
+                <a:latin typeface="Segoe UI Semibold"/>
+              </a:endParaRPr>
+            </a:p>
+          </p:txBody>
+        </p:sp>
+        <p:sp>
+          <p:nvSpPr>
+            <p:cNvPr id="20" name="TextBox 19">
+              <a:extLst>
+                <a:ext uri="{FF2B5EF4-FFF2-40B4-BE49-F238E27FC236}">
+                  <a16:creationId xmlns:a16="http://schemas.microsoft.com/office/drawing/2014/main" id="{A40EBB17-DDE1-422A-8EE9-A034E5DC50BF}"/>
+                </a:ext>
+              </a:extLst>
+            </p:cNvPr>
+            <p:cNvSpPr txBox="1"/>
+            <p:nvPr/>
+          </p:nvSpPr>
+          <p:spPr>
+            <a:xfrm>
+              <a:off x="5997955" y="1145040"/>
+              <a:ext cx="5775404" cy="1159139"/>
+            </a:xfrm>
+            <a:prstGeom prst="rect">
+              <a:avLst/>
+            </a:prstGeom>
+            <a:solidFill>
+              <a:schemeClr val="bg1">
+                <a:lumMod val="95000"/>
+              </a:schemeClr>
+            </a:solidFill>
+          </p:spPr>
+          <p:txBody>
+            <a:bodyPr vert="horz" wrap="square" lIns="89642" tIns="44821" rIns="89642" bIns="44821" rtlCol="0" anchor="ctr">
+              <a:noAutofit/>
+            </a:bodyPr>
+            <a:lstStyle/>
+            <a:p>
+              <a:pPr lvl="1">
+                <a:spcAft>
+                  <a:spcPts val="196"/>
+                </a:spcAft>
+                <a:buClr>
+                  <a:srgbClr val="000000"/>
+                </a:buClr>
+              </a:pPr>
+              <a:r>
+                <a:rPr lang="en-GB" sz="1176" b="0" dirty="0">
+                  <a:solidFill>
+                    <a:srgbClr val="0101FD"/>
+                  </a:solidFill>
+                  <a:latin typeface="Segoe UI" panose="020B0502040204020203" pitchFamily="34" charset="0"/>
+                  <a:cs typeface="Segoe UI" panose="020B0502040204020203" pitchFamily="34" charset="0"/>
+                </a:rPr>
+                <a:t>CREATE DATABASE SCOPED CREDENTIAL</a:t>
+              </a:r>
+              <a:r>
+                <a:rPr lang="en-GB" sz="1176" b="0" dirty="0">
+                  <a:solidFill>
+                    <a:srgbClr val="000000"/>
+                  </a:solidFill>
+                  <a:latin typeface="Segoe UI"/>
+                  <a:ea typeface="Segoe UI" pitchFamily="34" charset="0"/>
+                  <a:cs typeface="Segoe UI" pitchFamily="34" charset="0"/>
+                </a:rPr>
+                <a:t> [sqlondemand] </a:t>
+              </a:r>
+            </a:p>
+            <a:p>
+              <a:pPr lvl="1">
+                <a:spcAft>
+                  <a:spcPts val="196"/>
+                </a:spcAft>
+                <a:buClr>
+                  <a:srgbClr val="000000"/>
+                </a:buClr>
+              </a:pPr>
+              <a:r>
+                <a:rPr lang="en-GB" sz="1176" b="0" dirty="0">
+                  <a:solidFill>
+                    <a:srgbClr val="0101FD"/>
+                  </a:solidFill>
+                  <a:latin typeface="Segoe UI" panose="020B0502040204020203" pitchFamily="34" charset="0"/>
+                  <a:cs typeface="Segoe UI" panose="020B0502040204020203" pitchFamily="34" charset="0"/>
+                </a:rPr>
+                <a:t>WITH IDENTITY</a:t>
+              </a:r>
+              <a:r>
+                <a:rPr lang="en-GB" sz="1176" b="0" dirty="0">
+                  <a:solidFill>
+                    <a:srgbClr val="000000"/>
+                  </a:solidFill>
+                  <a:latin typeface="Segoe UI"/>
+                  <a:ea typeface="Segoe UI" pitchFamily="34" charset="0"/>
+                  <a:cs typeface="Segoe UI" pitchFamily="34" charset="0"/>
+                </a:rPr>
+                <a:t>=</a:t>
+              </a:r>
+              <a:r>
+                <a:rPr lang="en-GB" sz="1176" b="0" dirty="0">
+                  <a:solidFill>
+                    <a:srgbClr val="C00000"/>
+                  </a:solidFill>
+                  <a:latin typeface="Segoe UI"/>
+                  <a:ea typeface="Segoe UI" pitchFamily="34" charset="0"/>
+                  <a:cs typeface="Segoe UI" pitchFamily="34" charset="0"/>
+                </a:rPr>
+                <a:t>'SHARED ACCESS SIGNATURE</a:t>
+              </a:r>
+              <a:r>
+                <a:rPr lang="en-GB" sz="1176" b="0" dirty="0">
+                  <a:solidFill>
+                    <a:srgbClr val="000000"/>
+                  </a:solidFill>
+                  <a:latin typeface="Segoe UI"/>
+                  <a:ea typeface="Segoe UI" pitchFamily="34" charset="0"/>
+                  <a:cs typeface="Segoe UI" pitchFamily="34" charset="0"/>
+                </a:rPr>
+                <a:t>',   </a:t>
+              </a:r>
+            </a:p>
+            <a:p>
+              <a:pPr lvl="1">
+                <a:spcAft>
+                  <a:spcPts val="196"/>
+                </a:spcAft>
+                <a:buClr>
+                  <a:srgbClr val="000000"/>
+                </a:buClr>
+              </a:pPr>
+              <a:r>
+                <a:rPr lang="en-GB" sz="1176" b="0" dirty="0">
+                  <a:solidFill>
+                    <a:srgbClr val="000000"/>
+                  </a:solidFill>
+                  <a:latin typeface="Segoe UI"/>
+                  <a:ea typeface="Segoe UI" pitchFamily="34" charset="0"/>
+                  <a:cs typeface="Segoe UI" pitchFamily="34" charset="0"/>
+                </a:rPr>
+                <a:t>SECRET = </a:t>
+              </a:r>
+              <a:r>
+                <a:rPr lang="en-GB" sz="1176" b="0" dirty="0">
+                  <a:solidFill>
+                    <a:srgbClr val="C00000"/>
+                  </a:solidFill>
+                  <a:latin typeface="Segoe UI"/>
+                  <a:ea typeface="Segoe UI" pitchFamily="34" charset="0"/>
+                  <a:cs typeface="Segoe UI" pitchFamily="34" charset="0"/>
+                </a:rPr>
+                <a:t>'sv=2018-03-28&amp;ss=bf&amp;srt=sco&amp;sp=rl&amp;'</a:t>
+              </a:r>
+            </a:p>
+          </p:txBody>
+        </p:sp>
+      </p:grpSp>
+      <p:grpSp>
+        <p:nvGrpSpPr>
+          <p:cNvPr id="6" name="Group 5">
+            <a:extLst>
+              <a:ext uri="{FF2B5EF4-FFF2-40B4-BE49-F238E27FC236}">
+                <a16:creationId xmlns:a16="http://schemas.microsoft.com/office/drawing/2014/main" id="{90C0AB5A-EE51-4B9E-B325-7AE29FD74A0A}"/>
+              </a:ext>
+            </a:extLst>
+          </p:cNvPr>
+          <p:cNvGrpSpPr/>
+          <p:nvPr/>
+        </p:nvGrpSpPr>
+        <p:grpSpPr>
+          <a:xfrm>
+            <a:off x="583186" y="2306766"/>
+            <a:ext cx="8306296" cy="1159139"/>
+            <a:chOff x="3467063" y="2403482"/>
+            <a:chExt cx="8306296" cy="1159139"/>
+          </a:xfrm>
+        </p:grpSpPr>
+        <p:pic>
+          <p:nvPicPr>
+            <p:cNvPr id="17" name="Picture 16" descr="This image shows the icon for an external data source">
+              <a:extLst>
+                <a:ext uri="{FF2B5EF4-FFF2-40B4-BE49-F238E27FC236}">
+                  <a16:creationId xmlns:a16="http://schemas.microsoft.com/office/drawing/2014/main" id="{D97C2170-893F-4E9A-B182-F7803A29447A}"/>
+                </a:ext>
+              </a:extLst>
+            </p:cNvPr>
+            <p:cNvPicPr>
+              <a:picLocks noChangeAspect="1"/>
+            </p:cNvPicPr>
+            <p:nvPr/>
+          </p:nvPicPr>
+          <p:blipFill>
+            <a:blip r:embed="rId6"/>
+            <a:stretch>
+              <a:fillRect/>
+            </a:stretch>
+          </p:blipFill>
+          <p:spPr>
+            <a:xfrm>
+              <a:off x="3638216" y="2537238"/>
+              <a:ext cx="511006" cy="513994"/>
+            </a:xfrm>
+            <a:prstGeom prst="rect">
+              <a:avLst/>
+            </a:prstGeom>
+          </p:spPr>
+        </p:pic>
+        <p:sp>
+          <p:nvSpPr>
+            <p:cNvPr id="29" name="TextBox 28">
+              <a:extLst>
+                <a:ext uri="{FF2B5EF4-FFF2-40B4-BE49-F238E27FC236}">
+                  <a16:creationId xmlns:a16="http://schemas.microsoft.com/office/drawing/2014/main" id="{5ED588FB-0BE6-4C96-92FE-9AF1C4CE2C08}"/>
+                </a:ext>
+              </a:extLst>
+            </p:cNvPr>
+            <p:cNvSpPr txBox="1"/>
+            <p:nvPr/>
+          </p:nvSpPr>
+          <p:spPr>
+            <a:xfrm>
+              <a:off x="3467063" y="3119484"/>
+              <a:ext cx="889423" cy="362072"/>
+            </a:xfrm>
+            <a:prstGeom prst="rect">
+              <a:avLst/>
+            </a:prstGeom>
+          </p:spPr>
+          <p:txBody>
+            <a:bodyPr vert="horz" wrap="square" lIns="0" tIns="0" rIns="0" bIns="0" rtlCol="0" anchor="t">
+              <a:spAutoFit/>
+            </a:bodyPr>
+            <a:lstStyle/>
+            <a:p>
+              <a:pPr algn="ctr" defTabSz="914367" fontAlgn="auto">
+                <a:spcBef>
+                  <a:spcPts val="0"/>
+                </a:spcBef>
+                <a:spcAft>
+                  <a:spcPts val="0"/>
+                </a:spcAft>
+                <a:defRPr/>
+              </a:pPr>
+              <a:r>
+                <a:rPr lang="en-GB" sz="1176" b="0" dirty="0">
+                  <a:solidFill>
+                    <a:srgbClr val="000000"/>
+                  </a:solidFill>
+                  <a:latin typeface="Segoe UI"/>
+                  <a:ea typeface="Segoe UI" pitchFamily="34" charset="0"/>
+                  <a:cs typeface="Segoe UI" pitchFamily="34" charset="0"/>
+                </a:rPr>
+                <a:t>External data source</a:t>
+              </a:r>
+              <a:endParaRPr lang="en-GB" sz="2353" b="0" dirty="0">
+                <a:solidFill>
+                  <a:srgbClr val="000000"/>
+                </a:solidFill>
+                <a:latin typeface="Segoe UI"/>
+                <a:ea typeface="Segoe UI" pitchFamily="34" charset="0"/>
+                <a:cs typeface="Segoe UI" pitchFamily="34" charset="0"/>
+              </a:endParaRPr>
+            </a:p>
+          </p:txBody>
+        </p:sp>
+        <p:sp>
+          <p:nvSpPr>
+            <p:cNvPr id="35" name="Arrow: Right 34">
+              <a:extLst>
+                <a:ext uri="{FF2B5EF4-FFF2-40B4-BE49-F238E27FC236}">
+                  <a16:creationId xmlns:a16="http://schemas.microsoft.com/office/drawing/2014/main" id="{BA02477F-F06D-4D9F-8D1B-76193C772BF5}"/>
+                </a:ext>
+                <a:ext uri="{C183D7F6-B498-43B3-948B-1728B52AA6E4}">
+                  <adec:decorative xmlns:adec="http://schemas.microsoft.com/office/drawing/2017/decorative" val="1"/>
+                </a:ext>
+              </a:extLst>
+            </p:cNvPr>
+            <p:cNvSpPr/>
+            <p:nvPr/>
+          </p:nvSpPr>
+          <p:spPr>
+            <a:xfrm>
+              <a:off x="4584139" y="2688774"/>
+              <a:ext cx="1219297" cy="588554"/>
+            </a:xfrm>
+            <a:prstGeom prst="rightArrow">
+              <a:avLst/>
+            </a:prstGeom>
+            <a:solidFill>
+              <a:schemeClr val="accent2">
+                <a:lumMod val="75000"/>
+              </a:schemeClr>
+            </a:solidFill>
+            <a:ln>
+              <a:noFill/>
+            </a:ln>
+          </p:spPr>
+          <p:style>
+            <a:lnRef idx="2">
+              <a:schemeClr val="accent1">
+                <a:shade val="50000"/>
+              </a:schemeClr>
+            </a:lnRef>
+            <a:fillRef idx="1">
+              <a:schemeClr val="accent1"/>
+            </a:fillRef>
+            <a:effectRef idx="0">
+              <a:schemeClr val="accent1"/>
+            </a:effectRef>
+            <a:fontRef idx="minor">
+              <a:schemeClr val="lt1"/>
+            </a:fontRef>
+          </p:style>
+          <p:txBody>
+            <a:bodyPr rot="0" spcFirstLastPara="0" vertOverflow="overflow" horzOverflow="overflow" vert="horz" wrap="square" lIns="0" tIns="0" rIns="0" bIns="0" numCol="1" spcCol="0" rtlCol="0" fromWordArt="0" anchor="ctr" anchorCtr="0" forceAA="0" compatLnSpc="1">
+              <a:prstTxWarp prst="textNoShape">
+                <a:avLst/>
+              </a:prstTxWarp>
+              <a:noAutofit/>
+            </a:bodyPr>
+            <a:lstStyle/>
+            <a:p>
+              <a:pPr algn="ctr" defTabSz="914367" fontAlgn="auto">
+                <a:spcBef>
+                  <a:spcPts val="0"/>
+                </a:spcBef>
+                <a:spcAft>
+                  <a:spcPts val="0"/>
+                </a:spcAft>
+                <a:defRPr/>
+              </a:pPr>
+              <a:endParaRPr lang="en-GB" sz="1176" b="0" dirty="0">
+                <a:solidFill>
+                  <a:srgbClr val="FFFFFF"/>
+                </a:solidFill>
+                <a:latin typeface="Segoe UI Semibold"/>
+              </a:endParaRPr>
+            </a:p>
+          </p:txBody>
+        </p:sp>
+        <p:sp>
+          <p:nvSpPr>
+            <p:cNvPr id="27" name="TextBox 26">
+              <a:extLst>
+                <a:ext uri="{FF2B5EF4-FFF2-40B4-BE49-F238E27FC236}">
+                  <a16:creationId xmlns:a16="http://schemas.microsoft.com/office/drawing/2014/main" id="{7D1F6ADB-66B5-48D3-8FC6-0779B34ED28F}"/>
+                </a:ext>
+              </a:extLst>
+            </p:cNvPr>
+            <p:cNvSpPr txBox="1"/>
+            <p:nvPr/>
+          </p:nvSpPr>
+          <p:spPr>
+            <a:xfrm>
+              <a:off x="5997955" y="2403482"/>
+              <a:ext cx="5775404" cy="1159139"/>
+            </a:xfrm>
+            <a:prstGeom prst="rect">
+              <a:avLst/>
+            </a:prstGeom>
+            <a:solidFill>
+              <a:schemeClr val="bg1">
+                <a:lumMod val="95000"/>
+              </a:schemeClr>
+            </a:solidFill>
+          </p:spPr>
+          <p:txBody>
+            <a:bodyPr vert="horz" wrap="square" lIns="89642" tIns="44821" rIns="89642" bIns="44821" rtlCol="0" anchor="ctr">
+              <a:noAutofit/>
+            </a:bodyPr>
+            <a:lstStyle/>
+            <a:p>
+              <a:pPr lvl="1">
+                <a:spcAft>
+                  <a:spcPts val="196"/>
+                </a:spcAft>
+                <a:buClr>
+                  <a:srgbClr val="000000"/>
+                </a:buClr>
+              </a:pPr>
+              <a:r>
+                <a:rPr lang="en-GB" sz="1176" b="0" dirty="0">
+                  <a:solidFill>
+                    <a:srgbClr val="0101FD"/>
+                  </a:solidFill>
+                  <a:latin typeface="Segoe UI" panose="020B0502040204020203" pitchFamily="34" charset="0"/>
+                  <a:cs typeface="Segoe UI" panose="020B0502040204020203" pitchFamily="34" charset="0"/>
+                </a:rPr>
+                <a:t>CREATE EXTERNAL DATA SOURCE </a:t>
+              </a:r>
+              <a:r>
+                <a:rPr lang="en-GB" sz="1176" b="0" dirty="0">
+                  <a:solidFill>
+                    <a:srgbClr val="000000"/>
+                  </a:solidFill>
+                  <a:latin typeface="Segoe UI"/>
+                  <a:cs typeface="Segoe UI" pitchFamily="34" charset="0"/>
+                </a:rPr>
+                <a:t>SqlOnDemandDemo WITH ( </a:t>
+              </a:r>
+            </a:p>
+            <a:p>
+              <a:pPr lvl="1">
+                <a:spcAft>
+                  <a:spcPts val="196"/>
+                </a:spcAft>
+                <a:buClr>
+                  <a:srgbClr val="000000"/>
+                </a:buClr>
+              </a:pPr>
+              <a:r>
+                <a:rPr lang="en-GB" sz="1176" b="0" dirty="0">
+                  <a:solidFill>
+                    <a:srgbClr val="000000"/>
+                  </a:solidFill>
+                  <a:latin typeface="Segoe UI"/>
+                  <a:cs typeface="Segoe UI" pitchFamily="34" charset="0"/>
+                </a:rPr>
+                <a:t>    LOCATION = </a:t>
+              </a:r>
+              <a:r>
+                <a:rPr lang="en-GB" sz="1176" b="0" dirty="0">
+                  <a:solidFill>
+                    <a:srgbClr val="C00000"/>
+                  </a:solidFill>
+                  <a:latin typeface="Segoe UI"/>
+                  <a:cs typeface="Segoe UI" pitchFamily="34" charset="0"/>
+                </a:rPr>
+                <a:t>'https://sqlondemandstorage.blob.core.windows.net</a:t>
+              </a:r>
+              <a:r>
+                <a:rPr lang="en-GB" sz="1176" b="0" dirty="0">
+                  <a:solidFill>
+                    <a:srgbClr val="000000"/>
+                  </a:solidFill>
+                  <a:latin typeface="Segoe UI"/>
+                  <a:cs typeface="Segoe UI" pitchFamily="34" charset="0"/>
+                </a:rPr>
+                <a:t>', </a:t>
+              </a:r>
+            </a:p>
+            <a:p>
+              <a:pPr lvl="1">
+                <a:spcAft>
+                  <a:spcPts val="196"/>
+                </a:spcAft>
+                <a:buClr>
+                  <a:srgbClr val="000000"/>
+                </a:buClr>
+              </a:pPr>
+              <a:r>
+                <a:rPr lang="en-GB" sz="1176" b="0" dirty="0">
+                  <a:solidFill>
+                    <a:srgbClr val="000000"/>
+                  </a:solidFill>
+                  <a:latin typeface="Segoe UI"/>
+                  <a:cs typeface="Segoe UI" pitchFamily="34" charset="0"/>
+                </a:rPr>
+                <a:t>    CREDENTIAL = sqlondemand );</a:t>
+              </a:r>
+            </a:p>
+          </p:txBody>
+        </p:sp>
+      </p:grpSp>
+      <p:grpSp>
+        <p:nvGrpSpPr>
+          <p:cNvPr id="9" name="Group 8">
+            <a:extLst>
+              <a:ext uri="{FF2B5EF4-FFF2-40B4-BE49-F238E27FC236}">
+                <a16:creationId xmlns:a16="http://schemas.microsoft.com/office/drawing/2014/main" id="{1FD403C7-9FC5-44E8-8FA3-659ED7A23C7D}"/>
+              </a:ext>
+            </a:extLst>
+          </p:cNvPr>
+          <p:cNvGrpSpPr/>
+          <p:nvPr/>
+        </p:nvGrpSpPr>
+        <p:grpSpPr>
+          <a:xfrm>
+            <a:off x="631853" y="3565207"/>
+            <a:ext cx="8257629" cy="1159139"/>
+            <a:chOff x="3515730" y="3661923"/>
+            <a:chExt cx="8257629" cy="1159139"/>
+          </a:xfrm>
+        </p:grpSpPr>
+        <p:pic>
+          <p:nvPicPr>
+            <p:cNvPr id="15" name="Picture 14" descr="This image shows the icon for a parquet file">
+              <a:extLst>
+                <a:ext uri="{FF2B5EF4-FFF2-40B4-BE49-F238E27FC236}">
+                  <a16:creationId xmlns:a16="http://schemas.microsoft.com/office/drawing/2014/main" id="{ABA63270-5F88-4410-97B4-F3DB8490CC43}"/>
+                </a:ext>
+              </a:extLst>
+            </p:cNvPr>
+            <p:cNvPicPr>
+              <a:picLocks noChangeAspect="1"/>
+            </p:cNvPicPr>
+            <p:nvPr/>
+          </p:nvPicPr>
+          <p:blipFill rotWithShape="1">
+            <a:blip r:embed="rId7"/>
+            <a:srcRect l="24689" t="19543" r="24597" b="34544"/>
+            <a:stretch/>
+          </p:blipFill>
+          <p:spPr>
+            <a:xfrm>
+              <a:off x="3588710" y="3853199"/>
+              <a:ext cx="637765" cy="543108"/>
+            </a:xfrm>
+            <a:prstGeom prst="rect">
+              <a:avLst/>
+            </a:prstGeom>
+          </p:spPr>
+        </p:pic>
+        <p:sp>
+          <p:nvSpPr>
+            <p:cNvPr id="30" name="TextBox 29">
+              <a:extLst>
+                <a:ext uri="{FF2B5EF4-FFF2-40B4-BE49-F238E27FC236}">
+                  <a16:creationId xmlns:a16="http://schemas.microsoft.com/office/drawing/2014/main" id="{06ACD56B-89E4-4EB9-B0F3-412D7497CCE4}"/>
+                </a:ext>
+              </a:extLst>
+            </p:cNvPr>
+            <p:cNvSpPr txBox="1"/>
+            <p:nvPr/>
+          </p:nvSpPr>
+          <p:spPr>
+            <a:xfrm>
+              <a:off x="3515730" y="4396306"/>
+              <a:ext cx="792089" cy="362072"/>
+            </a:xfrm>
+            <a:prstGeom prst="rect">
+              <a:avLst/>
+            </a:prstGeom>
+          </p:spPr>
+          <p:txBody>
+            <a:bodyPr vert="horz" wrap="square" lIns="0" tIns="0" rIns="0" bIns="0" rtlCol="0" anchor="t">
+              <a:spAutoFit/>
+            </a:bodyPr>
+            <a:lstStyle/>
+            <a:p>
+              <a:pPr algn="ctr" defTabSz="914367" fontAlgn="auto">
+                <a:spcBef>
+                  <a:spcPts val="0"/>
+                </a:spcBef>
+                <a:spcAft>
+                  <a:spcPts val="0"/>
+                </a:spcAft>
+                <a:defRPr/>
+              </a:pPr>
+              <a:r>
+                <a:rPr lang="en-GB" sz="1176" b="0" dirty="0">
+                  <a:solidFill>
+                    <a:srgbClr val="000000"/>
+                  </a:solidFill>
+                  <a:latin typeface="Segoe UI"/>
+                  <a:ea typeface="Segoe UI" pitchFamily="34" charset="0"/>
+                  <a:cs typeface="Segoe UI" pitchFamily="34" charset="0"/>
+                </a:rPr>
+                <a:t>External file format</a:t>
+              </a:r>
+              <a:endParaRPr lang="en-GB" sz="2353" b="0" dirty="0">
+                <a:solidFill>
+                  <a:srgbClr val="000000"/>
+                </a:solidFill>
+                <a:latin typeface="Segoe UI"/>
+                <a:ea typeface="Segoe UI" pitchFamily="34" charset="0"/>
+                <a:cs typeface="Segoe UI" pitchFamily="34" charset="0"/>
+              </a:endParaRPr>
+            </a:p>
+          </p:txBody>
+        </p:sp>
+        <p:sp>
+          <p:nvSpPr>
+            <p:cNvPr id="36" name="Arrow: Right 35">
+              <a:extLst>
+                <a:ext uri="{FF2B5EF4-FFF2-40B4-BE49-F238E27FC236}">
+                  <a16:creationId xmlns:a16="http://schemas.microsoft.com/office/drawing/2014/main" id="{C5AD1CEA-42AD-40BE-AA49-21E68F0B5E91}"/>
+                </a:ext>
+                <a:ext uri="{C183D7F6-B498-43B3-948B-1728B52AA6E4}">
+                  <adec:decorative xmlns:adec="http://schemas.microsoft.com/office/drawing/2017/decorative" val="1"/>
+                </a:ext>
+              </a:extLst>
+            </p:cNvPr>
+            <p:cNvSpPr/>
+            <p:nvPr/>
+          </p:nvSpPr>
+          <p:spPr>
+            <a:xfrm>
+              <a:off x="4584139" y="3947216"/>
+              <a:ext cx="1219297" cy="588554"/>
+            </a:xfrm>
+            <a:prstGeom prst="rightArrow">
+              <a:avLst/>
+            </a:prstGeom>
+            <a:solidFill>
+              <a:schemeClr val="accent2">
+                <a:lumMod val="75000"/>
+              </a:schemeClr>
+            </a:solidFill>
+            <a:ln>
+              <a:noFill/>
+            </a:ln>
+          </p:spPr>
+          <p:style>
+            <a:lnRef idx="2">
+              <a:schemeClr val="accent1">
+                <a:shade val="50000"/>
+              </a:schemeClr>
+            </a:lnRef>
+            <a:fillRef idx="1">
+              <a:schemeClr val="accent1"/>
+            </a:fillRef>
+            <a:effectRef idx="0">
+              <a:schemeClr val="accent1"/>
+            </a:effectRef>
+            <a:fontRef idx="minor">
+              <a:schemeClr val="lt1"/>
+            </a:fontRef>
+          </p:style>
+          <p:txBody>
+            <a:bodyPr rot="0" spcFirstLastPara="0" vertOverflow="overflow" horzOverflow="overflow" vert="horz" wrap="square" lIns="0" tIns="0" rIns="0" bIns="0" numCol="1" spcCol="0" rtlCol="0" fromWordArt="0" anchor="ctr" anchorCtr="0" forceAA="0" compatLnSpc="1">
+              <a:prstTxWarp prst="textNoShape">
+                <a:avLst/>
+              </a:prstTxWarp>
+              <a:noAutofit/>
+            </a:bodyPr>
+            <a:lstStyle/>
+            <a:p>
+              <a:pPr algn="ctr" defTabSz="914367" fontAlgn="auto">
+                <a:spcBef>
+                  <a:spcPts val="0"/>
+                </a:spcBef>
+                <a:spcAft>
+                  <a:spcPts val="0"/>
+                </a:spcAft>
+                <a:defRPr/>
+              </a:pPr>
+              <a:endParaRPr lang="en-GB" sz="1176" b="0" dirty="0">
+                <a:solidFill>
+                  <a:srgbClr val="FFFFFF"/>
+                </a:solidFill>
+                <a:latin typeface="Segoe UI Semibold"/>
+              </a:endParaRPr>
+            </a:p>
+          </p:txBody>
+        </p:sp>
+        <p:sp>
+          <p:nvSpPr>
+            <p:cNvPr id="21" name="TextBox 20">
+              <a:extLst>
+                <a:ext uri="{FF2B5EF4-FFF2-40B4-BE49-F238E27FC236}">
+                  <a16:creationId xmlns:a16="http://schemas.microsoft.com/office/drawing/2014/main" id="{E7E27F93-190E-4B06-9C65-674D95B1DD6D}"/>
+                </a:ext>
+              </a:extLst>
+            </p:cNvPr>
+            <p:cNvSpPr txBox="1"/>
+            <p:nvPr/>
+          </p:nvSpPr>
+          <p:spPr>
+            <a:xfrm>
+              <a:off x="5997955" y="3661923"/>
+              <a:ext cx="5775404" cy="1159139"/>
+            </a:xfrm>
+            <a:prstGeom prst="rect">
+              <a:avLst/>
+            </a:prstGeom>
+            <a:solidFill>
+              <a:schemeClr val="bg1">
+                <a:lumMod val="95000"/>
+              </a:schemeClr>
+            </a:solidFill>
+          </p:spPr>
+          <p:txBody>
+            <a:bodyPr vert="horz" wrap="square" lIns="89642" tIns="44821" rIns="89642" bIns="44821" rtlCol="0" anchor="ctr">
+              <a:noAutofit/>
+            </a:bodyPr>
+            <a:lstStyle/>
+            <a:p>
+              <a:pPr lvl="1">
+                <a:spcAft>
+                  <a:spcPts val="196"/>
+                </a:spcAft>
+                <a:buClr>
+                  <a:srgbClr val="000000"/>
+                </a:buClr>
+              </a:pPr>
+              <a:r>
+                <a:rPr lang="en-GB" sz="1176" b="0" dirty="0">
+                  <a:solidFill>
+                    <a:srgbClr val="0101FD"/>
+                  </a:solidFill>
+                  <a:latin typeface="Segoe UI" panose="020B0502040204020203" pitchFamily="34" charset="0"/>
+                  <a:cs typeface="Segoe UI" panose="020B0502040204020203" pitchFamily="34" charset="0"/>
+                </a:rPr>
+                <a:t>CREATE</a:t>
+              </a:r>
+              <a:r>
+                <a:rPr lang="en-GB" sz="1176" b="0" dirty="0">
+                  <a:solidFill>
+                    <a:srgbClr val="171717"/>
+                  </a:solidFill>
+                  <a:latin typeface="Segoe UI" panose="020B0502040204020203" pitchFamily="34" charset="0"/>
+                  <a:cs typeface="Segoe UI" panose="020B0502040204020203" pitchFamily="34" charset="0"/>
+                </a:rPr>
+                <a:t> </a:t>
+              </a:r>
+              <a:r>
+                <a:rPr lang="en-GB" sz="1176" b="0" dirty="0">
+                  <a:solidFill>
+                    <a:srgbClr val="0101FD"/>
+                  </a:solidFill>
+                  <a:latin typeface="Segoe UI" panose="020B0502040204020203" pitchFamily="34" charset="0"/>
+                  <a:cs typeface="Segoe UI" panose="020B0502040204020203" pitchFamily="34" charset="0"/>
+                </a:rPr>
+                <a:t>EXTERNAL</a:t>
+              </a:r>
+              <a:r>
+                <a:rPr lang="en-GB" sz="1176" b="0" dirty="0">
+                  <a:solidFill>
+                    <a:srgbClr val="171717"/>
+                  </a:solidFill>
+                  <a:latin typeface="Segoe UI" panose="020B0502040204020203" pitchFamily="34" charset="0"/>
+                  <a:cs typeface="Segoe UI" panose="020B0502040204020203" pitchFamily="34" charset="0"/>
+                </a:rPr>
+                <a:t> </a:t>
+              </a:r>
+              <a:r>
+                <a:rPr lang="en-GB" sz="1176" b="0" dirty="0">
+                  <a:solidFill>
+                    <a:srgbClr val="0101FD"/>
+                  </a:solidFill>
+                  <a:latin typeface="Segoe UI" panose="020B0502040204020203" pitchFamily="34" charset="0"/>
+                  <a:cs typeface="Segoe UI" panose="020B0502040204020203" pitchFamily="34" charset="0"/>
+                </a:rPr>
+                <a:t>FILE</a:t>
+              </a:r>
+              <a:r>
+                <a:rPr lang="en-GB" sz="1176" b="0" dirty="0">
+                  <a:solidFill>
+                    <a:srgbClr val="171717"/>
+                  </a:solidFill>
+                  <a:latin typeface="Segoe UI" panose="020B0502040204020203" pitchFamily="34" charset="0"/>
+                  <a:cs typeface="Segoe UI" panose="020B0502040204020203" pitchFamily="34" charset="0"/>
+                </a:rPr>
+                <a:t> </a:t>
+              </a:r>
+              <a:r>
+                <a:rPr lang="en-GB" sz="1176" b="0" dirty="0">
+                  <a:solidFill>
+                    <a:srgbClr val="0101FD"/>
+                  </a:solidFill>
+                  <a:latin typeface="Segoe UI" panose="020B0502040204020203" pitchFamily="34" charset="0"/>
+                  <a:cs typeface="Segoe UI" panose="020B0502040204020203" pitchFamily="34" charset="0"/>
+                </a:rPr>
+                <a:t>FORMAT</a:t>
+              </a:r>
+              <a:r>
+                <a:rPr lang="en-GB" sz="1176" b="0" dirty="0">
+                  <a:solidFill>
+                    <a:srgbClr val="171717"/>
+                  </a:solidFill>
+                  <a:latin typeface="Segoe UI" panose="020B0502040204020203" pitchFamily="34" charset="0"/>
+                  <a:cs typeface="Segoe UI" panose="020B0502040204020203" pitchFamily="34" charset="0"/>
+                </a:rPr>
+                <a:t> QuotedCsvWithHeaderFormat </a:t>
+              </a:r>
+            </a:p>
+            <a:p>
+              <a:pPr lvl="1">
+                <a:spcAft>
+                  <a:spcPts val="196"/>
+                </a:spcAft>
+                <a:buClr>
+                  <a:srgbClr val="000000"/>
+                </a:buClr>
+              </a:pPr>
+              <a:r>
+                <a:rPr lang="en-GB" sz="1176" b="0" dirty="0">
+                  <a:solidFill>
+                    <a:srgbClr val="0101FD"/>
+                  </a:solidFill>
+                  <a:latin typeface="Segoe UI" panose="020B0502040204020203" pitchFamily="34" charset="0"/>
+                  <a:cs typeface="Segoe UI" panose="020B0502040204020203" pitchFamily="34" charset="0"/>
+                </a:rPr>
+                <a:t>WITH</a:t>
+              </a:r>
+              <a:r>
+                <a:rPr lang="en-GB" sz="1176" b="0" dirty="0">
+                  <a:solidFill>
+                    <a:srgbClr val="171717"/>
+                  </a:solidFill>
+                  <a:latin typeface="Segoe UI" panose="020B0502040204020203" pitchFamily="34" charset="0"/>
+                  <a:cs typeface="Segoe UI" panose="020B0502040204020203" pitchFamily="34" charset="0"/>
+                </a:rPr>
+                <a:t> </a:t>
+              </a:r>
+            </a:p>
+            <a:p>
+              <a:pPr lvl="1">
+                <a:spcAft>
+                  <a:spcPts val="196"/>
+                </a:spcAft>
+                <a:buClr>
+                  <a:srgbClr val="000000"/>
+                </a:buClr>
+              </a:pPr>
+              <a:r>
+                <a:rPr lang="en-GB" sz="1176" b="0" dirty="0">
+                  <a:solidFill>
+                    <a:srgbClr val="171717"/>
+                  </a:solidFill>
+                  <a:latin typeface="Segoe UI" panose="020B0502040204020203" pitchFamily="34" charset="0"/>
+                  <a:cs typeface="Segoe UI" panose="020B0502040204020203" pitchFamily="34" charset="0"/>
+                </a:rPr>
+                <a:t>( FORMAT_TYPE = DELIMITEDTEXT, </a:t>
+              </a:r>
+            </a:p>
+            <a:p>
+              <a:pPr lvl="1">
+                <a:spcAft>
+                  <a:spcPts val="196"/>
+                </a:spcAft>
+                <a:buClr>
+                  <a:srgbClr val="000000"/>
+                </a:buClr>
+              </a:pPr>
+              <a:r>
+                <a:rPr lang="en-GB" sz="1176" b="0" dirty="0">
+                  <a:solidFill>
+                    <a:srgbClr val="171717"/>
+                  </a:solidFill>
+                  <a:latin typeface="Segoe UI" panose="020B0502040204020203" pitchFamily="34" charset="0"/>
+                  <a:cs typeface="Segoe UI" panose="020B0502040204020203" pitchFamily="34" charset="0"/>
+                </a:rPr>
+                <a:t>FORMAT_OPTIONS ( FIELD_TERMINATOR = </a:t>
+              </a:r>
+              <a:r>
+                <a:rPr lang="en-GB" sz="1176" b="0" dirty="0">
+                  <a:solidFill>
+                    <a:srgbClr val="A31515"/>
+                  </a:solidFill>
+                  <a:latin typeface="Segoe UI" panose="020B0502040204020203" pitchFamily="34" charset="0"/>
+                  <a:cs typeface="Segoe UI" panose="020B0502040204020203" pitchFamily="34" charset="0"/>
+                </a:rPr>
+                <a:t>','</a:t>
+              </a:r>
+              <a:r>
+                <a:rPr lang="en-GB" sz="1176" b="0" dirty="0">
+                  <a:solidFill>
+                    <a:srgbClr val="171717"/>
+                  </a:solidFill>
+                  <a:latin typeface="Segoe UI" panose="020B0502040204020203" pitchFamily="34" charset="0"/>
+                  <a:cs typeface="Segoe UI" panose="020B0502040204020203" pitchFamily="34" charset="0"/>
+                </a:rPr>
+                <a:t>, STRING_DELIMITER = </a:t>
+              </a:r>
+              <a:r>
+                <a:rPr lang="en-GB" sz="1176" b="0" dirty="0">
+                  <a:solidFill>
+                    <a:srgbClr val="A31515"/>
+                  </a:solidFill>
+                  <a:latin typeface="Segoe UI" panose="020B0502040204020203" pitchFamily="34" charset="0"/>
+                  <a:cs typeface="Segoe UI" panose="020B0502040204020203" pitchFamily="34" charset="0"/>
+                </a:rPr>
+                <a:t>'"'</a:t>
+              </a:r>
+              <a:r>
+                <a:rPr lang="en-GB" sz="1176" b="0" dirty="0">
+                  <a:solidFill>
+                    <a:srgbClr val="171717"/>
+                  </a:solidFill>
+                  <a:latin typeface="Segoe UI" panose="020B0502040204020203" pitchFamily="34" charset="0"/>
+                  <a:cs typeface="Segoe UI" panose="020B0502040204020203" pitchFamily="34" charset="0"/>
+                </a:rPr>
+                <a:t>, FIRST_ROW = 2 ) );</a:t>
+              </a:r>
+              <a:endParaRPr lang="en-GB" sz="1176" b="0" dirty="0">
+                <a:solidFill>
+                  <a:srgbClr val="000000"/>
+                </a:solidFill>
+                <a:latin typeface="Segoe UI" panose="020B0502040204020203" pitchFamily="34" charset="0"/>
+                <a:ea typeface="Segoe UI" panose="020B0502040204020203" pitchFamily="34" charset="0"/>
+                <a:cs typeface="Segoe UI" panose="020B0502040204020203" pitchFamily="34" charset="0"/>
+              </a:endParaRPr>
+            </a:p>
+          </p:txBody>
+        </p:sp>
+      </p:grpSp>
+      <p:grpSp>
+        <p:nvGrpSpPr>
+          <p:cNvPr id="10" name="Group 9">
+            <a:extLst>
+              <a:ext uri="{FF2B5EF4-FFF2-40B4-BE49-F238E27FC236}">
+                <a16:creationId xmlns:a16="http://schemas.microsoft.com/office/drawing/2014/main" id="{2CF1ADCA-2530-417F-A70A-720FF0DAF62E}"/>
+              </a:ext>
+            </a:extLst>
+          </p:cNvPr>
+          <p:cNvGrpSpPr/>
+          <p:nvPr/>
+        </p:nvGrpSpPr>
+        <p:grpSpPr>
+          <a:xfrm>
+            <a:off x="589463" y="4823648"/>
+            <a:ext cx="8300019" cy="1701614"/>
+            <a:chOff x="3473340" y="4920364"/>
+            <a:chExt cx="8300019" cy="1701614"/>
+          </a:xfrm>
+        </p:grpSpPr>
+        <p:pic>
+          <p:nvPicPr>
+            <p:cNvPr id="23" name="Picture 22" descr="This image shows the icon for an external table">
+              <a:extLst>
+                <a:ext uri="{FF2B5EF4-FFF2-40B4-BE49-F238E27FC236}">
+                  <a16:creationId xmlns:a16="http://schemas.microsoft.com/office/drawing/2014/main" id="{30B8A9F3-2333-4145-A9F4-654FA4C657B5}"/>
+                </a:ext>
+              </a:extLst>
+            </p:cNvPr>
+            <p:cNvPicPr>
+              <a:picLocks noChangeAspect="1"/>
+            </p:cNvPicPr>
+            <p:nvPr/>
+          </p:nvPicPr>
+          <p:blipFill>
+            <a:blip r:embed="rId8"/>
+            <a:stretch>
+              <a:fillRect/>
+            </a:stretch>
+          </p:blipFill>
+          <p:spPr>
+            <a:xfrm>
+              <a:off x="3473340" y="5138750"/>
+              <a:ext cx="840756" cy="840756"/>
+            </a:xfrm>
+            <a:prstGeom prst="rect">
+              <a:avLst/>
+            </a:prstGeom>
+          </p:spPr>
+        </p:pic>
+        <p:sp>
+          <p:nvSpPr>
+            <p:cNvPr id="31" name="TextBox 30">
+              <a:extLst>
+                <a:ext uri="{FF2B5EF4-FFF2-40B4-BE49-F238E27FC236}">
+                  <a16:creationId xmlns:a16="http://schemas.microsoft.com/office/drawing/2014/main" id="{81E13F2C-D115-450E-9180-9F874FE5EA18}"/>
+                </a:ext>
+              </a:extLst>
+            </p:cNvPr>
+            <p:cNvSpPr txBox="1"/>
+            <p:nvPr/>
+          </p:nvSpPr>
+          <p:spPr>
+            <a:xfrm>
+              <a:off x="3492592" y="5826494"/>
+              <a:ext cx="805229" cy="362072"/>
+            </a:xfrm>
+            <a:prstGeom prst="rect">
+              <a:avLst/>
+            </a:prstGeom>
+          </p:spPr>
+          <p:txBody>
+            <a:bodyPr vert="horz" wrap="square" lIns="0" tIns="0" rIns="0" bIns="0" rtlCol="0" anchor="t">
+              <a:spAutoFit/>
+            </a:bodyPr>
+            <a:lstStyle/>
+            <a:p>
+              <a:pPr algn="ctr" defTabSz="914367" fontAlgn="auto">
+                <a:spcBef>
+                  <a:spcPts val="0"/>
+                </a:spcBef>
+                <a:spcAft>
+                  <a:spcPts val="0"/>
+                </a:spcAft>
+                <a:defRPr/>
+              </a:pPr>
+              <a:r>
+                <a:rPr lang="en-GB" sz="1176" b="0" dirty="0">
+                  <a:solidFill>
+                    <a:srgbClr val="000000"/>
+                  </a:solidFill>
+                  <a:latin typeface="Segoe UI"/>
+                  <a:ea typeface="Segoe UI" pitchFamily="34" charset="0"/>
+                  <a:cs typeface="Segoe UI" pitchFamily="34" charset="0"/>
+                </a:rPr>
+                <a:t>External Table</a:t>
+              </a:r>
+              <a:endParaRPr lang="en-GB" sz="2353" b="0" dirty="0">
+                <a:solidFill>
+                  <a:srgbClr val="000000"/>
+                </a:solidFill>
+                <a:latin typeface="Segoe UI"/>
+                <a:ea typeface="Segoe UI" pitchFamily="34" charset="0"/>
+                <a:cs typeface="Segoe UI" pitchFamily="34" charset="0"/>
+              </a:endParaRPr>
+            </a:p>
+          </p:txBody>
+        </p:sp>
+        <p:sp>
+          <p:nvSpPr>
+            <p:cNvPr id="37" name="Arrow: Right 36">
+              <a:extLst>
+                <a:ext uri="{FF2B5EF4-FFF2-40B4-BE49-F238E27FC236}">
+                  <a16:creationId xmlns:a16="http://schemas.microsoft.com/office/drawing/2014/main" id="{CB88E290-015D-4642-A8DC-304D6825EF04}"/>
+                </a:ext>
+                <a:ext uri="{C183D7F6-B498-43B3-948B-1728B52AA6E4}">
+                  <adec:decorative xmlns:adec="http://schemas.microsoft.com/office/drawing/2017/decorative" val="1"/>
+                </a:ext>
+              </a:extLst>
+            </p:cNvPr>
+            <p:cNvSpPr/>
+            <p:nvPr/>
+          </p:nvSpPr>
+          <p:spPr>
+            <a:xfrm>
+              <a:off x="4567571" y="5407609"/>
+              <a:ext cx="1219297" cy="588554"/>
+            </a:xfrm>
+            <a:prstGeom prst="rightArrow">
+              <a:avLst/>
+            </a:prstGeom>
+            <a:solidFill>
+              <a:schemeClr val="accent2">
+                <a:lumMod val="75000"/>
+              </a:schemeClr>
+            </a:solidFill>
+            <a:ln>
+              <a:noFill/>
+            </a:ln>
+          </p:spPr>
+          <p:style>
+            <a:lnRef idx="2">
+              <a:schemeClr val="accent1">
+                <a:shade val="50000"/>
+              </a:schemeClr>
+            </a:lnRef>
+            <a:fillRef idx="1">
+              <a:schemeClr val="accent1"/>
+            </a:fillRef>
+            <a:effectRef idx="0">
+              <a:schemeClr val="accent1"/>
+            </a:effectRef>
+            <a:fontRef idx="minor">
+              <a:schemeClr val="lt1"/>
+            </a:fontRef>
+          </p:style>
+          <p:txBody>
+            <a:bodyPr rot="0" spcFirstLastPara="0" vertOverflow="overflow" horzOverflow="overflow" vert="horz" wrap="square" lIns="0" tIns="0" rIns="0" bIns="0" numCol="1" spcCol="0" rtlCol="0" fromWordArt="0" anchor="ctr" anchorCtr="0" forceAA="0" compatLnSpc="1">
+              <a:prstTxWarp prst="textNoShape">
+                <a:avLst/>
+              </a:prstTxWarp>
+              <a:noAutofit/>
+            </a:bodyPr>
+            <a:lstStyle/>
+            <a:p>
+              <a:pPr algn="ctr" defTabSz="914367" fontAlgn="auto">
+                <a:spcBef>
+                  <a:spcPts val="0"/>
+                </a:spcBef>
+                <a:spcAft>
+                  <a:spcPts val="0"/>
+                </a:spcAft>
+                <a:defRPr/>
+              </a:pPr>
+              <a:endParaRPr lang="en-GB" sz="1176" b="0" dirty="0">
+                <a:solidFill>
+                  <a:srgbClr val="FFFFFF"/>
+                </a:solidFill>
+                <a:latin typeface="Segoe UI Semibold"/>
+              </a:endParaRPr>
+            </a:p>
+          </p:txBody>
+        </p:sp>
+        <p:sp>
+          <p:nvSpPr>
+            <p:cNvPr id="22" name="TextBox 21">
+              <a:extLst>
+                <a:ext uri="{FF2B5EF4-FFF2-40B4-BE49-F238E27FC236}">
+                  <a16:creationId xmlns:a16="http://schemas.microsoft.com/office/drawing/2014/main" id="{2D1DCECF-FA25-4C9D-A377-81B7FB787845}"/>
+                </a:ext>
+              </a:extLst>
+            </p:cNvPr>
+            <p:cNvSpPr txBox="1"/>
+            <p:nvPr/>
+          </p:nvSpPr>
+          <p:spPr>
+            <a:xfrm>
+              <a:off x="5997955" y="4920364"/>
+              <a:ext cx="5775404" cy="1701614"/>
+            </a:xfrm>
+            <a:prstGeom prst="rect">
+              <a:avLst/>
+            </a:prstGeom>
+            <a:solidFill>
+              <a:schemeClr val="bg1">
+                <a:lumMod val="95000"/>
+              </a:schemeClr>
+            </a:solidFill>
+          </p:spPr>
+          <p:txBody>
+            <a:bodyPr vert="horz" wrap="square" lIns="89642" tIns="44821" rIns="89642" bIns="44821" rtlCol="0" anchor="ctr">
+              <a:noAutofit/>
+            </a:bodyPr>
+            <a:lstStyle/>
+            <a:p>
+              <a:pPr lvl="1">
+                <a:spcAft>
+                  <a:spcPts val="196"/>
+                </a:spcAft>
+                <a:buClr>
+                  <a:srgbClr val="000000"/>
+                </a:buClr>
+              </a:pPr>
+              <a:r>
+                <a:rPr lang="en-GB" sz="1176" b="0" dirty="0">
+                  <a:solidFill>
+                    <a:srgbClr val="0101FD"/>
+                  </a:solidFill>
+                  <a:latin typeface="Segoe UI" panose="020B0502040204020203" pitchFamily="34" charset="0"/>
+                  <a:cs typeface="Segoe UI" panose="020B0502040204020203" pitchFamily="34" charset="0"/>
+                </a:rPr>
+                <a:t>CREATE</a:t>
+              </a:r>
+              <a:r>
+                <a:rPr lang="en-GB" sz="1176" b="0" dirty="0">
+                  <a:solidFill>
+                    <a:srgbClr val="171717"/>
+                  </a:solidFill>
+                  <a:latin typeface="Segoe UI" panose="020B0502040204020203" pitchFamily="34" charset="0"/>
+                  <a:cs typeface="Segoe UI" panose="020B0502040204020203" pitchFamily="34" charset="0"/>
+                </a:rPr>
+                <a:t> </a:t>
+              </a:r>
+              <a:r>
+                <a:rPr lang="en-GB" sz="1176" b="0" dirty="0">
+                  <a:solidFill>
+                    <a:srgbClr val="0101FD"/>
+                  </a:solidFill>
+                  <a:latin typeface="Segoe UI" panose="020B0502040204020203" pitchFamily="34" charset="0"/>
+                  <a:cs typeface="Segoe UI" panose="020B0502040204020203" pitchFamily="34" charset="0"/>
+                </a:rPr>
+                <a:t>EXTERNAL</a:t>
+              </a:r>
+              <a:r>
+                <a:rPr lang="en-GB" sz="1176" b="0" dirty="0">
+                  <a:solidFill>
+                    <a:srgbClr val="171717"/>
+                  </a:solidFill>
+                  <a:latin typeface="Segoe UI" panose="020B0502040204020203" pitchFamily="34" charset="0"/>
+                  <a:cs typeface="Segoe UI" panose="020B0502040204020203" pitchFamily="34" charset="0"/>
+                </a:rPr>
+                <a:t> </a:t>
+              </a:r>
+              <a:r>
+                <a:rPr lang="en-GB" sz="1176" b="0" dirty="0">
+                  <a:solidFill>
+                    <a:srgbClr val="0101FD"/>
+                  </a:solidFill>
+                  <a:latin typeface="Segoe UI" panose="020B0502040204020203" pitchFamily="34" charset="0"/>
+                  <a:cs typeface="Segoe UI" panose="020B0502040204020203" pitchFamily="34" charset="0"/>
+                </a:rPr>
+                <a:t>TABLE</a:t>
+              </a:r>
+              <a:r>
+                <a:rPr lang="en-GB" sz="1176" b="0" dirty="0">
+                  <a:solidFill>
+                    <a:srgbClr val="171717"/>
+                  </a:solidFill>
+                  <a:latin typeface="Segoe UI" panose="020B0502040204020203" pitchFamily="34" charset="0"/>
+                  <a:cs typeface="Segoe UI" panose="020B0502040204020203" pitchFamily="34" charset="0"/>
+                </a:rPr>
+                <a:t> populationExternalTable </a:t>
+              </a:r>
+            </a:p>
+            <a:p>
+              <a:pPr lvl="1">
+                <a:spcAft>
+                  <a:spcPts val="196"/>
+                </a:spcAft>
+                <a:buClr>
+                  <a:srgbClr val="000000"/>
+                </a:buClr>
+              </a:pPr>
+              <a:r>
+                <a:rPr lang="en-GB" sz="1176" b="0" dirty="0">
+                  <a:solidFill>
+                    <a:srgbClr val="171717"/>
+                  </a:solidFill>
+                  <a:latin typeface="Segoe UI" panose="020B0502040204020203" pitchFamily="34" charset="0"/>
+                  <a:cs typeface="Segoe UI" panose="020B0502040204020203" pitchFamily="34" charset="0"/>
+                </a:rPr>
+                <a:t>( [country_name] </a:t>
+              </a:r>
+              <a:r>
+                <a:rPr lang="en-GB" sz="1176" b="0" dirty="0">
+                  <a:solidFill>
+                    <a:srgbClr val="0101FD"/>
+                  </a:solidFill>
+                  <a:latin typeface="Segoe UI" panose="020B0502040204020203" pitchFamily="34" charset="0"/>
+                  <a:cs typeface="Segoe UI" panose="020B0502040204020203" pitchFamily="34" charset="0"/>
+                </a:rPr>
+                <a:t>VARCHAR</a:t>
+              </a:r>
+              <a:r>
+                <a:rPr lang="en-GB" sz="1176" b="0" dirty="0">
+                  <a:solidFill>
+                    <a:srgbClr val="171717"/>
+                  </a:solidFill>
+                  <a:latin typeface="Segoe UI" panose="020B0502040204020203" pitchFamily="34" charset="0"/>
+                  <a:cs typeface="Segoe UI" panose="020B0502040204020203" pitchFamily="34" charset="0"/>
+                </a:rPr>
+                <a:t> (100) </a:t>
+              </a:r>
+              <a:r>
+                <a:rPr lang="en-GB" sz="1176" b="0" dirty="0">
+                  <a:solidFill>
+                    <a:srgbClr val="0101FD"/>
+                  </a:solidFill>
+                  <a:latin typeface="Segoe UI" panose="020B0502040204020203" pitchFamily="34" charset="0"/>
+                  <a:cs typeface="Segoe UI" panose="020B0502040204020203" pitchFamily="34" charset="0"/>
+                </a:rPr>
+                <a:t>COLLATE</a:t>
+              </a:r>
+              <a:r>
+                <a:rPr lang="en-GB" sz="1176" b="0" dirty="0">
+                  <a:solidFill>
+                    <a:srgbClr val="171717"/>
+                  </a:solidFill>
+                  <a:latin typeface="Segoe UI" panose="020B0502040204020203" pitchFamily="34" charset="0"/>
+                  <a:cs typeface="Segoe UI" panose="020B0502040204020203" pitchFamily="34" charset="0"/>
+                </a:rPr>
+                <a:t> Latin1_General_BIN2, </a:t>
+              </a:r>
+            </a:p>
+            <a:p>
+              <a:pPr lvl="1">
+                <a:spcAft>
+                  <a:spcPts val="196"/>
+                </a:spcAft>
+                <a:buClr>
+                  <a:srgbClr val="000000"/>
+                </a:buClr>
+              </a:pPr>
+              <a:r>
+                <a:rPr lang="en-GB" sz="1176" b="0" dirty="0">
+                  <a:solidFill>
+                    <a:srgbClr val="171717"/>
+                  </a:solidFill>
+                  <a:latin typeface="Segoe UI" panose="020B0502040204020203" pitchFamily="34" charset="0"/>
+                  <a:cs typeface="Segoe UI" panose="020B0502040204020203" pitchFamily="34" charset="0"/>
+                </a:rPr>
+                <a:t>[</a:t>
+              </a:r>
+              <a:r>
+                <a:rPr lang="en-GB" sz="1176" b="0" dirty="0">
+                  <a:solidFill>
+                    <a:srgbClr val="0101FD"/>
+                  </a:solidFill>
+                  <a:latin typeface="Segoe UI" panose="020B0502040204020203" pitchFamily="34" charset="0"/>
+                  <a:cs typeface="Segoe UI" panose="020B0502040204020203" pitchFamily="34" charset="0"/>
+                </a:rPr>
+                <a:t>year</a:t>
+              </a:r>
+              <a:r>
+                <a:rPr lang="en-GB" sz="1176" b="0" dirty="0">
+                  <a:solidFill>
+                    <a:srgbClr val="171717"/>
+                  </a:solidFill>
+                  <a:latin typeface="Segoe UI" panose="020B0502040204020203" pitchFamily="34" charset="0"/>
+                  <a:cs typeface="Segoe UI" panose="020B0502040204020203" pitchFamily="34" charset="0"/>
+                </a:rPr>
+                <a:t>] </a:t>
+              </a:r>
+              <a:r>
+                <a:rPr lang="en-GB" sz="1176" b="0" dirty="0">
+                  <a:solidFill>
+                    <a:srgbClr val="0101FD"/>
+                  </a:solidFill>
+                  <a:latin typeface="Segoe UI" panose="020B0502040204020203" pitchFamily="34" charset="0"/>
+                  <a:cs typeface="Segoe UI" panose="020B0502040204020203" pitchFamily="34" charset="0"/>
+                </a:rPr>
+                <a:t>smallint</a:t>
+              </a:r>
+              <a:r>
+                <a:rPr lang="en-GB" sz="1176" b="0" dirty="0">
+                  <a:solidFill>
+                    <a:srgbClr val="171717"/>
+                  </a:solidFill>
+                  <a:latin typeface="Segoe UI" panose="020B0502040204020203" pitchFamily="34" charset="0"/>
+                  <a:cs typeface="Segoe UI" panose="020B0502040204020203" pitchFamily="34" charset="0"/>
+                </a:rPr>
+                <a:t>, [population] </a:t>
+              </a:r>
+              <a:r>
+                <a:rPr lang="en-GB" sz="1176" b="0" dirty="0">
+                  <a:solidFill>
+                    <a:srgbClr val="0101FD"/>
+                  </a:solidFill>
+                  <a:latin typeface="Segoe UI" panose="020B0502040204020203" pitchFamily="34" charset="0"/>
+                  <a:cs typeface="Segoe UI" panose="020B0502040204020203" pitchFamily="34" charset="0"/>
+                </a:rPr>
+                <a:t>bigint</a:t>
+              </a:r>
+              <a:r>
+                <a:rPr lang="en-GB" sz="1176" b="0" dirty="0">
+                  <a:solidFill>
+                    <a:srgbClr val="171717"/>
+                  </a:solidFill>
+                  <a:latin typeface="Segoe UI" panose="020B0502040204020203" pitchFamily="34" charset="0"/>
+                  <a:cs typeface="Segoe UI" panose="020B0502040204020203" pitchFamily="34" charset="0"/>
+                </a:rPr>
+                <a:t> ) </a:t>
+              </a:r>
+            </a:p>
+            <a:p>
+              <a:pPr lvl="1">
+                <a:spcAft>
+                  <a:spcPts val="196"/>
+                </a:spcAft>
+                <a:buClr>
+                  <a:srgbClr val="000000"/>
+                </a:buClr>
+              </a:pPr>
+              <a:r>
+                <a:rPr lang="en-GB" sz="1176" b="0" dirty="0">
+                  <a:solidFill>
+                    <a:srgbClr val="0101FD"/>
+                  </a:solidFill>
+                  <a:latin typeface="Segoe UI" panose="020B0502040204020203" pitchFamily="34" charset="0"/>
+                  <a:cs typeface="Segoe UI" panose="020B0502040204020203" pitchFamily="34" charset="0"/>
+                </a:rPr>
+                <a:t>WITH</a:t>
+              </a:r>
+              <a:r>
+                <a:rPr lang="en-GB" sz="1176" b="0" dirty="0">
+                  <a:solidFill>
+                    <a:srgbClr val="171717"/>
+                  </a:solidFill>
+                  <a:latin typeface="Segoe UI" panose="020B0502040204020203" pitchFamily="34" charset="0"/>
+                  <a:cs typeface="Segoe UI" panose="020B0502040204020203" pitchFamily="34" charset="0"/>
+                </a:rPr>
+                <a:t> </a:t>
+              </a:r>
+            </a:p>
+            <a:p>
+              <a:pPr lvl="1">
+                <a:spcAft>
+                  <a:spcPts val="196"/>
+                </a:spcAft>
+                <a:buClr>
+                  <a:srgbClr val="000000"/>
+                </a:buClr>
+              </a:pPr>
+              <a:r>
+                <a:rPr lang="en-GB" sz="1176" b="0" dirty="0">
+                  <a:solidFill>
+                    <a:srgbClr val="171717"/>
+                  </a:solidFill>
+                  <a:latin typeface="Segoe UI" panose="020B0502040204020203" pitchFamily="34" charset="0"/>
+                  <a:cs typeface="Segoe UI" panose="020B0502040204020203" pitchFamily="34" charset="0"/>
+                </a:rPr>
+                <a:t>( LOCATION = </a:t>
+              </a:r>
+              <a:r>
+                <a:rPr lang="en-GB" sz="1176" b="0" dirty="0">
+                  <a:solidFill>
+                    <a:srgbClr val="A31515"/>
+                  </a:solidFill>
+                  <a:latin typeface="Segoe UI" panose="020B0502040204020203" pitchFamily="34" charset="0"/>
+                  <a:cs typeface="Segoe UI" panose="020B0502040204020203" pitchFamily="34" charset="0"/>
+                </a:rPr>
+                <a:t>'csv/population/population.csv’</a:t>
+              </a:r>
+              <a:r>
+                <a:rPr lang="en-GB" sz="1176" b="0" dirty="0">
+                  <a:solidFill>
+                    <a:srgbClr val="171717"/>
+                  </a:solidFill>
+                  <a:latin typeface="Segoe UI" panose="020B0502040204020203" pitchFamily="34" charset="0"/>
+                  <a:cs typeface="Segoe UI" panose="020B0502040204020203" pitchFamily="34" charset="0"/>
+                </a:rPr>
+                <a:t>, </a:t>
+              </a:r>
+            </a:p>
+            <a:p>
+              <a:pPr lvl="1">
+                <a:spcAft>
+                  <a:spcPts val="196"/>
+                </a:spcAft>
+                <a:buClr>
+                  <a:srgbClr val="000000"/>
+                </a:buClr>
+              </a:pPr>
+              <a:r>
+                <a:rPr lang="en-GB" sz="1176" b="0" dirty="0">
+                  <a:solidFill>
+                    <a:srgbClr val="171717"/>
+                  </a:solidFill>
+                  <a:latin typeface="Segoe UI" panose="020B0502040204020203" pitchFamily="34" charset="0"/>
+                  <a:cs typeface="Segoe UI" panose="020B0502040204020203" pitchFamily="34" charset="0"/>
+                </a:rPr>
+                <a:t>DATA_SOURCE = sqlondemanddemo, </a:t>
+              </a:r>
+            </a:p>
+            <a:p>
+              <a:pPr lvl="1">
+                <a:spcAft>
+                  <a:spcPts val="196"/>
+                </a:spcAft>
+                <a:buClr>
+                  <a:srgbClr val="000000"/>
+                </a:buClr>
+              </a:pPr>
+              <a:r>
+                <a:rPr lang="en-GB" sz="1176" b="0" dirty="0">
+                  <a:solidFill>
+                    <a:srgbClr val="171717"/>
+                  </a:solidFill>
+                  <a:latin typeface="Segoe UI" panose="020B0502040204020203" pitchFamily="34" charset="0"/>
+                  <a:cs typeface="Segoe UI" panose="020B0502040204020203" pitchFamily="34" charset="0"/>
+                </a:rPr>
+                <a:t>FILE_FORMAT = QuotedCSVWithHeaderFormat );</a:t>
+              </a:r>
+              <a:endParaRPr lang="en-GB" sz="1176" dirty="0">
+                <a:solidFill>
+                  <a:srgbClr val="000000"/>
+                </a:solidFill>
+                <a:latin typeface="Segoe UI" panose="020B0502040204020203" pitchFamily="34" charset="0"/>
+                <a:cs typeface="Segoe UI" panose="020B0502040204020203" pitchFamily="34" charset="0"/>
+              </a:endParaRPr>
+            </a:p>
+          </p:txBody>
+        </p:sp>
+      </p:grpSp>
+      <p:sp>
+        <p:nvSpPr>
+          <p:cNvPr id="32" name="TextBox 31">
+            <a:extLst>
+              <a:ext uri="{FF2B5EF4-FFF2-40B4-BE49-F238E27FC236}">
+                <a16:creationId xmlns:a16="http://schemas.microsoft.com/office/drawing/2014/main" id="{B7CB94DD-0739-4B4C-ABCD-BA1D66B1AF04}"/>
+              </a:ext>
+            </a:extLst>
+          </p:cNvPr>
+          <p:cNvSpPr txBox="1"/>
+          <p:nvPr/>
+        </p:nvSpPr>
+        <p:spPr>
+          <a:xfrm>
+            <a:off x="9100569" y="777412"/>
+            <a:ext cx="2848708" cy="923330"/>
+          </a:xfrm>
+          <a:prstGeom prst="rect">
+            <a:avLst/>
+          </a:prstGeom>
+          <a:noFill/>
+        </p:spPr>
+        <p:txBody>
+          <a:bodyPr wrap="square">
+            <a:spAutoFit/>
+          </a:bodyPr>
+          <a:lstStyle/>
+          <a:p>
+            <a:r>
+              <a:rPr lang="en-GB" dirty="0">
+                <a:latin typeface="IBM Plex Sans Medium" panose="020B0603050203000203" pitchFamily="34" charset="0"/>
+              </a:rPr>
+              <a:t>Create metadata objects in Azure Synapse serverless SQL pools</a:t>
+            </a:r>
+            <a:endParaRPr lang="en-US" dirty="0">
+              <a:latin typeface="IBM Plex Sans Medium" panose="020B0603050203000203" pitchFamily="34" charset="0"/>
+            </a:endParaRPr>
+          </a:p>
+        </p:txBody>
+      </p:sp>
+    </p:spTree>
+    <p:custDataLst>
+      <p:tags r:id="rId1"/>
+    </p:custDataLst>
+    <p:extLst>
+      <p:ext uri="{BB962C8B-B14F-4D97-AF65-F5344CB8AC3E}">
+        <p14:creationId xmlns:p14="http://schemas.microsoft.com/office/powerpoint/2010/main" val="631427525"/>
+      </p:ext>
+    </p:extLst>
+  </p:cSld>
+  <p:clrMapOvr>
+    <a:masterClrMapping/>
+  </p:clrMapOvr>
+  <p:timing>
+    <p:tnLst>
+      <p:par>
+        <p:cTn id="1" dur="indefinite" restart="never" nodeType="tmRoot">
+          <p:childTnLst>
+            <p:seq concurrent="1" nextAc="seek">
+              <p:cTn id="2" dur="indefinite" nodeType="mainSeq">
+                <p:childTnLst>
+                  <p:par>
+                    <p:cTn id="3" fill="hold">
+                      <p:stCondLst>
+                        <p:cond delay="indefinite"/>
+                      </p:stCondLst>
+                      <p:childTnLst>
+                        <p:par>
+                          <p:cTn id="4" fill="hold">
+                            <p:stCondLst>
+                              <p:cond delay="0"/>
+                            </p:stCondLst>
+                            <p:childTnLst>
+                              <p:par>
+                                <p:cTn id="5" presetID="2" presetClass="entr" presetSubtype="8" fill="hold" nodeType="clickEffect">
+                                  <p:stCondLst>
+                                    <p:cond delay="0"/>
+                                  </p:stCondLst>
+                                  <p:childTnLst>
+                                    <p:set>
+                                      <p:cBhvr>
+                                        <p:cTn id="6" dur="1" fill="hold">
+                                          <p:stCondLst>
+                                            <p:cond delay="0"/>
+                                          </p:stCondLst>
+                                        </p:cTn>
+                                        <p:tgtEl>
+                                          <p:spTgt spid="4"/>
+                                        </p:tgtEl>
+                                        <p:attrNameLst>
+                                          <p:attrName>style.visibility</p:attrName>
+                                        </p:attrNameLst>
+                                      </p:cBhvr>
+                                      <p:to>
+                                        <p:strVal val="visible"/>
+                                      </p:to>
+                                    </p:set>
+                                    <p:anim calcmode="lin" valueType="num">
+                                      <p:cBhvr additive="base">
+                                        <p:cTn id="7" dur="500" fill="hold"/>
+                                        <p:tgtEl>
+                                          <p:spTgt spid="4"/>
+                                        </p:tgtEl>
+                                        <p:attrNameLst>
+                                          <p:attrName>ppt_x</p:attrName>
+                                        </p:attrNameLst>
+                                      </p:cBhvr>
+                                      <p:tavLst>
+                                        <p:tav tm="0">
+                                          <p:val>
+                                            <p:strVal val="0-#ppt_w/2"/>
+                                          </p:val>
+                                        </p:tav>
+                                        <p:tav tm="100000">
+                                          <p:val>
+                                            <p:strVal val="#ppt_x"/>
+                                          </p:val>
+                                        </p:tav>
+                                      </p:tavLst>
+                                    </p:anim>
+                                    <p:anim calcmode="lin" valueType="num">
+                                      <p:cBhvr additive="base">
+                                        <p:cTn id="8" dur="500" fill="hold"/>
+                                        <p:tgtEl>
+                                          <p:spTgt spid="4"/>
+                                        </p:tgtEl>
+                                        <p:attrNameLst>
+                                          <p:attrName>ppt_y</p:attrName>
+                                        </p:attrNameLst>
+                                      </p:cBhvr>
+                                      <p:tavLst>
+                                        <p:tav tm="0">
+                                          <p:val>
+                                            <p:strVal val="#ppt_y"/>
+                                          </p:val>
+                                        </p:tav>
+                                        <p:tav tm="100000">
+                                          <p:val>
+                                            <p:strVal val="#ppt_y"/>
+                                          </p:val>
+                                        </p:tav>
+                                      </p:tavLst>
+                                    </p:anim>
+                                  </p:childTnLst>
+                                </p:cTn>
+                              </p:par>
+                            </p:childTnLst>
+                          </p:cTn>
+                        </p:par>
+                      </p:childTnLst>
+                    </p:cTn>
+                  </p:par>
+                  <p:par>
+                    <p:cTn id="9" fill="hold">
+                      <p:stCondLst>
+                        <p:cond delay="indefinite"/>
+                      </p:stCondLst>
+                      <p:childTnLst>
+                        <p:par>
+                          <p:cTn id="10" fill="hold">
+                            <p:stCondLst>
+                              <p:cond delay="0"/>
+                            </p:stCondLst>
+                            <p:childTnLst>
+                              <p:par>
+                                <p:cTn id="11" presetID="2" presetClass="entr" presetSubtype="8" fill="hold" nodeType="clickEffect">
+                                  <p:stCondLst>
+                                    <p:cond delay="0"/>
+                                  </p:stCondLst>
+                                  <p:childTnLst>
+                                    <p:set>
+                                      <p:cBhvr>
+                                        <p:cTn id="12" dur="1" fill="hold">
+                                          <p:stCondLst>
+                                            <p:cond delay="0"/>
+                                          </p:stCondLst>
+                                        </p:cTn>
+                                        <p:tgtEl>
+                                          <p:spTgt spid="5"/>
+                                        </p:tgtEl>
+                                        <p:attrNameLst>
+                                          <p:attrName>style.visibility</p:attrName>
+                                        </p:attrNameLst>
+                                      </p:cBhvr>
+                                      <p:to>
+                                        <p:strVal val="visible"/>
+                                      </p:to>
+                                    </p:set>
+                                    <p:anim calcmode="lin" valueType="num">
+                                      <p:cBhvr additive="base">
+                                        <p:cTn id="13" dur="500" fill="hold"/>
+                                        <p:tgtEl>
+                                          <p:spTgt spid="5"/>
+                                        </p:tgtEl>
+                                        <p:attrNameLst>
+                                          <p:attrName>ppt_x</p:attrName>
+                                        </p:attrNameLst>
+                                      </p:cBhvr>
+                                      <p:tavLst>
+                                        <p:tav tm="0">
+                                          <p:val>
+                                            <p:strVal val="0-#ppt_w/2"/>
+                                          </p:val>
+                                        </p:tav>
+                                        <p:tav tm="100000">
+                                          <p:val>
+                                            <p:strVal val="#ppt_x"/>
+                                          </p:val>
+                                        </p:tav>
+                                      </p:tavLst>
+                                    </p:anim>
+                                    <p:anim calcmode="lin" valueType="num">
+                                      <p:cBhvr additive="base">
+                                        <p:cTn id="14" dur="500" fill="hold"/>
+                                        <p:tgtEl>
+                                          <p:spTgt spid="5"/>
+                                        </p:tgtEl>
+                                        <p:attrNameLst>
+                                          <p:attrName>ppt_y</p:attrName>
+                                        </p:attrNameLst>
+                                      </p:cBhvr>
+                                      <p:tavLst>
+                                        <p:tav tm="0">
+                                          <p:val>
+                                            <p:strVal val="#ppt_y"/>
+                                          </p:val>
+                                        </p:tav>
+                                        <p:tav tm="100000">
+                                          <p:val>
+                                            <p:strVal val="#ppt_y"/>
+                                          </p:val>
+                                        </p:tav>
+                                      </p:tavLst>
+                                    </p:anim>
+                                  </p:childTnLst>
+                                </p:cTn>
+                              </p:par>
+                            </p:childTnLst>
+                          </p:cTn>
+                        </p:par>
+                      </p:childTnLst>
+                    </p:cTn>
+                  </p:par>
+                  <p:par>
+                    <p:cTn id="15" fill="hold">
+                      <p:stCondLst>
+                        <p:cond delay="indefinite"/>
+                      </p:stCondLst>
+                      <p:childTnLst>
+                        <p:par>
+                          <p:cTn id="16" fill="hold">
+                            <p:stCondLst>
+                              <p:cond delay="0"/>
+                            </p:stCondLst>
+                            <p:childTnLst>
+                              <p:par>
+                                <p:cTn id="17" presetID="2" presetClass="entr" presetSubtype="8" fill="hold" nodeType="clickEffect">
+                                  <p:stCondLst>
+                                    <p:cond delay="0"/>
+                                  </p:stCondLst>
+                                  <p:childTnLst>
+                                    <p:set>
+                                      <p:cBhvr>
+                                        <p:cTn id="18" dur="1" fill="hold">
+                                          <p:stCondLst>
+                                            <p:cond delay="0"/>
+                                          </p:stCondLst>
+                                        </p:cTn>
+                                        <p:tgtEl>
+                                          <p:spTgt spid="6"/>
+                                        </p:tgtEl>
+                                        <p:attrNameLst>
+                                          <p:attrName>style.visibility</p:attrName>
+                                        </p:attrNameLst>
+                                      </p:cBhvr>
+                                      <p:to>
+                                        <p:strVal val="visible"/>
+                                      </p:to>
+                                    </p:set>
+                                    <p:anim calcmode="lin" valueType="num">
+                                      <p:cBhvr additive="base">
+                                        <p:cTn id="19" dur="500" fill="hold"/>
+                                        <p:tgtEl>
+                                          <p:spTgt spid="6"/>
+                                        </p:tgtEl>
+                                        <p:attrNameLst>
+                                          <p:attrName>ppt_x</p:attrName>
+                                        </p:attrNameLst>
+                                      </p:cBhvr>
+                                      <p:tavLst>
+                                        <p:tav tm="0">
+                                          <p:val>
+                                            <p:strVal val="0-#ppt_w/2"/>
+                                          </p:val>
+                                        </p:tav>
+                                        <p:tav tm="100000">
+                                          <p:val>
+                                            <p:strVal val="#ppt_x"/>
+                                          </p:val>
+                                        </p:tav>
+                                      </p:tavLst>
+                                    </p:anim>
+                                    <p:anim calcmode="lin" valueType="num">
+                                      <p:cBhvr additive="base">
+                                        <p:cTn id="20" dur="500" fill="hold"/>
+                                        <p:tgtEl>
+                                          <p:spTgt spid="6"/>
+                                        </p:tgtEl>
+                                        <p:attrNameLst>
+                                          <p:attrName>ppt_y</p:attrName>
+                                        </p:attrNameLst>
+                                      </p:cBhvr>
+                                      <p:tavLst>
+                                        <p:tav tm="0">
+                                          <p:val>
+                                            <p:strVal val="#ppt_y"/>
+                                          </p:val>
+                                        </p:tav>
+                                        <p:tav tm="100000">
+                                          <p:val>
+                                            <p:strVal val="#ppt_y"/>
+                                          </p:val>
+                                        </p:tav>
+                                      </p:tavLst>
+                                    </p:anim>
+                                  </p:childTnLst>
+                                </p:cTn>
+                              </p:par>
+                            </p:childTnLst>
+                          </p:cTn>
+                        </p:par>
+                      </p:childTnLst>
+                    </p:cTn>
+                  </p:par>
+                  <p:par>
+                    <p:cTn id="21" fill="hold">
+                      <p:stCondLst>
+                        <p:cond delay="indefinite"/>
+                      </p:stCondLst>
+                      <p:childTnLst>
+                        <p:par>
+                          <p:cTn id="22" fill="hold">
+                            <p:stCondLst>
+                              <p:cond delay="0"/>
+                            </p:stCondLst>
+                            <p:childTnLst>
+                              <p:par>
+                                <p:cTn id="23" presetID="2" presetClass="entr" presetSubtype="8" fill="hold" nodeType="clickEffect">
+                                  <p:stCondLst>
+                                    <p:cond delay="0"/>
+                                  </p:stCondLst>
+                                  <p:childTnLst>
+                                    <p:set>
+                                      <p:cBhvr>
+                                        <p:cTn id="24" dur="1" fill="hold">
+                                          <p:stCondLst>
+                                            <p:cond delay="0"/>
+                                          </p:stCondLst>
+                                        </p:cTn>
+                                        <p:tgtEl>
+                                          <p:spTgt spid="9"/>
+                                        </p:tgtEl>
+                                        <p:attrNameLst>
+                                          <p:attrName>style.visibility</p:attrName>
+                                        </p:attrNameLst>
+                                      </p:cBhvr>
+                                      <p:to>
+                                        <p:strVal val="visible"/>
+                                      </p:to>
+                                    </p:set>
+                                    <p:anim calcmode="lin" valueType="num">
+                                      <p:cBhvr additive="base">
+                                        <p:cTn id="25" dur="500" fill="hold"/>
+                                        <p:tgtEl>
+                                          <p:spTgt spid="9"/>
+                                        </p:tgtEl>
+                                        <p:attrNameLst>
+                                          <p:attrName>ppt_x</p:attrName>
+                                        </p:attrNameLst>
+                                      </p:cBhvr>
+                                      <p:tavLst>
+                                        <p:tav tm="0">
+                                          <p:val>
+                                            <p:strVal val="0-#ppt_w/2"/>
+                                          </p:val>
+                                        </p:tav>
+                                        <p:tav tm="100000">
+                                          <p:val>
+                                            <p:strVal val="#ppt_x"/>
+                                          </p:val>
+                                        </p:tav>
+                                      </p:tavLst>
+                                    </p:anim>
+                                    <p:anim calcmode="lin" valueType="num">
+                                      <p:cBhvr additive="base">
+                                        <p:cTn id="26" dur="500" fill="hold"/>
+                                        <p:tgtEl>
+                                          <p:spTgt spid="9"/>
+                                        </p:tgtEl>
+                                        <p:attrNameLst>
+                                          <p:attrName>ppt_y</p:attrName>
+                                        </p:attrNameLst>
+                                      </p:cBhvr>
+                                      <p:tavLst>
+                                        <p:tav tm="0">
+                                          <p:val>
+                                            <p:strVal val="#ppt_y"/>
+                                          </p:val>
+                                        </p:tav>
+                                        <p:tav tm="100000">
+                                          <p:val>
+                                            <p:strVal val="#ppt_y"/>
+                                          </p:val>
+                                        </p:tav>
+                                      </p:tavLst>
+                                    </p:anim>
+                                  </p:childTnLst>
+                                </p:cTn>
+                              </p:par>
+                            </p:childTnLst>
+                          </p:cTn>
+                        </p:par>
+                      </p:childTnLst>
+                    </p:cTn>
+                  </p:par>
+                  <p:par>
+                    <p:cTn id="27" fill="hold">
+                      <p:stCondLst>
+                        <p:cond delay="indefinite"/>
+                      </p:stCondLst>
+                      <p:childTnLst>
+                        <p:par>
+                          <p:cTn id="28" fill="hold">
+                            <p:stCondLst>
+                              <p:cond delay="0"/>
+                            </p:stCondLst>
+                            <p:childTnLst>
+                              <p:par>
+                                <p:cTn id="29" presetID="2" presetClass="entr" presetSubtype="8" fill="hold" nodeType="clickEffect">
+                                  <p:stCondLst>
+                                    <p:cond delay="0"/>
+                                  </p:stCondLst>
+                                  <p:childTnLst>
+                                    <p:set>
+                                      <p:cBhvr>
+                                        <p:cTn id="30" dur="1" fill="hold">
+                                          <p:stCondLst>
+                                            <p:cond delay="0"/>
+                                          </p:stCondLst>
+                                        </p:cTn>
+                                        <p:tgtEl>
+                                          <p:spTgt spid="10"/>
+                                        </p:tgtEl>
+                                        <p:attrNameLst>
+                                          <p:attrName>style.visibility</p:attrName>
+                                        </p:attrNameLst>
+                                      </p:cBhvr>
+                                      <p:to>
+                                        <p:strVal val="visible"/>
+                                      </p:to>
+                                    </p:set>
+                                    <p:anim calcmode="lin" valueType="num">
+                                      <p:cBhvr additive="base">
+                                        <p:cTn id="31" dur="500" fill="hold"/>
+                                        <p:tgtEl>
+                                          <p:spTgt spid="10"/>
+                                        </p:tgtEl>
+                                        <p:attrNameLst>
+                                          <p:attrName>ppt_x</p:attrName>
+                                        </p:attrNameLst>
+                                      </p:cBhvr>
+                                      <p:tavLst>
+                                        <p:tav tm="0">
+                                          <p:val>
+                                            <p:strVal val="0-#ppt_w/2"/>
+                                          </p:val>
+                                        </p:tav>
+                                        <p:tav tm="100000">
+                                          <p:val>
+                                            <p:strVal val="#ppt_x"/>
+                                          </p:val>
+                                        </p:tav>
+                                      </p:tavLst>
+                                    </p:anim>
+                                    <p:anim calcmode="lin" valueType="num">
+                                      <p:cBhvr additive="base">
+                                        <p:cTn id="32" dur="500" fill="hold"/>
+                                        <p:tgtEl>
+                                          <p:spTgt spid="10"/>
+                                        </p:tgtEl>
+                                        <p:attrNameLst>
+                                          <p:attrName>ppt_y</p:attrName>
+                                        </p:attrNameLst>
+                                      </p:cBhvr>
+                                      <p:tavLst>
+                                        <p:tav tm="0">
+                                          <p:val>
+                                            <p:strVal val="#ppt_y"/>
+                                          </p:val>
+                                        </p:tav>
+                                        <p:tav tm="100000">
+                                          <p:val>
+                                            <p:strVal val="#ppt_y"/>
+                                          </p:val>
+                                        </p:tav>
+                                      </p:tavLst>
+                                    </p:anim>
+                                  </p:childTnLst>
+                                </p:cTn>
+                              </p:par>
+                            </p:childTnLst>
+                          </p:cTn>
+                        </p:par>
+                      </p:childTnLst>
+                    </p:cTn>
+                  </p:par>
+                </p:childTnLst>
+              </p:cTn>
+              <p:prevCondLst>
+                <p:cond evt="onPrev" delay="0">
+                  <p:tgtEl>
+                    <p:sldTgt/>
+                  </p:tgtEl>
+                </p:cond>
+              </p:prevCondLst>
+              <p:nextCondLst>
+                <p:cond evt="onNext" delay="0">
+                  <p:tgtEl>
+                    <p:sldTgt/>
+                  </p:tgtEl>
+                </p:cond>
+              </p:nextCondLst>
+            </p:seq>
+          </p:childTnLst>
+        </p:cTn>
+      </p:par>
+    </p:tnLst>
+  </p:timing>
+</p:sld>
+</file>
+
+<file path=ppt/slides/slide12.xml><?xml version="1.0" encoding="utf-8"?>
+<p:sld xmlns:a="http://schemas.openxmlformats.org/drawingml/2006/main" xmlns:r="http://schemas.openxmlformats.org/officeDocument/2006/relationships" xmlns:p="http://schemas.openxmlformats.org/presentationml/2006/main">
+  <p:cSld>
+    <p:spTree>
+      <p:nvGrpSpPr>
+        <p:cNvPr id="1" name=""/>
+        <p:cNvGrpSpPr/>
+        <p:nvPr/>
+      </p:nvGrpSpPr>
+      <p:grpSpPr>
+        <a:xfrm>
+          <a:off x="0" y="0"/>
+          <a:ext cx="0" cy="0"/>
+          <a:chOff x="0" y="0"/>
+          <a:chExt cx="0" cy="0"/>
+        </a:xfrm>
+      </p:grpSpPr>
+      <p:sp>
+        <p:nvSpPr>
+          <p:cNvPr id="6" name="Text Placeholder 5">
+            <a:extLst>
+              <a:ext uri="{FF2B5EF4-FFF2-40B4-BE49-F238E27FC236}">
+                <a16:creationId xmlns:a16="http://schemas.microsoft.com/office/drawing/2014/main" id="{D2D209E3-1837-4C18-AED9-45330F063EC5}"/>
+              </a:ext>
+            </a:extLst>
+          </p:cNvPr>
+          <p:cNvSpPr>
+            <a:spLocks noGrp="1"/>
+          </p:cNvSpPr>
+          <p:nvPr>
+            <p:ph type="body" sz="quarter" idx="10"/>
+          </p:nvPr>
+        </p:nvSpPr>
+        <p:spPr>
+          <a:xfrm>
+            <a:off x="3280756" y="309563"/>
+            <a:ext cx="2377094" cy="2600325"/>
+          </a:xfrm>
+        </p:spPr>
+        <p:txBody>
+          <a:bodyPr/>
+          <a:lstStyle/>
+          <a:p>
+            <a:r>
+              <a:rPr lang="en-US" dirty="0"/>
+              <a:t>3</a:t>
+            </a:r>
+          </a:p>
+        </p:txBody>
+      </p:sp>
+      <p:sp>
+        <p:nvSpPr>
+          <p:cNvPr id="2" name="Title 1">
+            <a:extLst>
+              <a:ext uri="{FF2B5EF4-FFF2-40B4-BE49-F238E27FC236}">
+                <a16:creationId xmlns:a16="http://schemas.microsoft.com/office/drawing/2014/main" id="{21A99087-F939-4EAF-AD38-211701C7799F}"/>
+              </a:ext>
+            </a:extLst>
+          </p:cNvPr>
+          <p:cNvSpPr>
+            <a:spLocks noGrp="1"/>
+          </p:cNvSpPr>
+          <p:nvPr>
+            <p:ph type="ctrTitle"/>
+          </p:nvPr>
+        </p:nvSpPr>
+        <p:spPr>
+          <a:xfrm>
+            <a:off x="1320131" y="1628588"/>
+            <a:ext cx="3921249" cy="3439389"/>
+          </a:xfrm>
+        </p:spPr>
+        <p:txBody>
+          <a:bodyPr/>
+          <a:lstStyle/>
+          <a:p>
+            <a:r>
+              <a:rPr lang="en-GB" dirty="0"/>
+              <a:t>Securing access to data through using SQL serverless in Azure Synapse Analytics</a:t>
+            </a:r>
+            <a:endParaRPr lang="en-US" dirty="0"/>
+          </a:p>
+        </p:txBody>
+      </p:sp>
+    </p:spTree>
+    <p:extLst>
+      <p:ext uri="{BB962C8B-B14F-4D97-AF65-F5344CB8AC3E}">
+        <p14:creationId xmlns:p14="http://schemas.microsoft.com/office/powerpoint/2010/main" val="232016569"/>
+      </p:ext>
+    </p:extLst>
+  </p:cSld>
+  <p:clrMapOvr>
+    <a:masterClrMapping/>
+  </p:clrMapOvr>
+</p:sld>
+</file>
+
+<file path=ppt/slides/slide13.xml><?xml version="1.0" encoding="utf-8"?>
 <p:sld xmlns:a="http://schemas.openxmlformats.org/drawingml/2006/main" xmlns:r="http://schemas.openxmlformats.org/officeDocument/2006/relationships" xmlns:p="http://schemas.openxmlformats.org/presentationml/2006/main">
   <p:cSld>
     <p:spTree>
@@ -21949,7 +25751,7 @@
                 <a:tabLst/>
                 <a:defRPr/>
               </a:pPr>
-              <a:t>10</a:t>
+              <a:t>13</a:t>
             </a:fld>
             <a:endParaRPr kumimoji="0" lang="en-US" sz="900" b="1" i="0" u="none" strike="noStrike" kern="1200" cap="none" spc="0" normalizeH="0" baseline="0" noProof="0" dirty="0">
               <a:ln>
@@ -21984,7 +25786,7 @@
 </p:sld>
 </file>
 
-<file path=ppt/slides/slide11.xml><?xml version="1.0" encoding="utf-8"?>
+<file path=ppt/slides/slide14.xml><?xml version="1.0" encoding="utf-8"?>
 <p:sld xmlns:a="http://schemas.openxmlformats.org/drawingml/2006/main" xmlns:r="http://schemas.openxmlformats.org/officeDocument/2006/relationships" xmlns:p="http://schemas.openxmlformats.org/presentationml/2006/main">
   <p:cSld>
     <p:spTree>
@@ -22030,8 +25832,12 @@
           <a:lstStyle/>
           <a:p>
             <a:r>
+              <a:rPr lang="en-US" dirty="0"/>
+              <a:t>LAB 2 </a:t>
+            </a:r>
+            <a:r>
               <a:rPr lang="en-US"/>
-              <a:t>LAB 4: </a:t>
+              <a:t>(Env 2): </a:t>
             </a:r>
             <a:r>
               <a:rPr lang="en-US" dirty="0"/>
@@ -22368,6 +26174,1052 @@
 
 <file path=ppt/slides/slide4.xml><?xml version="1.0" encoding="utf-8"?>
 <p:sld xmlns:a="http://schemas.openxmlformats.org/drawingml/2006/main" xmlns:r="http://schemas.openxmlformats.org/officeDocument/2006/relationships" xmlns:p="http://schemas.openxmlformats.org/presentationml/2006/main">
+  <p:cSld>
+    <p:spTree>
+      <p:nvGrpSpPr>
+        <p:cNvPr id="1" name=""/>
+        <p:cNvGrpSpPr/>
+        <p:nvPr/>
+      </p:nvGrpSpPr>
+      <p:grpSpPr>
+        <a:xfrm>
+          <a:off x="0" y="0"/>
+          <a:ext cx="0" cy="0"/>
+          <a:chOff x="0" y="0"/>
+          <a:chExt cx="0" cy="0"/>
+        </a:xfrm>
+      </p:grpSpPr>
+      <p:sp>
+        <p:nvSpPr>
+          <p:cNvPr id="39" name="Title 1"/>
+          <p:cNvSpPr>
+            <a:spLocks noGrp="1"/>
+          </p:cNvSpPr>
+          <p:nvPr>
+            <p:ph type="title" idx="4294967295"/>
+          </p:nvPr>
+        </p:nvSpPr>
+        <p:spPr>
+          <a:xfrm>
+            <a:off x="176980" y="-27699"/>
+            <a:ext cx="9418638" cy="1325562"/>
+          </a:xfrm>
+        </p:spPr>
+        <p:txBody>
+          <a:bodyPr/>
+          <a:lstStyle/>
+          <a:p>
+            <a:r>
+              <a:rPr lang="en-GB" b="0" dirty="0">
+                <a:latin typeface="IBM Plex Sans Medium" panose="020B0603050203000203" pitchFamily="34" charset="0"/>
+                <a:ea typeface="+mn-ea"/>
+                <a:cs typeface="+mn-cs"/>
+              </a:rPr>
+              <a:t>Synapse serverless SQL pools</a:t>
+            </a:r>
+            <a:endParaRPr lang="en-US" dirty="0">
+              <a:latin typeface="IBM Plex Sans Medium" panose="020B0603050203000203" pitchFamily="34" charset="0"/>
+            </a:endParaRPr>
+          </a:p>
+        </p:txBody>
+      </p:sp>
+      <p:sp>
+        <p:nvSpPr>
+          <p:cNvPr id="97" name="Text Placeholder 4"/>
+          <p:cNvSpPr txBox="1">
+            <a:spLocks/>
+          </p:cNvSpPr>
+          <p:nvPr/>
+        </p:nvSpPr>
+        <p:spPr>
+          <a:xfrm>
+            <a:off x="418644" y="1410318"/>
+            <a:ext cx="7450471" cy="1086195"/>
+          </a:xfrm>
+          <a:prstGeom prst="rect">
+            <a:avLst/>
+          </a:prstGeom>
+        </p:spPr>
+        <p:txBody>
+          <a:bodyPr vert="horz" wrap="square" lIns="0" tIns="0" rIns="0" bIns="0" rtlCol="0" anchor="t">
+            <a:spAutoFit/>
+          </a:bodyPr>
+          <a:lstStyle>
+            <a:lvl1pPr marL="0" marR="0" indent="0" algn="l" defTabSz="932742" rtl="0" eaLnBrk="1" fontAlgn="auto" latinLnBrk="0" hangingPunct="1">
+              <a:lnSpc>
+                <a:spcPct val="90000"/>
+              </a:lnSpc>
+              <a:spcBef>
+                <a:spcPct val="20000"/>
+              </a:spcBef>
+              <a:spcAft>
+                <a:spcPts val="0"/>
+              </a:spcAft>
+              <a:buClrTx/>
+              <a:buSzPct val="90000"/>
+              <a:buFont typeface="Arial" pitchFamily="34" charset="0"/>
+              <a:buNone/>
+              <a:tabLst/>
+              <a:defRPr sz="2800" kern="1200" spc="0" baseline="0">
+                <a:solidFill>
+                  <a:schemeClr val="tx1"/>
+                </a:solidFill>
+                <a:latin typeface="+mj-lt"/>
+                <a:ea typeface="+mn-ea"/>
+                <a:cs typeface="+mn-cs"/>
+              </a:defRPr>
+            </a:lvl1pPr>
+            <a:lvl2pPr marL="0" marR="0" indent="0" algn="l" defTabSz="932742" rtl="0" eaLnBrk="1" fontAlgn="auto" latinLnBrk="0" hangingPunct="1">
+              <a:lnSpc>
+                <a:spcPct val="90000"/>
+              </a:lnSpc>
+              <a:spcBef>
+                <a:spcPct val="20000"/>
+              </a:spcBef>
+              <a:spcAft>
+                <a:spcPts val="0"/>
+              </a:spcAft>
+              <a:buClrTx/>
+              <a:buSzPct val="90000"/>
+              <a:buFontTx/>
+              <a:buNone/>
+              <a:tabLst/>
+              <a:defRPr sz="2000" kern="1200" spc="0" baseline="0">
+                <a:gradFill>
+                  <a:gsLst>
+                    <a:gs pos="1250">
+                      <a:schemeClr val="tx1"/>
+                    </a:gs>
+                    <a:gs pos="100000">
+                      <a:schemeClr val="tx1"/>
+                    </a:gs>
+                  </a:gsLst>
+                  <a:lin ang="5400000" scaled="0"/>
+                </a:gradFill>
+                <a:latin typeface="+mn-lt"/>
+                <a:ea typeface="+mn-ea"/>
+                <a:cs typeface="+mn-cs"/>
+              </a:defRPr>
+            </a:lvl2pPr>
+            <a:lvl3pPr marL="228600" marR="0" indent="0" algn="l" defTabSz="932742" rtl="0" eaLnBrk="1" fontAlgn="auto" latinLnBrk="0" hangingPunct="1">
+              <a:lnSpc>
+                <a:spcPct val="90000"/>
+              </a:lnSpc>
+              <a:spcBef>
+                <a:spcPct val="20000"/>
+              </a:spcBef>
+              <a:spcAft>
+                <a:spcPts val="0"/>
+              </a:spcAft>
+              <a:buClrTx/>
+              <a:buSzPct val="90000"/>
+              <a:buFont typeface="Arial" pitchFamily="34" charset="0"/>
+              <a:buNone/>
+              <a:tabLst/>
+              <a:defRPr sz="1600" kern="1200" spc="0" baseline="0">
+                <a:gradFill>
+                  <a:gsLst>
+                    <a:gs pos="1250">
+                      <a:schemeClr val="tx1"/>
+                    </a:gs>
+                    <a:gs pos="100000">
+                      <a:schemeClr val="tx1"/>
+                    </a:gs>
+                  </a:gsLst>
+                  <a:lin ang="5400000" scaled="0"/>
+                </a:gradFill>
+                <a:latin typeface="+mn-lt"/>
+                <a:ea typeface="+mn-ea"/>
+                <a:cs typeface="+mn-cs"/>
+              </a:defRPr>
+            </a:lvl3pPr>
+            <a:lvl4pPr marL="457200" marR="0" indent="0" algn="l" defTabSz="932742" rtl="0" eaLnBrk="1" fontAlgn="auto" latinLnBrk="0" hangingPunct="1">
+              <a:lnSpc>
+                <a:spcPct val="90000"/>
+              </a:lnSpc>
+              <a:spcBef>
+                <a:spcPct val="20000"/>
+              </a:spcBef>
+              <a:spcAft>
+                <a:spcPts val="0"/>
+              </a:spcAft>
+              <a:buClrTx/>
+              <a:buSzPct val="90000"/>
+              <a:buFont typeface="Arial" pitchFamily="34" charset="0"/>
+              <a:buNone/>
+              <a:tabLst/>
+              <a:defRPr sz="1600" kern="1200" spc="0" baseline="0">
+                <a:gradFill>
+                  <a:gsLst>
+                    <a:gs pos="1250">
+                      <a:schemeClr val="tx1"/>
+                    </a:gs>
+                    <a:gs pos="100000">
+                      <a:schemeClr val="tx1"/>
+                    </a:gs>
+                  </a:gsLst>
+                  <a:lin ang="5400000" scaled="0"/>
+                </a:gradFill>
+                <a:latin typeface="+mn-lt"/>
+                <a:ea typeface="+mn-ea"/>
+                <a:cs typeface="+mn-cs"/>
+              </a:defRPr>
+            </a:lvl4pPr>
+            <a:lvl5pPr marL="685800" marR="0" indent="0" algn="l" defTabSz="932742" rtl="0" eaLnBrk="1" fontAlgn="auto" latinLnBrk="0" hangingPunct="1">
+              <a:lnSpc>
+                <a:spcPct val="90000"/>
+              </a:lnSpc>
+              <a:spcBef>
+                <a:spcPct val="20000"/>
+              </a:spcBef>
+              <a:spcAft>
+                <a:spcPts val="0"/>
+              </a:spcAft>
+              <a:buClrTx/>
+              <a:buSzPct val="90000"/>
+              <a:buFont typeface="Arial" pitchFamily="34" charset="0"/>
+              <a:buNone/>
+              <a:tabLst/>
+              <a:defRPr sz="1600" kern="1200" spc="0" baseline="0">
+                <a:gradFill>
+                  <a:gsLst>
+                    <a:gs pos="1250">
+                      <a:schemeClr val="tx1"/>
+                    </a:gs>
+                    <a:gs pos="100000">
+                      <a:schemeClr val="tx1"/>
+                    </a:gs>
+                  </a:gsLst>
+                  <a:lin ang="5400000" scaled="0"/>
+                </a:gradFill>
+                <a:latin typeface="+mn-lt"/>
+                <a:ea typeface="+mn-ea"/>
+                <a:cs typeface="+mn-cs"/>
+              </a:defRPr>
+            </a:lvl5pPr>
+            <a:lvl6pPr marL="2565040" indent="-233186" algn="l" defTabSz="932742" rtl="0" eaLnBrk="1" latinLnBrk="0" hangingPunct="1">
+              <a:spcBef>
+                <a:spcPct val="20000"/>
+              </a:spcBef>
+              <a:buFont typeface="Arial" pitchFamily="34" charset="0"/>
+              <a:buChar char="•"/>
+              <a:defRPr sz="2000" kern="1200">
+                <a:solidFill>
+                  <a:schemeClr val="tx1"/>
+                </a:solidFill>
+                <a:latin typeface="+mn-lt"/>
+                <a:ea typeface="+mn-ea"/>
+                <a:cs typeface="+mn-cs"/>
+              </a:defRPr>
+            </a:lvl6pPr>
+            <a:lvl7pPr marL="3031412" indent="-233186" algn="l" defTabSz="932742" rtl="0" eaLnBrk="1" latinLnBrk="0" hangingPunct="1">
+              <a:spcBef>
+                <a:spcPct val="20000"/>
+              </a:spcBef>
+              <a:buFont typeface="Arial" pitchFamily="34" charset="0"/>
+              <a:buChar char="•"/>
+              <a:defRPr sz="2000" kern="1200">
+                <a:solidFill>
+                  <a:schemeClr val="tx1"/>
+                </a:solidFill>
+                <a:latin typeface="+mn-lt"/>
+                <a:ea typeface="+mn-ea"/>
+                <a:cs typeface="+mn-cs"/>
+              </a:defRPr>
+            </a:lvl7pPr>
+            <a:lvl8pPr marL="3497783" indent="-233186" algn="l" defTabSz="932742" rtl="0" eaLnBrk="1" latinLnBrk="0" hangingPunct="1">
+              <a:spcBef>
+                <a:spcPct val="20000"/>
+              </a:spcBef>
+              <a:buFont typeface="Arial" pitchFamily="34" charset="0"/>
+              <a:buChar char="•"/>
+              <a:defRPr sz="2000" kern="1200">
+                <a:solidFill>
+                  <a:schemeClr val="tx1"/>
+                </a:solidFill>
+                <a:latin typeface="+mn-lt"/>
+                <a:ea typeface="+mn-ea"/>
+                <a:cs typeface="+mn-cs"/>
+              </a:defRPr>
+            </a:lvl8pPr>
+            <a:lvl9pPr marL="3964155" indent="-233186" algn="l" defTabSz="932742" rtl="0" eaLnBrk="1" latinLnBrk="0" hangingPunct="1">
+              <a:spcBef>
+                <a:spcPct val="20000"/>
+              </a:spcBef>
+              <a:buFont typeface="Arial" pitchFamily="34" charset="0"/>
+              <a:buChar char="•"/>
+              <a:defRPr sz="2000" kern="1200">
+                <a:solidFill>
+                  <a:schemeClr val="tx1"/>
+                </a:solidFill>
+                <a:latin typeface="+mn-lt"/>
+                <a:ea typeface="+mn-ea"/>
+                <a:cs typeface="+mn-cs"/>
+              </a:defRPr>
+            </a:lvl9pPr>
+          </a:lstStyle>
+          <a:p>
+            <a:pPr defTabSz="896386">
+              <a:defRPr/>
+            </a:pPr>
+            <a:r>
+              <a:rPr lang="en-GB" sz="1961" b="0" dirty="0">
+                <a:solidFill>
+                  <a:srgbClr val="000000"/>
+                </a:solidFill>
+                <a:latin typeface="Segoe UI"/>
+                <a:cs typeface="Segoe UI"/>
+              </a:rPr>
+              <a:t>Every Azure Synapse Analytics workspace comes with serverless SQL pool endpoints so you can start querying data in seconds to minutes in a data lake as soon as the workspace is created. There's no infrastructure to setup or clusters to maintain.</a:t>
+            </a:r>
+            <a:endParaRPr lang="en-US" sz="1961" b="0" dirty="0">
+              <a:solidFill>
+                <a:srgbClr val="000000"/>
+              </a:solidFill>
+              <a:latin typeface="Segoe UI"/>
+              <a:cs typeface="Segoe UI"/>
+            </a:endParaRPr>
+          </a:p>
+        </p:txBody>
+      </p:sp>
+      <p:grpSp>
+        <p:nvGrpSpPr>
+          <p:cNvPr id="4" name="Group 3">
+            <a:extLst>
+              <a:ext uri="{FF2B5EF4-FFF2-40B4-BE49-F238E27FC236}">
+                <a16:creationId xmlns:a16="http://schemas.microsoft.com/office/drawing/2014/main" id="{53993204-B218-4CFD-9A22-56A9C65AB106}"/>
+              </a:ext>
+            </a:extLst>
+          </p:cNvPr>
+          <p:cNvGrpSpPr/>
+          <p:nvPr/>
+        </p:nvGrpSpPr>
+        <p:grpSpPr>
+          <a:xfrm>
+            <a:off x="418644" y="2721424"/>
+            <a:ext cx="3660402" cy="3447258"/>
+            <a:chOff x="418644" y="2721424"/>
+            <a:chExt cx="3660402" cy="3447258"/>
+          </a:xfrm>
+        </p:grpSpPr>
+        <p:sp>
+          <p:nvSpPr>
+            <p:cNvPr id="26" name="Rectangle 25"/>
+            <p:cNvSpPr/>
+            <p:nvPr/>
+          </p:nvSpPr>
+          <p:spPr bwMode="auto">
+            <a:xfrm>
+              <a:off x="418957" y="2721424"/>
+              <a:ext cx="3660089" cy="475909"/>
+            </a:xfrm>
+            <a:prstGeom prst="rect">
+              <a:avLst/>
+            </a:prstGeom>
+            <a:solidFill>
+              <a:srgbClr val="243A5E"/>
+            </a:solidFill>
+          </p:spPr>
+          <p:txBody>
+            <a:bodyPr vert="horz" wrap="square" lIns="91427" tIns="45713" rIns="91427" bIns="45713" rtlCol="0" anchor="ctr">
+              <a:noAutofit/>
+            </a:bodyPr>
+            <a:lstStyle/>
+            <a:p>
+              <a:pPr defTabSz="932563" fontAlgn="auto">
+                <a:spcBef>
+                  <a:spcPct val="20000"/>
+                </a:spcBef>
+                <a:spcAft>
+                  <a:spcPts val="0"/>
+                </a:spcAft>
+                <a:buSzPct val="90000"/>
+                <a:defRPr/>
+              </a:pPr>
+              <a:r>
+                <a:rPr lang="en-US" sz="1961" b="0" dirty="0">
+                  <a:solidFill>
+                    <a:prstClr val="white"/>
+                  </a:solidFill>
+                  <a:latin typeface="Segoe UI Semibold" panose="020B0702040204020203" pitchFamily="34" charset="0"/>
+                  <a:cs typeface="Segoe UI Semibold" panose="020B0702040204020203" pitchFamily="34" charset="0"/>
+                </a:rPr>
+                <a:t>Data Exploration</a:t>
+              </a:r>
+            </a:p>
+          </p:txBody>
+        </p:sp>
+        <p:sp>
+          <p:nvSpPr>
+            <p:cNvPr id="32" name="Rectangle 31"/>
+            <p:cNvSpPr/>
+            <p:nvPr/>
+          </p:nvSpPr>
+          <p:spPr bwMode="auto">
+            <a:xfrm>
+              <a:off x="418644" y="3199262"/>
+              <a:ext cx="3660089" cy="2969420"/>
+            </a:xfrm>
+            <a:prstGeom prst="rect">
+              <a:avLst/>
+            </a:prstGeom>
+            <a:solidFill>
+              <a:schemeClr val="bg1">
+                <a:lumMod val="95000"/>
+              </a:schemeClr>
+            </a:solidFill>
+            <a:ln>
+              <a:solidFill>
+                <a:schemeClr val="bg1">
+                  <a:lumMod val="95000"/>
+                </a:schemeClr>
+              </a:solidFill>
+            </a:ln>
+          </p:spPr>
+          <p:txBody>
+            <a:bodyPr vert="horz" wrap="square" lIns="91427" tIns="45713" rIns="91427" bIns="45713" rtlCol="0" anchor="t">
+              <a:noAutofit/>
+            </a:bodyPr>
+            <a:lstStyle/>
+            <a:p>
+              <a:pPr defTabSz="914225" fontAlgn="auto">
+                <a:spcBef>
+                  <a:spcPts val="0"/>
+                </a:spcBef>
+                <a:spcAft>
+                  <a:spcPts val="0"/>
+                </a:spcAft>
+                <a:defRPr/>
+              </a:pPr>
+              <a:r>
+                <a:rPr lang="en-GB" sz="1765" b="0" dirty="0">
+                  <a:solidFill>
+                    <a:srgbClr val="171717"/>
+                  </a:solidFill>
+                  <a:latin typeface="Segoe UI" panose="020B0502040204020203" pitchFamily="34" charset="0"/>
+                  <a:cs typeface="+mn-cs"/>
+                </a:rPr>
+                <a:t>Browse the data lake and get initial insights about the data. Using Azure Synapse Studio, you can explore the data both graphically and programmatically. </a:t>
+              </a:r>
+              <a:endParaRPr lang="en-US" sz="1765" b="0" dirty="0">
+                <a:solidFill>
+                  <a:srgbClr val="000000"/>
+                </a:solidFill>
+                <a:latin typeface="Segoe UI"/>
+                <a:cs typeface="Segoe UI"/>
+              </a:endParaRPr>
+            </a:p>
+          </p:txBody>
+        </p:sp>
+      </p:grpSp>
+      <p:grpSp>
+        <p:nvGrpSpPr>
+          <p:cNvPr id="5" name="Group 4">
+            <a:extLst>
+              <a:ext uri="{FF2B5EF4-FFF2-40B4-BE49-F238E27FC236}">
+                <a16:creationId xmlns:a16="http://schemas.microsoft.com/office/drawing/2014/main" id="{97DA21C5-464B-4B75-B46C-06EA49F17C7E}"/>
+              </a:ext>
+            </a:extLst>
+          </p:cNvPr>
+          <p:cNvGrpSpPr/>
+          <p:nvPr/>
+        </p:nvGrpSpPr>
+        <p:grpSpPr>
+          <a:xfrm>
+            <a:off x="4273494" y="2721424"/>
+            <a:ext cx="3660246" cy="3447258"/>
+            <a:chOff x="4273494" y="2721424"/>
+            <a:chExt cx="3660246" cy="3447258"/>
+          </a:xfrm>
+        </p:grpSpPr>
+        <p:sp>
+          <p:nvSpPr>
+            <p:cNvPr id="27" name="Rectangle 26"/>
+            <p:cNvSpPr/>
+            <p:nvPr/>
+          </p:nvSpPr>
+          <p:spPr bwMode="auto">
+            <a:xfrm>
+              <a:off x="4273651" y="2721424"/>
+              <a:ext cx="3660089" cy="475909"/>
+            </a:xfrm>
+            <a:prstGeom prst="rect">
+              <a:avLst/>
+            </a:prstGeom>
+            <a:solidFill>
+              <a:srgbClr val="243A5E"/>
+            </a:solidFill>
+          </p:spPr>
+          <p:txBody>
+            <a:bodyPr vert="horz" wrap="square" lIns="91427" tIns="45713" rIns="91427" bIns="45713" rtlCol="0" anchor="ctr">
+              <a:noAutofit/>
+            </a:bodyPr>
+            <a:lstStyle/>
+            <a:p>
+              <a:pPr defTabSz="932563" fontAlgn="auto">
+                <a:spcBef>
+                  <a:spcPct val="20000"/>
+                </a:spcBef>
+                <a:spcAft>
+                  <a:spcPts val="0"/>
+                </a:spcAft>
+                <a:buSzPct val="90000"/>
+                <a:defRPr/>
+              </a:pPr>
+              <a:r>
+                <a:rPr lang="en-US" sz="1961" b="0" dirty="0">
+                  <a:solidFill>
+                    <a:prstClr val="white"/>
+                  </a:solidFill>
+                  <a:latin typeface="Segoe UI Semibold" panose="020B0702040204020203" pitchFamily="34" charset="0"/>
+                  <a:cs typeface="Segoe UI Semibold" panose="020B0702040204020203" pitchFamily="34" charset="0"/>
+                </a:rPr>
+                <a:t>Data transformation</a:t>
+              </a:r>
+            </a:p>
+          </p:txBody>
+        </p:sp>
+        <p:sp>
+          <p:nvSpPr>
+            <p:cNvPr id="33" name="Rectangle 32"/>
+            <p:cNvSpPr/>
+            <p:nvPr/>
+          </p:nvSpPr>
+          <p:spPr bwMode="auto">
+            <a:xfrm>
+              <a:off x="4273494" y="3199262"/>
+              <a:ext cx="3660089" cy="2969420"/>
+            </a:xfrm>
+            <a:prstGeom prst="rect">
+              <a:avLst/>
+            </a:prstGeom>
+            <a:solidFill>
+              <a:schemeClr val="bg1">
+                <a:lumMod val="95000"/>
+              </a:schemeClr>
+            </a:solidFill>
+            <a:ln>
+              <a:solidFill>
+                <a:schemeClr val="bg1">
+                  <a:lumMod val="95000"/>
+                </a:schemeClr>
+              </a:solidFill>
+            </a:ln>
+          </p:spPr>
+          <p:txBody>
+            <a:bodyPr vert="horz" wrap="square" lIns="91427" tIns="45713" rIns="91427" bIns="45713" rtlCol="0" anchor="t">
+              <a:noAutofit/>
+            </a:bodyPr>
+            <a:lstStyle/>
+            <a:p>
+              <a:pPr defTabSz="914225" fontAlgn="auto">
+                <a:spcBef>
+                  <a:spcPts val="0"/>
+                </a:spcBef>
+                <a:spcAft>
+                  <a:spcPts val="0"/>
+                </a:spcAft>
+                <a:defRPr/>
+              </a:pPr>
+              <a:r>
+                <a:rPr lang="en-GB" sz="1765" b="0" dirty="0">
+                  <a:solidFill>
+                    <a:srgbClr val="000000"/>
+                  </a:solidFill>
+                  <a:latin typeface="Segoe UI"/>
+                  <a:cs typeface="+mn-cs"/>
+                </a:rPr>
+                <a:t>Serverless SQL pool enables you to execute transformation statements over the data in the lake and store the results back to the data lake in a specified file format.</a:t>
+              </a:r>
+              <a:endParaRPr lang="en-US" sz="1765" b="0" dirty="0">
+                <a:solidFill>
+                  <a:srgbClr val="000000"/>
+                </a:solidFill>
+                <a:latin typeface="Segoe UI"/>
+                <a:cs typeface="+mn-cs"/>
+              </a:endParaRPr>
+            </a:p>
+          </p:txBody>
+        </p:sp>
+      </p:grpSp>
+      <p:grpSp>
+        <p:nvGrpSpPr>
+          <p:cNvPr id="6" name="Group 5">
+            <a:extLst>
+              <a:ext uri="{FF2B5EF4-FFF2-40B4-BE49-F238E27FC236}">
+                <a16:creationId xmlns:a16="http://schemas.microsoft.com/office/drawing/2014/main" id="{10E49E25-C8FA-4DE5-BB41-6CBA7A628E8E}"/>
+              </a:ext>
+            </a:extLst>
+          </p:cNvPr>
+          <p:cNvGrpSpPr/>
+          <p:nvPr/>
+        </p:nvGrpSpPr>
+        <p:grpSpPr>
+          <a:xfrm>
+            <a:off x="8112954" y="462374"/>
+            <a:ext cx="3660089" cy="5706308"/>
+            <a:chOff x="8112954" y="462374"/>
+            <a:chExt cx="3660089" cy="5706308"/>
+          </a:xfrm>
+        </p:grpSpPr>
+        <p:sp>
+          <p:nvSpPr>
+            <p:cNvPr id="28" name="Rectangle 27"/>
+            <p:cNvSpPr/>
+            <p:nvPr/>
+          </p:nvSpPr>
+          <p:spPr bwMode="auto">
+            <a:xfrm>
+              <a:off x="8112954" y="462374"/>
+              <a:ext cx="3660089" cy="475909"/>
+            </a:xfrm>
+            <a:prstGeom prst="rect">
+              <a:avLst/>
+            </a:prstGeom>
+            <a:solidFill>
+              <a:srgbClr val="243A5E"/>
+            </a:solidFill>
+          </p:spPr>
+          <p:txBody>
+            <a:bodyPr vert="horz" wrap="square" lIns="91427" tIns="45713" rIns="91427" bIns="45713" rtlCol="0" anchor="ctr">
+              <a:noAutofit/>
+            </a:bodyPr>
+            <a:lstStyle/>
+            <a:p>
+              <a:pPr defTabSz="932563" fontAlgn="auto">
+                <a:spcBef>
+                  <a:spcPct val="20000"/>
+                </a:spcBef>
+                <a:spcAft>
+                  <a:spcPts val="0"/>
+                </a:spcAft>
+                <a:buSzPct val="90000"/>
+                <a:defRPr/>
+              </a:pPr>
+              <a:r>
+                <a:rPr lang="en-US" sz="1961" b="0" dirty="0">
+                  <a:solidFill>
+                    <a:prstClr val="white"/>
+                  </a:solidFill>
+                  <a:latin typeface="Segoe UI Semibold" panose="020B0702040204020203" pitchFamily="34" charset="0"/>
+                  <a:cs typeface="Segoe UI Semibold" panose="020B0702040204020203" pitchFamily="34" charset="0"/>
+                </a:rPr>
+                <a:t>Logical data warehouse</a:t>
+              </a:r>
+            </a:p>
+          </p:txBody>
+        </p:sp>
+        <p:sp>
+          <p:nvSpPr>
+            <p:cNvPr id="34" name="Rectangle 33"/>
+            <p:cNvSpPr/>
+            <p:nvPr/>
+          </p:nvSpPr>
+          <p:spPr bwMode="auto">
+            <a:xfrm>
+              <a:off x="8112954" y="940212"/>
+              <a:ext cx="3660089" cy="5228470"/>
+            </a:xfrm>
+            <a:prstGeom prst="rect">
+              <a:avLst/>
+            </a:prstGeom>
+            <a:solidFill>
+              <a:schemeClr val="bg1">
+                <a:lumMod val="95000"/>
+              </a:schemeClr>
+            </a:solidFill>
+            <a:ln>
+              <a:solidFill>
+                <a:schemeClr val="bg1">
+                  <a:lumMod val="95000"/>
+                </a:schemeClr>
+              </a:solidFill>
+            </a:ln>
+          </p:spPr>
+          <p:txBody>
+            <a:bodyPr vert="horz" wrap="square" lIns="91427" tIns="45713" rIns="91427" bIns="45713" rtlCol="0" anchor="t">
+              <a:noAutofit/>
+            </a:bodyPr>
+            <a:lstStyle/>
+            <a:p>
+              <a:pPr defTabSz="914225" fontAlgn="auto">
+                <a:spcBef>
+                  <a:spcPts val="0"/>
+                </a:spcBef>
+                <a:spcAft>
+                  <a:spcPts val="588"/>
+                </a:spcAft>
+                <a:defRPr/>
+              </a:pPr>
+              <a:r>
+                <a:rPr lang="en-US" sz="1765" b="0" dirty="0">
+                  <a:solidFill>
+                    <a:srgbClr val="000000"/>
+                  </a:solidFill>
+                  <a:latin typeface="Segoe UI"/>
+                  <a:cs typeface="+mn-cs"/>
+                </a:rPr>
+                <a:t>C</a:t>
+              </a:r>
+              <a:r>
+                <a:rPr lang="en-GB" sz="1765" b="0" dirty="0">
+                  <a:solidFill>
+                    <a:srgbClr val="000000"/>
+                  </a:solidFill>
+                  <a:latin typeface="Segoe UI"/>
+                  <a:cs typeface="+mn-cs"/>
+                </a:rPr>
+                <a:t>reate objects (such as VIEWs and External Tables) that provide you with a SQL metadata layer over the data in the lake to create a logical data warehouse. Once these objects are created, any tool that can connect to serverless SQL pool will see these objects as regular SQL Server objects</a:t>
+              </a:r>
+              <a:endParaRPr lang="en-US" sz="1765" b="0" dirty="0">
+                <a:solidFill>
+                  <a:srgbClr val="000000"/>
+                </a:solidFill>
+                <a:latin typeface="Segoe UI"/>
+                <a:cs typeface="+mn-cs"/>
+              </a:endParaRPr>
+            </a:p>
+          </p:txBody>
+        </p:sp>
+      </p:grpSp>
+    </p:spTree>
+    <p:extLst>
+      <p:ext uri="{BB962C8B-B14F-4D97-AF65-F5344CB8AC3E}">
+        <p14:creationId xmlns:p14="http://schemas.microsoft.com/office/powerpoint/2010/main" val="253015205"/>
+      </p:ext>
+    </p:extLst>
+  </p:cSld>
+  <p:clrMapOvr>
+    <a:masterClrMapping/>
+  </p:clrMapOvr>
+  <mc:AlternateContent xmlns:mc="http://schemas.openxmlformats.org/markup-compatibility/2006" xmlns:p14="http://schemas.microsoft.com/office/powerpoint/2010/main">
+    <mc:Choice Requires="p14">
+      <p:transition spd="med" p14:dur="700">
+        <p:fade/>
+      </p:transition>
+    </mc:Choice>
+    <mc:Fallback xmlns="">
+      <p:transition spd="med">
+        <p:fade/>
+      </p:transition>
+    </mc:Fallback>
+  </mc:AlternateContent>
+  <p:timing>
+    <p:tnLst>
+      <p:par>
+        <p:cTn id="1" dur="indefinite" restart="never" nodeType="tmRoot">
+          <p:childTnLst>
+            <p:seq concurrent="1" nextAc="seek">
+              <p:cTn id="2" dur="indefinite" nodeType="mainSeq">
+                <p:childTnLst>
+                  <p:par>
+                    <p:cTn id="3" fill="hold">
+                      <p:stCondLst>
+                        <p:cond delay="indefinite"/>
+                      </p:stCondLst>
+                      <p:childTnLst>
+                        <p:par>
+                          <p:cTn id="4" fill="hold">
+                            <p:stCondLst>
+                              <p:cond delay="0"/>
+                            </p:stCondLst>
+                            <p:childTnLst>
+                              <p:par>
+                                <p:cTn id="5" presetID="2" presetClass="entr" presetSubtype="8" fill="hold" nodeType="clickEffect">
+                                  <p:stCondLst>
+                                    <p:cond delay="0"/>
+                                  </p:stCondLst>
+                                  <p:childTnLst>
+                                    <p:set>
+                                      <p:cBhvr>
+                                        <p:cTn id="6" dur="1" fill="hold">
+                                          <p:stCondLst>
+                                            <p:cond delay="0"/>
+                                          </p:stCondLst>
+                                        </p:cTn>
+                                        <p:tgtEl>
+                                          <p:spTgt spid="4"/>
+                                        </p:tgtEl>
+                                        <p:attrNameLst>
+                                          <p:attrName>style.visibility</p:attrName>
+                                        </p:attrNameLst>
+                                      </p:cBhvr>
+                                      <p:to>
+                                        <p:strVal val="visible"/>
+                                      </p:to>
+                                    </p:set>
+                                    <p:anim calcmode="lin" valueType="num">
+                                      <p:cBhvr additive="base">
+                                        <p:cTn id="7" dur="500" fill="hold"/>
+                                        <p:tgtEl>
+                                          <p:spTgt spid="4"/>
+                                        </p:tgtEl>
+                                        <p:attrNameLst>
+                                          <p:attrName>ppt_x</p:attrName>
+                                        </p:attrNameLst>
+                                      </p:cBhvr>
+                                      <p:tavLst>
+                                        <p:tav tm="0">
+                                          <p:val>
+                                            <p:strVal val="0-#ppt_w/2"/>
+                                          </p:val>
+                                        </p:tav>
+                                        <p:tav tm="100000">
+                                          <p:val>
+                                            <p:strVal val="#ppt_x"/>
+                                          </p:val>
+                                        </p:tav>
+                                      </p:tavLst>
+                                    </p:anim>
+                                    <p:anim calcmode="lin" valueType="num">
+                                      <p:cBhvr additive="base">
+                                        <p:cTn id="8" dur="500" fill="hold"/>
+                                        <p:tgtEl>
+                                          <p:spTgt spid="4"/>
+                                        </p:tgtEl>
+                                        <p:attrNameLst>
+                                          <p:attrName>ppt_y</p:attrName>
+                                        </p:attrNameLst>
+                                      </p:cBhvr>
+                                      <p:tavLst>
+                                        <p:tav tm="0">
+                                          <p:val>
+                                            <p:strVal val="#ppt_y"/>
+                                          </p:val>
+                                        </p:tav>
+                                        <p:tav tm="100000">
+                                          <p:val>
+                                            <p:strVal val="#ppt_y"/>
+                                          </p:val>
+                                        </p:tav>
+                                      </p:tavLst>
+                                    </p:anim>
+                                  </p:childTnLst>
+                                </p:cTn>
+                              </p:par>
+                            </p:childTnLst>
+                          </p:cTn>
+                        </p:par>
+                      </p:childTnLst>
+                    </p:cTn>
+                  </p:par>
+                  <p:par>
+                    <p:cTn id="9" fill="hold">
+                      <p:stCondLst>
+                        <p:cond delay="indefinite"/>
+                      </p:stCondLst>
+                      <p:childTnLst>
+                        <p:par>
+                          <p:cTn id="10" fill="hold">
+                            <p:stCondLst>
+                              <p:cond delay="0"/>
+                            </p:stCondLst>
+                            <p:childTnLst>
+                              <p:par>
+                                <p:cTn id="11" presetID="2" presetClass="entr" presetSubtype="4" fill="hold" nodeType="clickEffect">
+                                  <p:stCondLst>
+                                    <p:cond delay="0"/>
+                                  </p:stCondLst>
+                                  <p:childTnLst>
+                                    <p:set>
+                                      <p:cBhvr>
+                                        <p:cTn id="12" dur="1" fill="hold">
+                                          <p:stCondLst>
+                                            <p:cond delay="0"/>
+                                          </p:stCondLst>
+                                        </p:cTn>
+                                        <p:tgtEl>
+                                          <p:spTgt spid="5"/>
+                                        </p:tgtEl>
+                                        <p:attrNameLst>
+                                          <p:attrName>style.visibility</p:attrName>
+                                        </p:attrNameLst>
+                                      </p:cBhvr>
+                                      <p:to>
+                                        <p:strVal val="visible"/>
+                                      </p:to>
+                                    </p:set>
+                                    <p:anim calcmode="lin" valueType="num">
+                                      <p:cBhvr additive="base">
+                                        <p:cTn id="13" dur="500" fill="hold"/>
+                                        <p:tgtEl>
+                                          <p:spTgt spid="5"/>
+                                        </p:tgtEl>
+                                        <p:attrNameLst>
+                                          <p:attrName>ppt_x</p:attrName>
+                                        </p:attrNameLst>
+                                      </p:cBhvr>
+                                      <p:tavLst>
+                                        <p:tav tm="0">
+                                          <p:val>
+                                            <p:strVal val="#ppt_x"/>
+                                          </p:val>
+                                        </p:tav>
+                                        <p:tav tm="100000">
+                                          <p:val>
+                                            <p:strVal val="#ppt_x"/>
+                                          </p:val>
+                                        </p:tav>
+                                      </p:tavLst>
+                                    </p:anim>
+                                    <p:anim calcmode="lin" valueType="num">
+                                      <p:cBhvr additive="base">
+                                        <p:cTn id="14" dur="500" fill="hold"/>
+                                        <p:tgtEl>
+                                          <p:spTgt spid="5"/>
+                                        </p:tgtEl>
+                                        <p:attrNameLst>
+                                          <p:attrName>ppt_y</p:attrName>
+                                        </p:attrNameLst>
+                                      </p:cBhvr>
+                                      <p:tavLst>
+                                        <p:tav tm="0">
+                                          <p:val>
+                                            <p:strVal val="1+#ppt_h/2"/>
+                                          </p:val>
+                                        </p:tav>
+                                        <p:tav tm="100000">
+                                          <p:val>
+                                            <p:strVal val="#ppt_y"/>
+                                          </p:val>
+                                        </p:tav>
+                                      </p:tavLst>
+                                    </p:anim>
+                                  </p:childTnLst>
+                                </p:cTn>
+                              </p:par>
+                            </p:childTnLst>
+                          </p:cTn>
+                        </p:par>
+                      </p:childTnLst>
+                    </p:cTn>
+                  </p:par>
+                  <p:par>
+                    <p:cTn id="15" fill="hold">
+                      <p:stCondLst>
+                        <p:cond delay="indefinite"/>
+                      </p:stCondLst>
+                      <p:childTnLst>
+                        <p:par>
+                          <p:cTn id="16" fill="hold">
+                            <p:stCondLst>
+                              <p:cond delay="0"/>
+                            </p:stCondLst>
+                            <p:childTnLst>
+                              <p:par>
+                                <p:cTn id="17" presetID="53" presetClass="entr" presetSubtype="16" fill="hold" nodeType="clickEffect">
+                                  <p:stCondLst>
+                                    <p:cond delay="0"/>
+                                  </p:stCondLst>
+                                  <p:childTnLst>
+                                    <p:set>
+                                      <p:cBhvr>
+                                        <p:cTn id="18" dur="1" fill="hold">
+                                          <p:stCondLst>
+                                            <p:cond delay="0"/>
+                                          </p:stCondLst>
+                                        </p:cTn>
+                                        <p:tgtEl>
+                                          <p:spTgt spid="6"/>
+                                        </p:tgtEl>
+                                        <p:attrNameLst>
+                                          <p:attrName>style.visibility</p:attrName>
+                                        </p:attrNameLst>
+                                      </p:cBhvr>
+                                      <p:to>
+                                        <p:strVal val="visible"/>
+                                      </p:to>
+                                    </p:set>
+                                    <p:anim calcmode="lin" valueType="num">
+                                      <p:cBhvr>
+                                        <p:cTn id="19" dur="500" fill="hold"/>
+                                        <p:tgtEl>
+                                          <p:spTgt spid="6"/>
+                                        </p:tgtEl>
+                                        <p:attrNameLst>
+                                          <p:attrName>ppt_w</p:attrName>
+                                        </p:attrNameLst>
+                                      </p:cBhvr>
+                                      <p:tavLst>
+                                        <p:tav tm="0">
+                                          <p:val>
+                                            <p:fltVal val="0"/>
+                                          </p:val>
+                                        </p:tav>
+                                        <p:tav tm="100000">
+                                          <p:val>
+                                            <p:strVal val="#ppt_w"/>
+                                          </p:val>
+                                        </p:tav>
+                                      </p:tavLst>
+                                    </p:anim>
+                                    <p:anim calcmode="lin" valueType="num">
+                                      <p:cBhvr>
+                                        <p:cTn id="20" dur="500" fill="hold"/>
+                                        <p:tgtEl>
+                                          <p:spTgt spid="6"/>
+                                        </p:tgtEl>
+                                        <p:attrNameLst>
+                                          <p:attrName>ppt_h</p:attrName>
+                                        </p:attrNameLst>
+                                      </p:cBhvr>
+                                      <p:tavLst>
+                                        <p:tav tm="0">
+                                          <p:val>
+                                            <p:fltVal val="0"/>
+                                          </p:val>
+                                        </p:tav>
+                                        <p:tav tm="100000">
+                                          <p:val>
+                                            <p:strVal val="#ppt_h"/>
+                                          </p:val>
+                                        </p:tav>
+                                      </p:tavLst>
+                                    </p:anim>
+                                    <p:animEffect transition="in" filter="fade">
+                                      <p:cBhvr>
+                                        <p:cTn id="21" dur="500"/>
+                                        <p:tgtEl>
+                                          <p:spTgt spid="6"/>
+                                        </p:tgtEl>
+                                      </p:cBhvr>
+                                    </p:animEffect>
+                                  </p:childTnLst>
+                                </p:cTn>
+                              </p:par>
+                            </p:childTnLst>
+                          </p:cTn>
+                        </p:par>
+                      </p:childTnLst>
+                    </p:cTn>
+                  </p:par>
+                </p:childTnLst>
+              </p:cTn>
+              <p:prevCondLst>
+                <p:cond evt="onPrev" delay="0">
+                  <p:tgtEl>
+                    <p:sldTgt/>
+                  </p:tgtEl>
+                </p:cond>
+              </p:prevCondLst>
+              <p:nextCondLst>
+                <p:cond evt="onNext" delay="0">
+                  <p:tgtEl>
+                    <p:sldTgt/>
+                  </p:tgtEl>
+                </p:cond>
+              </p:nextCondLst>
+            </p:seq>
+          </p:childTnLst>
+        </p:cTn>
+      </p:par>
+    </p:tnLst>
+  </p:timing>
+</p:sld>
+</file>
+
+<file path=ppt/slides/slide5.xml><?xml version="1.0" encoding="utf-8"?>
+<p:sld xmlns:a="http://schemas.openxmlformats.org/drawingml/2006/main" xmlns:r="http://schemas.openxmlformats.org/officeDocument/2006/relationships" xmlns:p="http://schemas.openxmlformats.org/presentationml/2006/main" show="0">
   <p:cSld>
     <p:spTree>
       <p:nvGrpSpPr>
@@ -22608,7 +27460,7 @@
                 <a:tabLst/>
                 <a:defRPr/>
               </a:pPr>
-              <a:t>4</a:t>
+              <a:t>5</a:t>
             </a:fld>
             <a:endParaRPr kumimoji="0" lang="en-US" sz="900" b="1" i="0" u="none" strike="noStrike" kern="1200" cap="none" spc="0" normalizeH="0" baseline="0" noProof="0" dirty="0">
               <a:ln>
@@ -22643,7 +27495,7 @@
 </p:sld>
 </file>
 
-<file path=ppt/slides/slide5.xml><?xml version="1.0" encoding="utf-8"?>
+<file path=ppt/slides/slide6.xml><?xml version="1.0" encoding="utf-8"?>
 <p:sld xmlns:a="http://schemas.openxmlformats.org/drawingml/2006/main" xmlns:r="http://schemas.openxmlformats.org/officeDocument/2006/relationships" xmlns:p="http://schemas.openxmlformats.org/presentationml/2006/main" show="0">
   <p:cSld>
     <p:spTree>
@@ -23095,7 +27947,7 @@
             <a:fld id="{00F9DAA1-1DF7-43E0-8E29-0CE1148553C7}" type="slidenum">
               <a:rPr lang="en-US" smtClean="0"/>
               <a:pPr/>
-              <a:t>5</a:t>
+              <a:t>6</a:t>
             </a:fld>
             <a:endParaRPr lang="en-US" dirty="0"/>
           </a:p>
@@ -23105,127 +27957,6 @@
     <p:extLst>
       <p:ext uri="{BB962C8B-B14F-4D97-AF65-F5344CB8AC3E}">
         <p14:creationId xmlns:p14="http://schemas.microsoft.com/office/powerpoint/2010/main" val="2192128256"/>
-      </p:ext>
-    </p:extLst>
-  </p:cSld>
-  <p:clrMapOvr>
-    <a:masterClrMapping/>
-  </p:clrMapOvr>
-</p:sld>
-</file>
-
-<file path=ppt/slides/slide6.xml><?xml version="1.0" encoding="utf-8"?>
-<p:sld xmlns:a="http://schemas.openxmlformats.org/drawingml/2006/main" xmlns:r="http://schemas.openxmlformats.org/officeDocument/2006/relationships" xmlns:p="http://schemas.openxmlformats.org/presentationml/2006/main">
-  <p:cSld>
-    <p:spTree>
-      <p:nvGrpSpPr>
-        <p:cNvPr id="1" name=""/>
-        <p:cNvGrpSpPr/>
-        <p:nvPr/>
-      </p:nvGrpSpPr>
-      <p:grpSpPr>
-        <a:xfrm>
-          <a:off x="0" y="0"/>
-          <a:ext cx="0" cy="0"/>
-          <a:chOff x="0" y="0"/>
-          <a:chExt cx="0" cy="0"/>
-        </a:xfrm>
-      </p:grpSpPr>
-      <p:sp>
-        <p:nvSpPr>
-          <p:cNvPr id="6" name="Text Placeholder 5">
-            <a:extLst>
-              <a:ext uri="{FF2B5EF4-FFF2-40B4-BE49-F238E27FC236}">
-                <a16:creationId xmlns:a16="http://schemas.microsoft.com/office/drawing/2014/main" id="{D2D209E3-1837-4C18-AED9-45330F063EC5}"/>
-              </a:ext>
-            </a:extLst>
-          </p:cNvPr>
-          <p:cNvSpPr>
-            <a:spLocks noGrp="1"/>
-          </p:cNvSpPr>
-          <p:nvPr>
-            <p:ph type="body" sz="quarter" idx="10"/>
-          </p:nvPr>
-        </p:nvSpPr>
-        <p:spPr>
-          <a:xfrm>
-            <a:off x="3280756" y="309563"/>
-            <a:ext cx="2377094" cy="2600325"/>
-          </a:xfrm>
-        </p:spPr>
-        <p:txBody>
-          <a:bodyPr/>
-          <a:lstStyle/>
-          <a:p>
-            <a:r>
-              <a:rPr lang="en-US" dirty="0"/>
-              <a:t>2</a:t>
-            </a:r>
-          </a:p>
-        </p:txBody>
-      </p:sp>
-      <p:sp>
-        <p:nvSpPr>
-          <p:cNvPr id="2" name="Title 1">
-            <a:extLst>
-              <a:ext uri="{FF2B5EF4-FFF2-40B4-BE49-F238E27FC236}">
-                <a16:creationId xmlns:a16="http://schemas.microsoft.com/office/drawing/2014/main" id="{21A99087-F939-4EAF-AD38-211701C7799F}"/>
-              </a:ext>
-            </a:extLst>
-          </p:cNvPr>
-          <p:cNvSpPr>
-            <a:spLocks noGrp="1"/>
-          </p:cNvSpPr>
-          <p:nvPr>
-            <p:ph type="ctrTitle"/>
-          </p:nvPr>
-        </p:nvSpPr>
-        <p:spPr>
-          <a:xfrm>
-            <a:off x="1222712" y="1806388"/>
-            <a:ext cx="4581188" cy="3439389"/>
-          </a:xfrm>
-        </p:spPr>
-        <p:txBody>
-          <a:bodyPr/>
-          <a:lstStyle/>
-          <a:p>
-            <a:r>
-              <a:rPr lang="en-GB" dirty="0"/>
-              <a:t>Querying a data lake store using serverless SQL pools in Azure Synapse Analytics</a:t>
-            </a:r>
-          </a:p>
-        </p:txBody>
-      </p:sp>
-      <p:sp>
-        <p:nvSpPr>
-          <p:cNvPr id="5" name="Subtitle 4">
-            <a:extLst>
-              <a:ext uri="{FF2B5EF4-FFF2-40B4-BE49-F238E27FC236}">
-                <a16:creationId xmlns:a16="http://schemas.microsoft.com/office/drawing/2014/main" id="{9AB506EB-3DD2-4EA1-931F-DACECA2540F5}"/>
-              </a:ext>
-            </a:extLst>
-          </p:cNvPr>
-          <p:cNvSpPr>
-            <a:spLocks noGrp="1"/>
-          </p:cNvSpPr>
-          <p:nvPr>
-            <p:ph type="subTitle" idx="1"/>
-          </p:nvPr>
-        </p:nvSpPr>
-        <p:spPr/>
-        <p:txBody>
-          <a:bodyPr/>
-          <a:lstStyle/>
-          <a:p>
-            <a:endParaRPr lang="en-US"/>
-          </a:p>
-        </p:txBody>
-      </p:sp>
-    </p:spTree>
-    <p:extLst>
-      <p:ext uri="{BB962C8B-B14F-4D97-AF65-F5344CB8AC3E}">
-        <p14:creationId xmlns:p14="http://schemas.microsoft.com/office/powerpoint/2010/main" val="2118431511"/>
       </p:ext>
     </p:extLst>
   </p:cSld>
@@ -23254,6 +27985,127 @@
       </p:grpSpPr>
       <p:sp>
         <p:nvSpPr>
+          <p:cNvPr id="6" name="Text Placeholder 5">
+            <a:extLst>
+              <a:ext uri="{FF2B5EF4-FFF2-40B4-BE49-F238E27FC236}">
+                <a16:creationId xmlns:a16="http://schemas.microsoft.com/office/drawing/2014/main" id="{D2D209E3-1837-4C18-AED9-45330F063EC5}"/>
+              </a:ext>
+            </a:extLst>
+          </p:cNvPr>
+          <p:cNvSpPr>
+            <a:spLocks noGrp="1"/>
+          </p:cNvSpPr>
+          <p:nvPr>
+            <p:ph type="body" sz="quarter" idx="10"/>
+          </p:nvPr>
+        </p:nvSpPr>
+        <p:spPr>
+          <a:xfrm>
+            <a:off x="3280756" y="309563"/>
+            <a:ext cx="2377094" cy="2600325"/>
+          </a:xfrm>
+        </p:spPr>
+        <p:txBody>
+          <a:bodyPr/>
+          <a:lstStyle/>
+          <a:p>
+            <a:r>
+              <a:rPr lang="en-US" dirty="0"/>
+              <a:t>2</a:t>
+            </a:r>
+          </a:p>
+        </p:txBody>
+      </p:sp>
+      <p:sp>
+        <p:nvSpPr>
+          <p:cNvPr id="2" name="Title 1">
+            <a:extLst>
+              <a:ext uri="{FF2B5EF4-FFF2-40B4-BE49-F238E27FC236}">
+                <a16:creationId xmlns:a16="http://schemas.microsoft.com/office/drawing/2014/main" id="{21A99087-F939-4EAF-AD38-211701C7799F}"/>
+              </a:ext>
+            </a:extLst>
+          </p:cNvPr>
+          <p:cNvSpPr>
+            <a:spLocks noGrp="1"/>
+          </p:cNvSpPr>
+          <p:nvPr>
+            <p:ph type="ctrTitle"/>
+          </p:nvPr>
+        </p:nvSpPr>
+        <p:spPr>
+          <a:xfrm>
+            <a:off x="1222712" y="1806388"/>
+            <a:ext cx="4581188" cy="3439389"/>
+          </a:xfrm>
+        </p:spPr>
+        <p:txBody>
+          <a:bodyPr/>
+          <a:lstStyle/>
+          <a:p>
+            <a:r>
+              <a:rPr lang="en-GB" dirty="0"/>
+              <a:t>Querying a data lake store using serverless SQL pools in Azure Synapse Analytics</a:t>
+            </a:r>
+          </a:p>
+        </p:txBody>
+      </p:sp>
+      <p:sp>
+        <p:nvSpPr>
+          <p:cNvPr id="5" name="Subtitle 4">
+            <a:extLst>
+              <a:ext uri="{FF2B5EF4-FFF2-40B4-BE49-F238E27FC236}">
+                <a16:creationId xmlns:a16="http://schemas.microsoft.com/office/drawing/2014/main" id="{9AB506EB-3DD2-4EA1-931F-DACECA2540F5}"/>
+              </a:ext>
+            </a:extLst>
+          </p:cNvPr>
+          <p:cNvSpPr>
+            <a:spLocks noGrp="1"/>
+          </p:cNvSpPr>
+          <p:nvPr>
+            <p:ph type="subTitle" idx="1"/>
+          </p:nvPr>
+        </p:nvSpPr>
+        <p:spPr/>
+        <p:txBody>
+          <a:bodyPr/>
+          <a:lstStyle/>
+          <a:p>
+            <a:endParaRPr lang="en-US"/>
+          </a:p>
+        </p:txBody>
+      </p:sp>
+    </p:spTree>
+    <p:extLst>
+      <p:ext uri="{BB962C8B-B14F-4D97-AF65-F5344CB8AC3E}">
+        <p14:creationId xmlns:p14="http://schemas.microsoft.com/office/powerpoint/2010/main" val="2118431511"/>
+      </p:ext>
+    </p:extLst>
+  </p:cSld>
+  <p:clrMapOvr>
+    <a:masterClrMapping/>
+  </p:clrMapOvr>
+</p:sld>
+</file>
+
+<file path=ppt/slides/slide8.xml><?xml version="1.0" encoding="utf-8"?>
+<p:sld xmlns:a="http://schemas.openxmlformats.org/drawingml/2006/main" xmlns:r="http://schemas.openxmlformats.org/officeDocument/2006/relationships" xmlns:p="http://schemas.openxmlformats.org/presentationml/2006/main">
+  <p:cSld>
+    <p:spTree>
+      <p:nvGrpSpPr>
+        <p:cNvPr id="1" name=""/>
+        <p:cNvGrpSpPr/>
+        <p:nvPr/>
+      </p:nvGrpSpPr>
+      <p:grpSpPr>
+        <a:xfrm>
+          <a:off x="0" y="0"/>
+          <a:ext cx="0" cy="0"/>
+          <a:chOff x="0" y="0"/>
+          <a:chExt cx="0" cy="0"/>
+        </a:xfrm>
+      </p:grpSpPr>
+      <p:sp>
+        <p:nvSpPr>
           <p:cNvPr id="5" name="Title 4">
             <a:extLst>
               <a:ext uri="{FF2B5EF4-FFF2-40B4-BE49-F238E27FC236}">
@@ -23640,7 +28492,7 @@
             <a:fld id="{00F9DAA1-1DF7-43E0-8E29-0CE1148553C7}" type="slidenum">
               <a:rPr lang="en-US" smtClean="0"/>
               <a:pPr/>
-              <a:t>7</a:t>
+              <a:t>8</a:t>
             </a:fld>
             <a:endParaRPr lang="en-US" dirty="0"/>
           </a:p>
@@ -23650,307 +28502,6 @@
     <p:extLst>
       <p:ext uri="{BB962C8B-B14F-4D97-AF65-F5344CB8AC3E}">
         <p14:creationId xmlns:p14="http://schemas.microsoft.com/office/powerpoint/2010/main" val="4047847801"/>
-      </p:ext>
-    </p:extLst>
-  </p:cSld>
-  <p:clrMapOvr>
-    <a:masterClrMapping/>
-  </p:clrMapOvr>
-</p:sld>
-</file>
-
-<file path=ppt/slides/slide8.xml><?xml version="1.0" encoding="utf-8"?>
-<p:sld xmlns:a="http://schemas.openxmlformats.org/drawingml/2006/main" xmlns:r="http://schemas.openxmlformats.org/officeDocument/2006/relationships" xmlns:p="http://schemas.openxmlformats.org/presentationml/2006/main" show="0">
-  <p:cSld>
-    <p:spTree>
-      <p:nvGrpSpPr>
-        <p:cNvPr id="1" name=""/>
-        <p:cNvGrpSpPr/>
-        <p:nvPr/>
-      </p:nvGrpSpPr>
-      <p:grpSpPr>
-        <a:xfrm>
-          <a:off x="0" y="0"/>
-          <a:ext cx="0" cy="0"/>
-          <a:chOff x="0" y="0"/>
-          <a:chExt cx="0" cy="0"/>
-        </a:xfrm>
-      </p:grpSpPr>
-      <p:sp>
-        <p:nvSpPr>
-          <p:cNvPr id="6" name="Title 5">
-            <a:extLst>
-              <a:ext uri="{FF2B5EF4-FFF2-40B4-BE49-F238E27FC236}">
-                <a16:creationId xmlns:a16="http://schemas.microsoft.com/office/drawing/2014/main" id="{ACCF479E-2F10-4984-9BCE-6DB6823845AD}"/>
-              </a:ext>
-            </a:extLst>
-          </p:cNvPr>
-          <p:cNvSpPr>
-            <a:spLocks noGrp="1"/>
-          </p:cNvSpPr>
-          <p:nvPr>
-            <p:ph type="title"/>
-          </p:nvPr>
-        </p:nvSpPr>
-        <p:spPr>
-          <a:xfrm>
-            <a:off x="652462" y="346076"/>
-            <a:ext cx="10887076" cy="568324"/>
-          </a:xfrm>
-        </p:spPr>
-        <p:txBody>
-          <a:bodyPr/>
-          <a:lstStyle/>
-          <a:p>
-            <a:r>
-              <a:rPr lang="en-GB" dirty="0"/>
-              <a:t>Querying parquet files in a data lake</a:t>
-            </a:r>
-          </a:p>
-        </p:txBody>
-      </p:sp>
-      <p:sp>
-        <p:nvSpPr>
-          <p:cNvPr id="11" name="Content Placeholder 10">
-            <a:extLst>
-              <a:ext uri="{FF2B5EF4-FFF2-40B4-BE49-F238E27FC236}">
-                <a16:creationId xmlns:a16="http://schemas.microsoft.com/office/drawing/2014/main" id="{AA940299-0498-4056-9670-06B0847FFEE6}"/>
-              </a:ext>
-            </a:extLst>
-          </p:cNvPr>
-          <p:cNvSpPr>
-            <a:spLocks noGrp="1"/>
-          </p:cNvSpPr>
-          <p:nvPr>
-            <p:ph sz="quarter" idx="11"/>
-          </p:nvPr>
-        </p:nvSpPr>
-        <p:spPr/>
-        <p:txBody>
-          <a:bodyPr/>
-          <a:lstStyle/>
-          <a:p>
-            <a:endParaRPr lang="en-US" dirty="0"/>
-          </a:p>
-        </p:txBody>
-      </p:sp>
-      <p:pic>
-        <p:nvPicPr>
-          <p:cNvPr id="10" name="Picture 9" descr="The Built-in connection is highlighted.">
-            <a:extLst>
-              <a:ext uri="{FF2B5EF4-FFF2-40B4-BE49-F238E27FC236}">
-                <a16:creationId xmlns:a16="http://schemas.microsoft.com/office/drawing/2014/main" id="{18AA0B6C-A7C1-4B50-810A-ADBD5D5CB27F}"/>
-              </a:ext>
-            </a:extLst>
-          </p:cNvPr>
-          <p:cNvPicPr>
-            <a:picLocks noChangeAspect="1" noChangeArrowheads="1"/>
-          </p:cNvPicPr>
-          <p:nvPr/>
-        </p:nvPicPr>
-        <p:blipFill>
-          <a:blip r:embed="rId3">
-            <a:extLst>
-              <a:ext uri="{28A0092B-C50C-407E-A947-70E740481C1C}">
-                <a14:useLocalDpi xmlns:a14="http://schemas.microsoft.com/office/drawing/2010/main" val="0"/>
-              </a:ext>
-            </a:extLst>
-          </a:blip>
-          <a:srcRect/>
-          <a:stretch>
-            <a:fillRect/>
-          </a:stretch>
-        </p:blipFill>
-        <p:spPr bwMode="auto">
-          <a:xfrm>
-            <a:off x="647699" y="1828800"/>
-            <a:ext cx="10935900" cy="3441700"/>
-          </a:xfrm>
-          <a:prstGeom prst="rect">
-            <a:avLst/>
-          </a:prstGeom>
-          <a:noFill/>
-          <a:extLst>
-            <a:ext uri="{909E8E84-426E-40DD-AFC4-6F175D3DCCD1}">
-              <a14:hiddenFill xmlns:a14="http://schemas.microsoft.com/office/drawing/2010/main">
-                <a:solidFill>
-                  <a:srgbClr val="FFFFFF"/>
-                </a:solidFill>
-              </a14:hiddenFill>
-            </a:ext>
-          </a:extLst>
-        </p:spPr>
-      </p:pic>
-      <p:sp>
-        <p:nvSpPr>
-          <p:cNvPr id="4" name="Footer Placeholder 3">
-            <a:extLst>
-              <a:ext uri="{FF2B5EF4-FFF2-40B4-BE49-F238E27FC236}">
-                <a16:creationId xmlns:a16="http://schemas.microsoft.com/office/drawing/2014/main" id="{9F5809F2-B093-4B3C-92A9-60BD5C35E0A5}"/>
-              </a:ext>
-            </a:extLst>
-          </p:cNvPr>
-          <p:cNvSpPr>
-            <a:spLocks noGrp="1"/>
-          </p:cNvSpPr>
-          <p:nvPr>
-            <p:ph type="ftr" sz="quarter" idx="3"/>
-          </p:nvPr>
-        </p:nvSpPr>
-        <p:spPr>
-          <a:xfrm>
-            <a:off x="7234764" y="6466371"/>
-            <a:ext cx="4114800" cy="331932"/>
-          </a:xfrm>
-        </p:spPr>
-        <p:txBody>
-          <a:bodyPr/>
-          <a:lstStyle/>
-          <a:p>
-            <a:pPr marL="0" marR="0" lvl="0" indent="0" algn="r" defTabSz="914400" rtl="0" eaLnBrk="1" fontAlgn="auto" latinLnBrk="0" hangingPunct="1">
-              <a:lnSpc>
-                <a:spcPct val="100000"/>
-              </a:lnSpc>
-              <a:spcBef>
-                <a:spcPts val="0"/>
-              </a:spcBef>
-              <a:spcAft>
-                <a:spcPts val="0"/>
-              </a:spcAft>
-              <a:buClrTx/>
-              <a:buSzTx/>
-              <a:buFontTx/>
-              <a:buNone/>
-              <a:tabLst/>
-              <a:defRPr/>
-            </a:pPr>
-            <a:r>
-              <a:rPr kumimoji="0" lang="en-US" sz="800" b="1" i="0" u="none" strike="noStrike" kern="1200" cap="none" spc="300" normalizeH="0" baseline="0" noProof="0" dirty="0">
-                <a:ln>
-                  <a:noFill/>
-                </a:ln>
-                <a:solidFill>
-                  <a:srgbClr val="E7E6E6">
-                    <a:lumMod val="90000"/>
-                    <a:alpha val="70000"/>
-                  </a:srgbClr>
-                </a:solidFill>
-                <a:effectLst/>
-                <a:uLnTx/>
-                <a:uFillTx/>
-                <a:latin typeface="Montserrat"/>
-                <a:ea typeface="+mn-ea"/>
-                <a:cs typeface="+mn-cs"/>
-              </a:rPr>
-              <a:t>WWW.SOLLIANCE.NET</a:t>
-            </a:r>
-          </a:p>
-        </p:txBody>
-      </p:sp>
-      <p:sp>
-        <p:nvSpPr>
-          <p:cNvPr id="5" name="Slide Number Placeholder 4">
-            <a:extLst>
-              <a:ext uri="{FF2B5EF4-FFF2-40B4-BE49-F238E27FC236}">
-                <a16:creationId xmlns:a16="http://schemas.microsoft.com/office/drawing/2014/main" id="{B600F73F-72F9-4EBA-98B0-E42DB6104766}"/>
-              </a:ext>
-            </a:extLst>
-          </p:cNvPr>
-          <p:cNvSpPr>
-            <a:spLocks noGrp="1"/>
-          </p:cNvSpPr>
-          <p:nvPr>
-            <p:ph type="sldNum" sz="quarter" idx="4"/>
-          </p:nvPr>
-        </p:nvSpPr>
-        <p:spPr>
-          <a:xfrm>
-            <a:off x="11636830" y="6466371"/>
-            <a:ext cx="436355" cy="331932"/>
-          </a:xfrm>
-        </p:spPr>
-        <p:txBody>
-          <a:bodyPr/>
-          <a:lstStyle/>
-          <a:p>
-            <a:pPr marL="0" marR="0" lvl="0" indent="0" algn="ctr" defTabSz="914400" rtl="0" eaLnBrk="1" fontAlgn="auto" latinLnBrk="0" hangingPunct="1">
-              <a:lnSpc>
-                <a:spcPct val="100000"/>
-              </a:lnSpc>
-              <a:spcBef>
-                <a:spcPts val="0"/>
-              </a:spcBef>
-              <a:spcAft>
-                <a:spcPts val="0"/>
-              </a:spcAft>
-              <a:buClrTx/>
-              <a:buSzTx/>
-              <a:buFontTx/>
-              <a:buNone/>
-              <a:tabLst/>
-              <a:defRPr/>
-            </a:pPr>
-            <a:fld id="{00F9DAA1-1DF7-43E0-8E29-0CE1148553C7}" type="slidenum">
-              <a:rPr kumimoji="0" lang="en-US" sz="900" b="1" i="0" u="none" strike="noStrike" kern="1200" cap="none" spc="0" normalizeH="0" baseline="0" noProof="0" smtClean="0">
-                <a:ln>
-                  <a:noFill/>
-                </a:ln>
-                <a:solidFill>
-                  <a:srgbClr val="E7E6E6">
-                    <a:lumMod val="90000"/>
-                    <a:alpha val="60000"/>
-                  </a:srgbClr>
-                </a:solidFill>
-                <a:effectLst/>
-                <a:uLnTx/>
-                <a:uFillTx/>
-                <a:latin typeface="Montserrat"/>
-                <a:ea typeface="+mn-ea"/>
-                <a:cs typeface="+mn-cs"/>
-              </a:rPr>
-              <a:pPr marL="0" marR="0" lvl="0" indent="0" algn="ctr" defTabSz="914400" rtl="0" eaLnBrk="1" fontAlgn="auto" latinLnBrk="0" hangingPunct="1">
-                <a:lnSpc>
-                  <a:spcPct val="100000"/>
-                </a:lnSpc>
-                <a:spcBef>
-                  <a:spcPts val="0"/>
-                </a:spcBef>
-                <a:spcAft>
-                  <a:spcPts val="0"/>
-                </a:spcAft>
-                <a:buClrTx/>
-                <a:buSzTx/>
-                <a:buFontTx/>
-                <a:buNone/>
-                <a:tabLst/>
-                <a:defRPr/>
-              </a:pPr>
-              <a:t>8</a:t>
-            </a:fld>
-            <a:endParaRPr kumimoji="0" lang="en-US" sz="900" b="1" i="0" u="none" strike="noStrike" kern="1200" cap="none" spc="0" normalizeH="0" baseline="0" noProof="0" dirty="0">
-              <a:ln>
-                <a:noFill/>
-              </a:ln>
-              <a:solidFill>
-                <a:srgbClr val="E7E6E6">
-                  <a:lumMod val="90000"/>
-                  <a:alpha val="60000"/>
-                </a:srgbClr>
-              </a:solidFill>
-              <a:effectLst/>
-              <a:uLnTx/>
-              <a:uFillTx/>
-              <a:latin typeface="Montserrat"/>
-              <a:ea typeface="+mn-ea"/>
-              <a:cs typeface="+mn-cs"/>
-            </a:endParaRPr>
-          </a:p>
-        </p:txBody>
-      </p:sp>
-    </p:spTree>
-    <p:extLst>
-      <p:ext uri="{BB962C8B-B14F-4D97-AF65-F5344CB8AC3E}">
-        <p14:creationId xmlns:p14="http://schemas.microsoft.com/office/powerpoint/2010/main" val="436125371"/>
       </p:ext>
     </p:extLst>
   </p:cSld>
@@ -23979,82 +28530,206 @@
       </p:grpSpPr>
       <p:sp>
         <p:nvSpPr>
-          <p:cNvPr id="6" name="Text Placeholder 5">
-            <a:extLst>
-              <a:ext uri="{FF2B5EF4-FFF2-40B4-BE49-F238E27FC236}">
-                <a16:creationId xmlns:a16="http://schemas.microsoft.com/office/drawing/2014/main" id="{D2D209E3-1837-4C18-AED9-45330F063EC5}"/>
-              </a:ext>
-            </a:extLst>
-          </p:cNvPr>
-          <p:cNvSpPr>
-            <a:spLocks noGrp="1"/>
-          </p:cNvSpPr>
-          <p:nvPr>
-            <p:ph type="body" sz="quarter" idx="10"/>
-          </p:nvPr>
-        </p:nvSpPr>
-        <p:spPr>
-          <a:xfrm>
-            <a:off x="3280756" y="309563"/>
-            <a:ext cx="2377094" cy="2600325"/>
-          </a:xfrm>
-        </p:spPr>
-        <p:txBody>
-          <a:bodyPr/>
+          <p:cNvPr id="39" name="Title 1"/>
+          <p:cNvSpPr>
+            <a:spLocks noGrp="1"/>
+          </p:cNvSpPr>
+          <p:nvPr>
+            <p:ph type="title" idx="4294967295"/>
+          </p:nvPr>
+        </p:nvSpPr>
+        <p:spPr>
+          <a:xfrm>
+            <a:off x="176980" y="-79483"/>
+            <a:ext cx="11114088" cy="1325562"/>
+          </a:xfrm>
+        </p:spPr>
+        <p:txBody>
+          <a:bodyPr>
+            <a:normAutofit/>
+          </a:bodyPr>
           <a:lstStyle/>
           <a:p>
             <a:r>
-              <a:rPr lang="en-US" dirty="0"/>
-              <a:t>3</a:t>
-            </a:r>
-          </a:p>
-        </p:txBody>
-      </p:sp>
-      <p:sp>
-        <p:nvSpPr>
-          <p:cNvPr id="2" name="Title 1">
-            <a:extLst>
-              <a:ext uri="{FF2B5EF4-FFF2-40B4-BE49-F238E27FC236}">
-                <a16:creationId xmlns:a16="http://schemas.microsoft.com/office/drawing/2014/main" id="{21A99087-F939-4EAF-AD38-211701C7799F}"/>
-              </a:ext>
-            </a:extLst>
-          </p:cNvPr>
-          <p:cNvSpPr>
-            <a:spLocks noGrp="1"/>
-          </p:cNvSpPr>
-          <p:nvPr>
-            <p:ph type="ctrTitle"/>
-          </p:nvPr>
-        </p:nvSpPr>
-        <p:spPr>
-          <a:xfrm>
-            <a:off x="1320131" y="1628588"/>
-            <a:ext cx="3921249" cy="3439389"/>
-          </a:xfrm>
-        </p:spPr>
-        <p:txBody>
-          <a:bodyPr/>
-          <a:lstStyle/>
-          <a:p>
-            <a:r>
-              <a:rPr lang="en-GB" dirty="0"/>
-              <a:t>Securing access to data through using SQL serverless in Azure Synapse Analytics</a:t>
-            </a:r>
-            <a:endParaRPr lang="en-US" dirty="0"/>
-          </a:p>
-        </p:txBody>
-      </p:sp>
+              <a:rPr lang="en-GB" sz="2800" b="0" dirty="0">
+                <a:latin typeface="IBM Plex Sans Medium" panose="020B0603050203000203" pitchFamily="34" charset="0"/>
+                <a:ea typeface="+mn-ea"/>
+                <a:cs typeface="+mn-cs"/>
+              </a:rPr>
+              <a:t>Query data in the lake using Azure Synapse serverless SQL pools</a:t>
+            </a:r>
+            <a:endParaRPr lang="en-US" sz="2800" dirty="0">
+              <a:latin typeface="IBM Plex Sans Medium" panose="020B0603050203000203" pitchFamily="34" charset="0"/>
+            </a:endParaRPr>
+          </a:p>
+        </p:txBody>
+      </p:sp>
+      <p:pic>
+        <p:nvPicPr>
+          <p:cNvPr id="5" name="Picture 2" descr="The Built-in connection is highlighted.">
+            <a:extLst>
+              <a:ext uri="{FF2B5EF4-FFF2-40B4-BE49-F238E27FC236}">
+                <a16:creationId xmlns:a16="http://schemas.microsoft.com/office/drawing/2014/main" id="{20EB4FAD-0CE6-486A-BE03-72FBAEA32419}"/>
+              </a:ext>
+            </a:extLst>
+          </p:cNvPr>
+          <p:cNvPicPr>
+            <a:picLocks noChangeAspect="1" noChangeArrowheads="1"/>
+          </p:cNvPicPr>
+          <p:nvPr/>
+        </p:nvPicPr>
+        <p:blipFill>
+          <a:blip r:embed="rId3">
+            <a:extLst>
+              <a:ext uri="{28A0092B-C50C-407E-A947-70E740481C1C}">
+                <a14:useLocalDpi xmlns:a14="http://schemas.microsoft.com/office/drawing/2010/main" val="0"/>
+              </a:ext>
+            </a:extLst>
+          </a:blip>
+          <a:srcRect/>
+          <a:stretch>
+            <a:fillRect/>
+          </a:stretch>
+        </p:blipFill>
+        <p:spPr bwMode="auto">
+          <a:xfrm>
+            <a:off x="908042" y="1246079"/>
+            <a:ext cx="10035715" cy="2850728"/>
+          </a:xfrm>
+          <a:prstGeom prst="rect">
+            <a:avLst/>
+          </a:prstGeom>
+          <a:noFill/>
+          <a:extLst>
+            <a:ext uri="{909E8E84-426E-40DD-AFC4-6F175D3DCCD1}">
+              <a14:hiddenFill xmlns:a14="http://schemas.microsoft.com/office/drawing/2010/main">
+                <a:solidFill>
+                  <a:srgbClr val="FFFFFF"/>
+                </a:solidFill>
+              </a14:hiddenFill>
+            </a:ext>
+          </a:extLst>
+        </p:spPr>
+      </p:pic>
+      <p:pic>
+        <p:nvPicPr>
+          <p:cNvPr id="8" name="Picture 7" descr="This image shows the icon for a parquet file">
+            <a:extLst>
+              <a:ext uri="{FF2B5EF4-FFF2-40B4-BE49-F238E27FC236}">
+                <a16:creationId xmlns:a16="http://schemas.microsoft.com/office/drawing/2014/main" id="{988352FF-09FF-4FC2-80F2-54CCDA031062}"/>
+              </a:ext>
+            </a:extLst>
+          </p:cNvPr>
+          <p:cNvPicPr>
+            <a:picLocks noChangeAspect="1"/>
+          </p:cNvPicPr>
+          <p:nvPr/>
+        </p:nvPicPr>
+        <p:blipFill>
+          <a:blip r:embed="rId4"/>
+          <a:stretch>
+            <a:fillRect/>
+          </a:stretch>
+        </p:blipFill>
+        <p:spPr>
+          <a:xfrm>
+            <a:off x="1480555" y="4184887"/>
+            <a:ext cx="2159461" cy="2031275"/>
+          </a:xfrm>
+          <a:prstGeom prst="rect">
+            <a:avLst/>
+          </a:prstGeom>
+        </p:spPr>
+      </p:pic>
+      <p:pic>
+        <p:nvPicPr>
+          <p:cNvPr id="9" name="Picture 8" descr="This image shows the icon for a JSON file">
+            <a:extLst>
+              <a:ext uri="{FF2B5EF4-FFF2-40B4-BE49-F238E27FC236}">
+                <a16:creationId xmlns:a16="http://schemas.microsoft.com/office/drawing/2014/main" id="{EFCFEA2A-1000-46BE-9A41-649776347F12}"/>
+              </a:ext>
+            </a:extLst>
+          </p:cNvPr>
+          <p:cNvPicPr>
+            <a:picLocks noChangeAspect="1"/>
+          </p:cNvPicPr>
+          <p:nvPr/>
+        </p:nvPicPr>
+        <p:blipFill>
+          <a:blip r:embed="rId5"/>
+          <a:stretch>
+            <a:fillRect/>
+          </a:stretch>
+        </p:blipFill>
+        <p:spPr>
+          <a:xfrm>
+            <a:off x="4116016" y="4184887"/>
+            <a:ext cx="2262850" cy="2148143"/>
+          </a:xfrm>
+          <a:prstGeom prst="rect">
+            <a:avLst/>
+          </a:prstGeom>
+        </p:spPr>
+      </p:pic>
+      <p:pic>
+        <p:nvPicPr>
+          <p:cNvPr id="10" name="Picture 9" descr="This image shows the icon for a CSV file">
+            <a:extLst>
+              <a:ext uri="{FF2B5EF4-FFF2-40B4-BE49-F238E27FC236}">
+                <a16:creationId xmlns:a16="http://schemas.microsoft.com/office/drawing/2014/main" id="{FD511792-5962-435E-B82F-A65FBB7B1C5E}"/>
+              </a:ext>
+            </a:extLst>
+          </p:cNvPr>
+          <p:cNvPicPr>
+            <a:picLocks noChangeAspect="1"/>
+          </p:cNvPicPr>
+          <p:nvPr/>
+        </p:nvPicPr>
+        <p:blipFill>
+          <a:blip r:embed="rId6"/>
+          <a:stretch>
+            <a:fillRect/>
+          </a:stretch>
+        </p:blipFill>
+        <p:spPr>
+          <a:xfrm>
+            <a:off x="7002830" y="4216916"/>
+            <a:ext cx="2148142" cy="2148142"/>
+          </a:xfrm>
+          <a:prstGeom prst="rect">
+            <a:avLst/>
+          </a:prstGeom>
+        </p:spPr>
+      </p:pic>
     </p:spTree>
     <p:extLst>
       <p:ext uri="{BB962C8B-B14F-4D97-AF65-F5344CB8AC3E}">
-        <p14:creationId xmlns:p14="http://schemas.microsoft.com/office/powerpoint/2010/main" val="232016569"/>
+        <p14:creationId xmlns:p14="http://schemas.microsoft.com/office/powerpoint/2010/main" val="2891015266"/>
       </p:ext>
     </p:extLst>
   </p:cSld>
   <p:clrMapOvr>
     <a:masterClrMapping/>
   </p:clrMapOvr>
+  <mc:AlternateContent xmlns:mc="http://schemas.openxmlformats.org/markup-compatibility/2006" xmlns:p14="http://schemas.microsoft.com/office/powerpoint/2010/main">
+    <mc:Choice Requires="p14">
+      <p:transition spd="med" p14:dur="700">
+        <p:fade/>
+      </p:transition>
+    </mc:Choice>
+    <mc:Fallback xmlns="">
+      <p:transition spd="med">
+        <p:fade/>
+      </p:transition>
+    </mc:Fallback>
+  </mc:AlternateContent>
 </p:sld>
+</file>
+
+<file path=ppt/tags/tag1.xml><?xml version="1.0" encoding="utf-8"?>
+<p:tagLst xmlns:a="http://schemas.openxmlformats.org/drawingml/2006/main" xmlns:r="http://schemas.openxmlformats.org/officeDocument/2006/relationships" xmlns:p="http://schemas.openxmlformats.org/presentationml/2006/main">
+  <p:tag name="__MICROSOFT_TRANSLATOR_CLM_SLIDEINFO" val="{&quot;Guid&quot;:&quot;eb6db257-fe06-44af-a24a-c3dfabf0ddc1&quot;,&quot;TimeStamp&quot;:&quot;2017-08-04T16:00:14.9697454+01:00&quot;}"/>
+</p:tagLst>
 </file>
 
 <file path=ppt/theme/theme1.xml><?xml version="1.0" encoding="utf-8"?>

--- a/05-Run Interactive queries using Azure Synapse Serverless.pptx
+++ b/05-Run Interactive queries using Azure Synapse Serverless.pptx
@@ -598,7 +598,7 @@
           <a:p>
             <a:fld id="{2B56BDA5-FBCC-43E1-957B-02AF36889AD5}" type="datetimeFigureOut">
               <a:rPr lang="en-US" smtClean="0"/>
-              <a:t>12/2/2022</a:t>
+              <a:t>12/2/23</a:t>
             </a:fld>
             <a:endParaRPr lang="en-US" dirty="0"/>
           </a:p>
@@ -775,7 +775,7 @@
           <a:p>
             <a:fld id="{8F44CDF0-0D54-4AFE-B409-D6358A9BB9A1}" type="datetimeFigureOut">
               <a:rPr lang="en-US" smtClean="0"/>
-              <a:t>12/2/2022</a:t>
+              <a:t>12/2/23</a:t>
             </a:fld>
             <a:endParaRPr lang="en-US" dirty="0"/>
           </a:p>
@@ -25833,16 +25833,13 @@
           <a:p>
             <a:r>
               <a:rPr lang="en-US" dirty="0"/>
-              <a:t>LAB 2 </a:t>
+              <a:t>LAB 2: Query files </a:t>
             </a:r>
             <a:r>
               <a:rPr lang="en-US"/>
-              <a:t>(Env 2): </a:t>
-            </a:r>
-            <a:r>
-              <a:rPr lang="en-US" dirty="0"/>
-              <a:t>Run interactive queries with Azure Synapse Serverless SQL pools</a:t>
-            </a:r>
+              <a:t>using a serverless SQL pool</a:t>
+            </a:r>
+            <a:endParaRPr lang="en-US" dirty="0"/>
           </a:p>
         </p:txBody>
       </p:sp>
